--- a/IAG Take Home Exercise.pptx
+++ b/IAG Take Home Exercise.pptx
@@ -7,9 +7,15 @@
   <p:sldIdLst>
     <p:sldId id="256" r:id="rId2"/>
     <p:sldId id="257" r:id="rId3"/>
-    <p:sldId id="258" r:id="rId4"/>
-    <p:sldId id="259" r:id="rId5"/>
-    <p:sldId id="260" r:id="rId6"/>
+    <p:sldId id="264" r:id="rId4"/>
+    <p:sldId id="258" r:id="rId5"/>
+    <p:sldId id="259" r:id="rId6"/>
+    <p:sldId id="262" r:id="rId7"/>
+    <p:sldId id="263" r:id="rId8"/>
+    <p:sldId id="261" r:id="rId9"/>
+    <p:sldId id="260" r:id="rId10"/>
+    <p:sldId id="265" r:id="rId11"/>
+    <p:sldId id="266" r:id="rId12"/>
   </p:sldIdLst>
   <p:sldSz cx="12192000" cy="6858000"/>
   <p:notesSz cx="6858000" cy="9144000"/>
@@ -108,6 +114,11 @@
       </a:defRPr>
     </a:lvl9pPr>
   </p:defaultTextStyle>
+  <p:extLst>
+    <p:ext uri="{EFAFB233-063F-42B5-8137-9DF3F51BA10A}">
+      <p15:sldGuideLst xmlns:p15="http://schemas.microsoft.com/office/powerpoint/2012/main"/>
+    </p:ext>
+  </p:extLst>
 </p:presentation>
 </file>
 
@@ -262,7 +273,7 @@
               <a:rPr lang="en-CA" smtClean="0"/>
               <a:t>2025-07-24</a:t>
             </a:fld>
-            <a:endParaRPr lang="en-CA"/>
+            <a:endParaRPr lang="en-CA" dirty="0"/>
           </a:p>
         </p:txBody>
       </p:sp>
@@ -287,7 +298,7 @@
           <a:bodyPr/>
           <a:lstStyle/>
           <a:p>
-            <a:endParaRPr lang="en-CA"/>
+            <a:endParaRPr lang="en-CA" dirty="0"/>
           </a:p>
         </p:txBody>
       </p:sp>
@@ -316,7 +327,7 @@
               <a:rPr lang="en-CA" smtClean="0"/>
               <a:t>‹#›</a:t>
             </a:fld>
-            <a:endParaRPr lang="en-CA"/>
+            <a:endParaRPr lang="en-CA" dirty="0"/>
           </a:p>
         </p:txBody>
       </p:sp>
@@ -462,7 +473,7 @@
               <a:rPr lang="en-CA" smtClean="0"/>
               <a:t>2025-07-24</a:t>
             </a:fld>
-            <a:endParaRPr lang="en-CA"/>
+            <a:endParaRPr lang="en-CA" dirty="0"/>
           </a:p>
         </p:txBody>
       </p:sp>
@@ -487,7 +498,7 @@
           <a:bodyPr/>
           <a:lstStyle/>
           <a:p>
-            <a:endParaRPr lang="en-CA"/>
+            <a:endParaRPr lang="en-CA" dirty="0"/>
           </a:p>
         </p:txBody>
       </p:sp>
@@ -516,7 +527,7 @@
               <a:rPr lang="en-CA" smtClean="0"/>
               <a:t>‹#›</a:t>
             </a:fld>
-            <a:endParaRPr lang="en-CA"/>
+            <a:endParaRPr lang="en-CA" dirty="0"/>
           </a:p>
         </p:txBody>
       </p:sp>
@@ -672,7 +683,7 @@
               <a:rPr lang="en-CA" smtClean="0"/>
               <a:t>2025-07-24</a:t>
             </a:fld>
-            <a:endParaRPr lang="en-CA"/>
+            <a:endParaRPr lang="en-CA" dirty="0"/>
           </a:p>
         </p:txBody>
       </p:sp>
@@ -697,7 +708,7 @@
           <a:bodyPr/>
           <a:lstStyle/>
           <a:p>
-            <a:endParaRPr lang="en-CA"/>
+            <a:endParaRPr lang="en-CA" dirty="0"/>
           </a:p>
         </p:txBody>
       </p:sp>
@@ -726,7 +737,7 @@
               <a:rPr lang="en-CA" smtClean="0"/>
               <a:t>‹#›</a:t>
             </a:fld>
-            <a:endParaRPr lang="en-CA"/>
+            <a:endParaRPr lang="en-CA" dirty="0"/>
           </a:p>
         </p:txBody>
       </p:sp>
@@ -872,7 +883,7 @@
               <a:rPr lang="en-CA" smtClean="0"/>
               <a:t>2025-07-24</a:t>
             </a:fld>
-            <a:endParaRPr lang="en-CA"/>
+            <a:endParaRPr lang="en-CA" dirty="0"/>
           </a:p>
         </p:txBody>
       </p:sp>
@@ -897,7 +908,7 @@
           <a:bodyPr/>
           <a:lstStyle/>
           <a:p>
-            <a:endParaRPr lang="en-CA"/>
+            <a:endParaRPr lang="en-CA" dirty="0"/>
           </a:p>
         </p:txBody>
       </p:sp>
@@ -926,7 +937,7 @@
               <a:rPr lang="en-CA" smtClean="0"/>
               <a:t>‹#›</a:t>
             </a:fld>
-            <a:endParaRPr lang="en-CA"/>
+            <a:endParaRPr lang="en-CA" dirty="0"/>
           </a:p>
         </p:txBody>
       </p:sp>
@@ -1148,7 +1159,7 @@
               <a:rPr lang="en-CA" smtClean="0"/>
               <a:t>2025-07-24</a:t>
             </a:fld>
-            <a:endParaRPr lang="en-CA"/>
+            <a:endParaRPr lang="en-CA" dirty="0"/>
           </a:p>
         </p:txBody>
       </p:sp>
@@ -1173,7 +1184,7 @@
           <a:bodyPr/>
           <a:lstStyle/>
           <a:p>
-            <a:endParaRPr lang="en-CA"/>
+            <a:endParaRPr lang="en-CA" dirty="0"/>
           </a:p>
         </p:txBody>
       </p:sp>
@@ -1202,7 +1213,7 @@
               <a:rPr lang="en-CA" smtClean="0"/>
               <a:t>‹#›</a:t>
             </a:fld>
-            <a:endParaRPr lang="en-CA"/>
+            <a:endParaRPr lang="en-CA" dirty="0"/>
           </a:p>
         </p:txBody>
       </p:sp>
@@ -1416,7 +1427,7 @@
               <a:rPr lang="en-CA" smtClean="0"/>
               <a:t>2025-07-24</a:t>
             </a:fld>
-            <a:endParaRPr lang="en-CA"/>
+            <a:endParaRPr lang="en-CA" dirty="0"/>
           </a:p>
         </p:txBody>
       </p:sp>
@@ -1441,7 +1452,7 @@
           <a:bodyPr/>
           <a:lstStyle/>
           <a:p>
-            <a:endParaRPr lang="en-CA"/>
+            <a:endParaRPr lang="en-CA" dirty="0"/>
           </a:p>
         </p:txBody>
       </p:sp>
@@ -1470,7 +1481,7 @@
               <a:rPr lang="en-CA" smtClean="0"/>
               <a:t>‹#›</a:t>
             </a:fld>
-            <a:endParaRPr lang="en-CA"/>
+            <a:endParaRPr lang="en-CA" dirty="0"/>
           </a:p>
         </p:txBody>
       </p:sp>
@@ -1831,7 +1842,7 @@
               <a:rPr lang="en-CA" smtClean="0"/>
               <a:t>2025-07-24</a:t>
             </a:fld>
-            <a:endParaRPr lang="en-CA"/>
+            <a:endParaRPr lang="en-CA" dirty="0"/>
           </a:p>
         </p:txBody>
       </p:sp>
@@ -1856,7 +1867,7 @@
           <a:bodyPr/>
           <a:lstStyle/>
           <a:p>
-            <a:endParaRPr lang="en-CA"/>
+            <a:endParaRPr lang="en-CA" dirty="0"/>
           </a:p>
         </p:txBody>
       </p:sp>
@@ -1885,7 +1896,7 @@
               <a:rPr lang="en-CA" smtClean="0"/>
               <a:t>‹#›</a:t>
             </a:fld>
-            <a:endParaRPr lang="en-CA"/>
+            <a:endParaRPr lang="en-CA" dirty="0"/>
           </a:p>
         </p:txBody>
       </p:sp>
@@ -1973,7 +1984,7 @@
               <a:rPr lang="en-CA" smtClean="0"/>
               <a:t>2025-07-24</a:t>
             </a:fld>
-            <a:endParaRPr lang="en-CA"/>
+            <a:endParaRPr lang="en-CA" dirty="0"/>
           </a:p>
         </p:txBody>
       </p:sp>
@@ -1998,7 +2009,7 @@
           <a:bodyPr/>
           <a:lstStyle/>
           <a:p>
-            <a:endParaRPr lang="en-CA"/>
+            <a:endParaRPr lang="en-CA" dirty="0"/>
           </a:p>
         </p:txBody>
       </p:sp>
@@ -2027,7 +2038,7 @@
               <a:rPr lang="en-CA" smtClean="0"/>
               <a:t>‹#›</a:t>
             </a:fld>
-            <a:endParaRPr lang="en-CA"/>
+            <a:endParaRPr lang="en-CA" dirty="0"/>
           </a:p>
         </p:txBody>
       </p:sp>
@@ -2086,7 +2097,7 @@
               <a:rPr lang="en-CA" smtClean="0"/>
               <a:t>2025-07-24</a:t>
             </a:fld>
-            <a:endParaRPr lang="en-CA"/>
+            <a:endParaRPr lang="en-CA" dirty="0"/>
           </a:p>
         </p:txBody>
       </p:sp>
@@ -2111,7 +2122,7 @@
           <a:bodyPr/>
           <a:lstStyle/>
           <a:p>
-            <a:endParaRPr lang="en-CA"/>
+            <a:endParaRPr lang="en-CA" dirty="0"/>
           </a:p>
         </p:txBody>
       </p:sp>
@@ -2140,7 +2151,7 @@
               <a:rPr lang="en-CA" smtClean="0"/>
               <a:t>‹#›</a:t>
             </a:fld>
-            <a:endParaRPr lang="en-CA"/>
+            <a:endParaRPr lang="en-CA" dirty="0"/>
           </a:p>
         </p:txBody>
       </p:sp>
@@ -2399,7 +2410,7 @@
               <a:rPr lang="en-CA" smtClean="0"/>
               <a:t>2025-07-24</a:t>
             </a:fld>
-            <a:endParaRPr lang="en-CA"/>
+            <a:endParaRPr lang="en-CA" dirty="0"/>
           </a:p>
         </p:txBody>
       </p:sp>
@@ -2424,7 +2435,7 @@
           <a:bodyPr/>
           <a:lstStyle/>
           <a:p>
-            <a:endParaRPr lang="en-CA"/>
+            <a:endParaRPr lang="en-CA" dirty="0"/>
           </a:p>
         </p:txBody>
       </p:sp>
@@ -2453,7 +2464,7 @@
               <a:rPr lang="en-CA" smtClean="0"/>
               <a:t>‹#›</a:t>
             </a:fld>
-            <a:endParaRPr lang="en-CA"/>
+            <a:endParaRPr lang="en-CA" dirty="0"/>
           </a:p>
         </p:txBody>
       </p:sp>
@@ -2588,7 +2599,7 @@
             </a:lvl9pPr>
           </a:lstStyle>
           <a:p>
-            <a:endParaRPr lang="en-CA"/>
+            <a:endParaRPr lang="en-CA" dirty="0"/>
           </a:p>
         </p:txBody>
       </p:sp>
@@ -2688,7 +2699,7 @@
               <a:rPr lang="en-CA" smtClean="0"/>
               <a:t>2025-07-24</a:t>
             </a:fld>
-            <a:endParaRPr lang="en-CA"/>
+            <a:endParaRPr lang="en-CA" dirty="0"/>
           </a:p>
         </p:txBody>
       </p:sp>
@@ -2713,7 +2724,7 @@
           <a:bodyPr/>
           <a:lstStyle/>
           <a:p>
-            <a:endParaRPr lang="en-CA"/>
+            <a:endParaRPr lang="en-CA" dirty="0"/>
           </a:p>
         </p:txBody>
       </p:sp>
@@ -2742,7 +2753,7 @@
               <a:rPr lang="en-CA" smtClean="0"/>
               <a:t>‹#›</a:t>
             </a:fld>
-            <a:endParaRPr lang="en-CA"/>
+            <a:endParaRPr lang="en-CA" dirty="0"/>
           </a:p>
         </p:txBody>
       </p:sp>
@@ -2931,7 +2942,7 @@
               <a:rPr lang="en-CA" smtClean="0"/>
               <a:t>2025-07-24</a:t>
             </a:fld>
-            <a:endParaRPr lang="en-CA"/>
+            <a:endParaRPr lang="en-CA" dirty="0"/>
           </a:p>
         </p:txBody>
       </p:sp>
@@ -2974,7 +2985,7 @@
             </a:lvl1pPr>
           </a:lstStyle>
           <a:p>
-            <a:endParaRPr lang="en-CA"/>
+            <a:endParaRPr lang="en-CA" dirty="0"/>
           </a:p>
         </p:txBody>
       </p:sp>
@@ -3021,7 +3032,7 @@
               <a:rPr lang="en-CA" smtClean="0"/>
               <a:t>‹#›</a:t>
             </a:fld>
-            <a:endParaRPr lang="en-CA"/>
+            <a:endParaRPr lang="en-CA" dirty="0"/>
           </a:p>
         </p:txBody>
       </p:sp>
@@ -3410,7 +3421,7 @@
           <a:lstStyle/>
           <a:p>
             <a:pPr algn="ctr"/>
-            <a:endParaRPr lang="en-US"/>
+            <a:endParaRPr lang="en-US" dirty="0"/>
           </a:p>
         </p:txBody>
       </p:sp>
@@ -3781,7 +3792,7 @@
           <a:lstStyle/>
           <a:p>
             <a:pPr algn="ctr"/>
-            <a:endParaRPr lang="en-US"/>
+            <a:endParaRPr lang="en-US" dirty="0"/>
           </a:p>
         </p:txBody>
       </p:sp>
@@ -3941,6 +3952,270 @@
 </p:sld>
 </file>
 
+<file path=ppt/slides/slide10.xml><?xml version="1.0" encoding="utf-8"?>
+<p:sld xmlns:a="http://schemas.openxmlformats.org/drawingml/2006/main" xmlns:r="http://schemas.openxmlformats.org/officeDocument/2006/relationships" xmlns:p="http://schemas.openxmlformats.org/presentationml/2006/main">
+  <p:cSld>
+    <p:spTree>
+      <p:nvGrpSpPr>
+        <p:cNvPr id="1" name=""/>
+        <p:cNvGrpSpPr/>
+        <p:nvPr/>
+      </p:nvGrpSpPr>
+      <p:grpSpPr>
+        <a:xfrm>
+          <a:off x="0" y="0"/>
+          <a:ext cx="0" cy="0"/>
+          <a:chOff x="0" y="0"/>
+          <a:chExt cx="0" cy="0"/>
+        </a:xfrm>
+      </p:grpSpPr>
+      <p:sp>
+        <p:nvSpPr>
+          <p:cNvPr id="4" name="Title 1">
+            <a:extLst>
+              <a:ext uri="{FF2B5EF4-FFF2-40B4-BE49-F238E27FC236}">
+                <a16:creationId xmlns:a16="http://schemas.microsoft.com/office/drawing/2014/main" id="{DD835142-86F5-DE42-5DA6-5A4F0BC674CD}"/>
+              </a:ext>
+            </a:extLst>
+          </p:cNvPr>
+          <p:cNvSpPr>
+            <a:spLocks noGrp="1"/>
+          </p:cNvSpPr>
+          <p:nvPr>
+            <p:ph type="title"/>
+          </p:nvPr>
+        </p:nvSpPr>
+        <p:spPr>
+          <a:xfrm>
+            <a:off x="499290" y="320040"/>
+            <a:ext cx="10515600" cy="1167488"/>
+          </a:xfrm>
+        </p:spPr>
+        <p:txBody>
+          <a:bodyPr>
+            <a:noAutofit/>
+          </a:bodyPr>
+          <a:lstStyle/>
+          <a:p>
+            <a:r>
+              <a:rPr lang="en-US" sz="2800" dirty="0"/>
+              <a:t>Appendix 1: Policy Lifecycle Model</a:t>
+            </a:r>
+            <a:endParaRPr lang="en-CA" sz="2800" dirty="0"/>
+          </a:p>
+        </p:txBody>
+      </p:sp>
+      <p:pic>
+        <p:nvPicPr>
+          <p:cNvPr id="6" name="Picture 5">
+            <a:extLst>
+              <a:ext uri="{FF2B5EF4-FFF2-40B4-BE49-F238E27FC236}">
+                <a16:creationId xmlns:a16="http://schemas.microsoft.com/office/drawing/2014/main" id="{23FEAE5E-4348-71C6-7056-08813FDF4D33}"/>
+              </a:ext>
+            </a:extLst>
+          </p:cNvPr>
+          <p:cNvPicPr>
+            <a:picLocks noChangeAspect="1"/>
+          </p:cNvPicPr>
+          <p:nvPr/>
+        </p:nvPicPr>
+        <p:blipFill>
+          <a:blip r:embed="rId2"/>
+          <a:stretch>
+            <a:fillRect/>
+          </a:stretch>
+        </p:blipFill>
+        <p:spPr>
+          <a:xfrm>
+            <a:off x="486798" y="1387623"/>
+            <a:ext cx="11132725" cy="2509820"/>
+          </a:xfrm>
+          <a:prstGeom prst="rect">
+            <a:avLst/>
+          </a:prstGeom>
+        </p:spPr>
+      </p:pic>
+      <p:sp>
+        <p:nvSpPr>
+          <p:cNvPr id="2" name="TextBox 1">
+            <a:extLst>
+              <a:ext uri="{FF2B5EF4-FFF2-40B4-BE49-F238E27FC236}">
+                <a16:creationId xmlns:a16="http://schemas.microsoft.com/office/drawing/2014/main" id="{6B177419-3623-4897-25A2-0DE42B5549F4}"/>
+              </a:ext>
+            </a:extLst>
+          </p:cNvPr>
+          <p:cNvSpPr txBox="1"/>
+          <p:nvPr/>
+        </p:nvSpPr>
+        <p:spPr>
+          <a:xfrm>
+            <a:off x="895294" y="6537960"/>
+            <a:ext cx="8656111" cy="276999"/>
+          </a:xfrm>
+          <a:prstGeom prst="rect">
+            <a:avLst/>
+          </a:prstGeom>
+          <a:noFill/>
+        </p:spPr>
+        <p:txBody>
+          <a:bodyPr wrap="square" rtlCol="0">
+            <a:spAutoFit/>
+          </a:bodyPr>
+          <a:lstStyle/>
+          <a:p>
+            <a:r>
+              <a:rPr lang="en-US" sz="1200" dirty="0"/>
+              <a:t>* Models located here: https://github.com/C-Monsta/IAG-Take-Home-Test/tree/main/models</a:t>
+            </a:r>
+            <a:endParaRPr lang="en-CA" sz="1600" dirty="0"/>
+          </a:p>
+        </p:txBody>
+      </p:sp>
+    </p:spTree>
+    <p:extLst>
+      <p:ext uri="{BB962C8B-B14F-4D97-AF65-F5344CB8AC3E}">
+        <p14:creationId xmlns:p14="http://schemas.microsoft.com/office/powerpoint/2010/main" val="3200716438"/>
+      </p:ext>
+    </p:extLst>
+  </p:cSld>
+  <p:clrMapOvr>
+    <a:masterClrMapping/>
+  </p:clrMapOvr>
+</p:sld>
+</file>
+
+<file path=ppt/slides/slide11.xml><?xml version="1.0" encoding="utf-8"?>
+<p:sld xmlns:a="http://schemas.openxmlformats.org/drawingml/2006/main" xmlns:r="http://schemas.openxmlformats.org/officeDocument/2006/relationships" xmlns:p="http://schemas.openxmlformats.org/presentationml/2006/main">
+  <p:cSld>
+    <p:spTree>
+      <p:nvGrpSpPr>
+        <p:cNvPr id="1" name=""/>
+        <p:cNvGrpSpPr/>
+        <p:nvPr/>
+      </p:nvGrpSpPr>
+      <p:grpSpPr>
+        <a:xfrm>
+          <a:off x="0" y="0"/>
+          <a:ext cx="0" cy="0"/>
+          <a:chOff x="0" y="0"/>
+          <a:chExt cx="0" cy="0"/>
+        </a:xfrm>
+      </p:grpSpPr>
+      <p:pic>
+        <p:nvPicPr>
+          <p:cNvPr id="5" name="Picture 4">
+            <a:extLst>
+              <a:ext uri="{FF2B5EF4-FFF2-40B4-BE49-F238E27FC236}">
+                <a16:creationId xmlns:a16="http://schemas.microsoft.com/office/drawing/2014/main" id="{F6E82190-572F-FCF1-396C-D39EE8CCCFA4}"/>
+              </a:ext>
+            </a:extLst>
+          </p:cNvPr>
+          <p:cNvPicPr>
+            <a:picLocks noChangeAspect="1"/>
+          </p:cNvPicPr>
+          <p:nvPr/>
+        </p:nvPicPr>
+        <p:blipFill>
+          <a:blip r:embed="rId2"/>
+          <a:stretch>
+            <a:fillRect/>
+          </a:stretch>
+        </p:blipFill>
+        <p:spPr>
+          <a:xfrm>
+            <a:off x="537387" y="1628776"/>
+            <a:ext cx="9614330" cy="4267544"/>
+          </a:xfrm>
+          <a:prstGeom prst="rect">
+            <a:avLst/>
+          </a:prstGeom>
+        </p:spPr>
+      </p:pic>
+      <p:sp>
+        <p:nvSpPr>
+          <p:cNvPr id="6" name="Title 1">
+            <a:extLst>
+              <a:ext uri="{FF2B5EF4-FFF2-40B4-BE49-F238E27FC236}">
+                <a16:creationId xmlns:a16="http://schemas.microsoft.com/office/drawing/2014/main" id="{B3D34214-94BB-B26E-C6E5-F3F272E2D4BC}"/>
+              </a:ext>
+            </a:extLst>
+          </p:cNvPr>
+          <p:cNvSpPr>
+            <a:spLocks noGrp="1"/>
+          </p:cNvSpPr>
+          <p:nvPr>
+            <p:ph type="title"/>
+          </p:nvPr>
+        </p:nvSpPr>
+        <p:spPr>
+          <a:xfrm>
+            <a:off x="499290" y="320040"/>
+            <a:ext cx="10515600" cy="1167488"/>
+          </a:xfrm>
+        </p:spPr>
+        <p:txBody>
+          <a:bodyPr>
+            <a:noAutofit/>
+          </a:bodyPr>
+          <a:lstStyle/>
+          <a:p>
+            <a:r>
+              <a:rPr lang="en-US" sz="2800" dirty="0"/>
+              <a:t>Appendix 2: Quote Bind Model</a:t>
+            </a:r>
+            <a:endParaRPr lang="en-CA" sz="2800" dirty="0"/>
+          </a:p>
+        </p:txBody>
+      </p:sp>
+      <p:sp>
+        <p:nvSpPr>
+          <p:cNvPr id="2" name="TextBox 1">
+            <a:extLst>
+              <a:ext uri="{FF2B5EF4-FFF2-40B4-BE49-F238E27FC236}">
+                <a16:creationId xmlns:a16="http://schemas.microsoft.com/office/drawing/2014/main" id="{247FDD86-E920-BA2E-E692-41040A76F711}"/>
+              </a:ext>
+            </a:extLst>
+          </p:cNvPr>
+          <p:cNvSpPr txBox="1"/>
+          <p:nvPr/>
+        </p:nvSpPr>
+        <p:spPr>
+          <a:xfrm>
+            <a:off x="895294" y="6537960"/>
+            <a:ext cx="8656111" cy="276999"/>
+          </a:xfrm>
+          <a:prstGeom prst="rect">
+            <a:avLst/>
+          </a:prstGeom>
+          <a:noFill/>
+        </p:spPr>
+        <p:txBody>
+          <a:bodyPr wrap="square" rtlCol="0">
+            <a:spAutoFit/>
+          </a:bodyPr>
+          <a:lstStyle/>
+          <a:p>
+            <a:r>
+              <a:rPr lang="en-US" sz="1200" dirty="0"/>
+              <a:t>* Models located here: https://github.com/C-Monsta/IAG-Take-Home-Test/tree/main/models</a:t>
+            </a:r>
+            <a:endParaRPr lang="en-CA" sz="1600" dirty="0"/>
+          </a:p>
+        </p:txBody>
+      </p:sp>
+    </p:spTree>
+    <p:extLst>
+      <p:ext uri="{BB962C8B-B14F-4D97-AF65-F5344CB8AC3E}">
+        <p14:creationId xmlns:p14="http://schemas.microsoft.com/office/powerpoint/2010/main" val="3481614893"/>
+      </p:ext>
+    </p:extLst>
+  </p:cSld>
+  <p:clrMapOvr>
+    <a:masterClrMapping/>
+  </p:clrMapOvr>
+</p:sld>
+</file>
+
 <file path=ppt/slides/slide2.xml><?xml version="1.0" encoding="utf-8"?>
 <p:sld xmlns:a="http://schemas.openxmlformats.org/drawingml/2006/main" xmlns:r="http://schemas.openxmlformats.org/officeDocument/2006/relationships" xmlns:p="http://schemas.openxmlformats.org/presentationml/2006/main">
   <p:cSld>
@@ -4206,7 +4481,7 @@
           <a:lstStyle/>
           <a:p>
             <a:pPr algn="ctr"/>
-            <a:endParaRPr lang="en-US"/>
+            <a:endParaRPr lang="en-US" dirty="0"/>
           </a:p>
         </p:txBody>
       </p:sp>
@@ -4271,7 +4546,7 @@
           <a:lstStyle/>
           <a:p>
             <a:pPr algn="ctr"/>
-            <a:endParaRPr lang="en-US"/>
+            <a:endParaRPr lang="en-US" dirty="0"/>
           </a:p>
         </p:txBody>
       </p:sp>
@@ -4446,7 +4721,7 @@
           <a:lstStyle/>
           <a:p>
             <a:pPr algn="ctr"/>
-            <a:endParaRPr lang="en-US"/>
+            <a:endParaRPr lang="en-US" dirty="0"/>
           </a:p>
         </p:txBody>
       </p:sp>
@@ -4544,7 +4819,7 @@
           <a:lstStyle/>
           <a:p>
             <a:pPr algn="ctr"/>
-            <a:endParaRPr lang="en-US"/>
+            <a:endParaRPr lang="en-US" dirty="0"/>
           </a:p>
         </p:txBody>
       </p:sp>
@@ -4564,6 +4839,14 @@
 <file path=ppt/slides/slide3.xml><?xml version="1.0" encoding="utf-8"?>
 <p:sld xmlns:a="http://schemas.openxmlformats.org/drawingml/2006/main" xmlns:r="http://schemas.openxmlformats.org/officeDocument/2006/relationships" xmlns:p="http://schemas.openxmlformats.org/presentationml/2006/main">
   <p:cSld>
+    <p:bg>
+      <p:bgPr>
+        <a:solidFill>
+          <a:schemeClr val="bg1"/>
+        </a:solidFill>
+        <a:effectLst/>
+      </p:bgPr>
+    </p:bg>
     <p:spTree>
       <p:nvGrpSpPr>
         <p:cNvPr id="1" name=""/>
@@ -4578,12 +4861,321 @@
           <a:chExt cx="0" cy="0"/>
         </a:xfrm>
       </p:grpSpPr>
-      <p:sp>
-        <p:nvSpPr>
-          <p:cNvPr id="2" name="Title 1">
-            <a:extLst>
-              <a:ext uri="{FF2B5EF4-FFF2-40B4-BE49-F238E27FC236}">
-                <a16:creationId xmlns:a16="http://schemas.microsoft.com/office/drawing/2014/main" id="{C8DCB660-3B70-C1EC-A964-9BE067CFDF8E}"/>
+      <p:sp useBgFill="1">
+        <p:nvSpPr>
+          <p:cNvPr id="26" name="Rectangle 25">
+            <a:extLst>
+              <a:ext uri="{FF2B5EF4-FFF2-40B4-BE49-F238E27FC236}">
+                <a16:creationId xmlns:a16="http://schemas.microsoft.com/office/drawing/2014/main" id="{70726513-647A-4459-9DFD-11C96ED0024A}"/>
+              </a:ext>
+              <a:ext uri="{C183D7F6-B498-43B3-948B-1728B52AA6E4}">
+                <adec:decorative xmlns:adec="http://schemas.microsoft.com/office/drawing/2017/decorative" val="1"/>
+              </a:ext>
+            </a:extLst>
+          </p:cNvPr>
+          <p:cNvSpPr>
+            <a:spLocks noGrp="1" noRot="1" noChangeAspect="1" noMove="1" noResize="1" noEditPoints="1" noAdjustHandles="1" noChangeArrowheads="1" noChangeShapeType="1" noTextEdit="1"/>
+          </p:cNvSpPr>
+          <p:nvPr>
+            <p:extLst>
+              <p:ext uri="{386F3935-93C4-4BCD-93E2-E3B085C9AB24}">
+                <p16:designElem xmlns:p16="http://schemas.microsoft.com/office/powerpoint/2015/main" val="1"/>
+              </p:ext>
+            </p:extLst>
+          </p:nvPr>
+        </p:nvSpPr>
+        <p:spPr>
+          <a:xfrm>
+            <a:off x="0" y="0"/>
+            <a:ext cx="12192000" cy="6858000"/>
+          </a:xfrm>
+          <a:prstGeom prst="rect">
+            <a:avLst/>
+          </a:prstGeom>
+          <a:ln w="12700" cap="flat" cmpd="sng" algn="ctr">
+            <a:noFill/>
+            <a:prstDash val="solid"/>
+            <a:miter lim="800000"/>
+          </a:ln>
+          <a:effectLst/>
+          <a:extLst>
+            <a:ext uri="{91240B29-F687-4F45-9708-019B960494DF}">
+              <a14:hiddenLine xmlns:a14="http://schemas.microsoft.com/office/drawing/2010/main" w="12700" cap="flat" cmpd="sng" algn="ctr">
+                <a:solidFill>
+                  <a:schemeClr val="accent1">
+                    <a:shade val="50000"/>
+                  </a:schemeClr>
+                </a:solidFill>
+                <a:prstDash val="solid"/>
+                <a:miter lim="800000"/>
+              </a14:hiddenLine>
+            </a:ext>
+          </a:extLst>
+        </p:spPr>
+        <p:style>
+          <a:lnRef idx="2">
+            <a:schemeClr val="accent1">
+              <a:shade val="50000"/>
+            </a:schemeClr>
+          </a:lnRef>
+          <a:fillRef idx="1">
+            <a:schemeClr val="accent1"/>
+          </a:fillRef>
+          <a:effectRef idx="0">
+            <a:schemeClr val="accent1"/>
+          </a:effectRef>
+          <a:fontRef idx="minor">
+            <a:schemeClr val="lt1"/>
+          </a:fontRef>
+        </p:style>
+        <p:txBody>
+          <a:bodyPr rtlCol="0" anchor="ctr"/>
+          <a:lstStyle/>
+          <a:p>
+            <a:pPr algn="ctr"/>
+            <a:endParaRPr lang="en-US" dirty="0"/>
+          </a:p>
+        </p:txBody>
+      </p:sp>
+      <p:grpSp>
+        <p:nvGrpSpPr>
+          <p:cNvPr id="28" name="Group 27">
+            <a:extLst>
+              <a:ext uri="{FF2B5EF4-FFF2-40B4-BE49-F238E27FC236}">
+                <a16:creationId xmlns:a16="http://schemas.microsoft.com/office/drawing/2014/main" id="{E4C9C60D-9D77-45E7-A7AA-45806B23E716}"/>
+              </a:ext>
+              <a:ext uri="{C183D7F6-B498-43B3-948B-1728B52AA6E4}">
+                <adec:decorative xmlns:adec="http://schemas.microsoft.com/office/drawing/2017/decorative" val="1"/>
+              </a:ext>
+            </a:extLst>
+          </p:cNvPr>
+          <p:cNvGrpSpPr>
+            <a:grpSpLocks noGrp="1" noUngrp="1" noRot="1" noChangeAspect="1" noMove="1" noResize="1"/>
+          </p:cNvGrpSpPr>
+          <p:nvPr>
+            <p:extLst>
+              <p:ext uri="{386F3935-93C4-4BCD-93E2-E3B085C9AB24}">
+                <p16:designElem xmlns:p16="http://schemas.microsoft.com/office/powerpoint/2015/main" val="1"/>
+              </p:ext>
+            </p:extLst>
+          </p:nvPr>
+        </p:nvGrpSpPr>
+        <p:grpSpPr>
+          <a:xfrm>
+            <a:off x="0" y="0"/>
+            <a:ext cx="12192000" cy="6858000"/>
+            <a:chOff x="0" y="0"/>
+            <a:chExt cx="12192000" cy="6858000"/>
+          </a:xfrm>
+        </p:grpSpPr>
+        <p:sp>
+          <p:nvSpPr>
+            <p:cNvPr id="47" name="Rectangle 46">
+              <a:extLst>
+                <a:ext uri="{FF2B5EF4-FFF2-40B4-BE49-F238E27FC236}">
+                  <a16:creationId xmlns:a16="http://schemas.microsoft.com/office/drawing/2014/main" id="{B34D742C-1AE5-4925-9160-7224E37A2357}"/>
+                </a:ext>
+                <a:ext uri="{C183D7F6-B498-43B3-948B-1728B52AA6E4}">
+                  <adec:decorative xmlns:adec="http://schemas.microsoft.com/office/drawing/2017/decorative" val="1"/>
+                </a:ext>
+              </a:extLst>
+            </p:cNvPr>
+            <p:cNvSpPr/>
+            <p:nvPr>
+              <p:extLst>
+                <p:ext uri="{386F3935-93C4-4BCD-93E2-E3B085C9AB24}">
+                  <p16:designElem xmlns:p16="http://schemas.microsoft.com/office/powerpoint/2015/main" val="1"/>
+                </p:ext>
+              </p:extLst>
+            </p:nvPr>
+          </p:nvSpPr>
+          <p:spPr>
+            <a:xfrm>
+              <a:off x="0" y="0"/>
+              <a:ext cx="12192000" cy="6858000"/>
+            </a:xfrm>
+            <a:prstGeom prst="rect">
+              <a:avLst/>
+            </a:prstGeom>
+            <a:solidFill>
+              <a:schemeClr val="bg1">
+                <a:lumMod val="95000"/>
+              </a:schemeClr>
+            </a:solidFill>
+            <a:ln>
+              <a:noFill/>
+            </a:ln>
+          </p:spPr>
+          <p:style>
+            <a:lnRef idx="2">
+              <a:schemeClr val="accent1">
+                <a:shade val="50000"/>
+              </a:schemeClr>
+            </a:lnRef>
+            <a:fillRef idx="1">
+              <a:schemeClr val="accent1"/>
+            </a:fillRef>
+            <a:effectRef idx="0">
+              <a:schemeClr val="accent1"/>
+            </a:effectRef>
+            <a:fontRef idx="minor">
+              <a:schemeClr val="lt1"/>
+            </a:fontRef>
+          </p:style>
+          <p:txBody>
+            <a:bodyPr rtlCol="0" anchor="ctr"/>
+            <a:lstStyle/>
+            <a:p>
+              <a:pPr algn="ctr"/>
+              <a:endParaRPr lang="en-US" dirty="0"/>
+            </a:p>
+          </p:txBody>
+        </p:sp>
+        <p:sp>
+          <p:nvSpPr>
+            <p:cNvPr id="30" name="Rectangle 29">
+              <a:extLst>
+                <a:ext uri="{FF2B5EF4-FFF2-40B4-BE49-F238E27FC236}">
+                  <a16:creationId xmlns:a16="http://schemas.microsoft.com/office/drawing/2014/main" id="{24FF0A4B-3ADB-4A0F-B8EE-7785F27752A5}"/>
+                </a:ext>
+                <a:ext uri="{C183D7F6-B498-43B3-948B-1728B52AA6E4}">
+                  <adec:decorative xmlns:adec="http://schemas.microsoft.com/office/drawing/2017/decorative" val="1"/>
+                </a:ext>
+              </a:extLst>
+            </p:cNvPr>
+            <p:cNvSpPr/>
+            <p:nvPr>
+              <p:extLst>
+                <p:ext uri="{386F3935-93C4-4BCD-93E2-E3B085C9AB24}">
+                  <p16:designElem xmlns:p16="http://schemas.microsoft.com/office/powerpoint/2015/main" val="1"/>
+                </p:ext>
+              </p:extLst>
+            </p:nvPr>
+          </p:nvSpPr>
+          <p:spPr>
+            <a:xfrm>
+              <a:off x="0" y="0"/>
+              <a:ext cx="12192000" cy="6858000"/>
+            </a:xfrm>
+            <a:prstGeom prst="rect">
+              <a:avLst/>
+            </a:prstGeom>
+            <a:solidFill>
+              <a:schemeClr val="accent4">
+                <a:lumMod val="75000"/>
+                <a:alpha val="7000"/>
+              </a:schemeClr>
+            </a:solidFill>
+            <a:ln>
+              <a:noFill/>
+            </a:ln>
+          </p:spPr>
+          <p:style>
+            <a:lnRef idx="2">
+              <a:schemeClr val="accent1">
+                <a:shade val="50000"/>
+              </a:schemeClr>
+            </a:lnRef>
+            <a:fillRef idx="1">
+              <a:schemeClr val="accent1"/>
+            </a:fillRef>
+            <a:effectRef idx="0">
+              <a:schemeClr val="accent1"/>
+            </a:effectRef>
+            <a:fontRef idx="minor">
+              <a:schemeClr val="lt1"/>
+            </a:fontRef>
+          </p:style>
+          <p:txBody>
+            <a:bodyPr rtlCol="0" anchor="ctr"/>
+            <a:lstStyle/>
+            <a:p>
+              <a:pPr algn="ctr"/>
+              <a:endParaRPr lang="en-US" dirty="0"/>
+            </a:p>
+          </p:txBody>
+        </p:sp>
+      </p:grpSp>
+      <p:sp>
+        <p:nvSpPr>
+          <p:cNvPr id="48" name="Rectangle 47">
+            <a:extLst>
+              <a:ext uri="{FF2B5EF4-FFF2-40B4-BE49-F238E27FC236}">
+                <a16:creationId xmlns:a16="http://schemas.microsoft.com/office/drawing/2014/main" id="{59EAD2C6-89D0-435B-9B8C-E3240DEABD6D}"/>
+              </a:ext>
+              <a:ext uri="{C183D7F6-B498-43B3-948B-1728B52AA6E4}">
+                <adec:decorative xmlns:adec="http://schemas.microsoft.com/office/drawing/2017/decorative" val="1"/>
+              </a:ext>
+            </a:extLst>
+          </p:cNvPr>
+          <p:cNvSpPr>
+            <a:spLocks noGrp="1" noRot="1" noChangeAspect="1" noMove="1" noResize="1" noEditPoints="1" noAdjustHandles="1" noChangeArrowheads="1" noChangeShapeType="1" noTextEdit="1"/>
+          </p:cNvSpPr>
+          <p:nvPr>
+            <p:extLst>
+              <p:ext uri="{386F3935-93C4-4BCD-93E2-E3B085C9AB24}">
+                <p16:designElem xmlns:p16="http://schemas.microsoft.com/office/powerpoint/2015/main" val="1"/>
+              </p:ext>
+            </p:extLst>
+          </p:nvPr>
+        </p:nvSpPr>
+        <p:spPr>
+          <a:xfrm>
+            <a:off x="-1585" y="0"/>
+            <a:ext cx="10237785" cy="6857999"/>
+          </a:xfrm>
+          <a:prstGeom prst="rect">
+            <a:avLst/>
+          </a:prstGeom>
+          <a:solidFill>
+            <a:schemeClr val="bg1">
+              <a:alpha val="80000"/>
+            </a:schemeClr>
+          </a:solidFill>
+          <a:ln>
+            <a:noFill/>
+          </a:ln>
+        </p:spPr>
+        <p:style>
+          <a:lnRef idx="2">
+            <a:schemeClr val="accent1">
+              <a:shade val="50000"/>
+            </a:schemeClr>
+          </a:lnRef>
+          <a:fillRef idx="1">
+            <a:schemeClr val="accent1"/>
+          </a:fillRef>
+          <a:effectRef idx="0">
+            <a:schemeClr val="accent1"/>
+          </a:effectRef>
+          <a:fontRef idx="minor">
+            <a:schemeClr val="lt1"/>
+          </a:fontRef>
+        </p:style>
+        <p:txBody>
+          <a:bodyPr rot="0" spcFirstLastPara="0" vertOverflow="overflow" horzOverflow="overflow" vert="horz" wrap="square" lIns="91440" tIns="45720" rIns="91440" bIns="45720" numCol="1" spcCol="0" rtlCol="0" fromWordArt="0" anchor="ctr" anchorCtr="0" forceAA="0" compatLnSpc="1">
+            <a:prstTxWarp prst="textNoShape">
+              <a:avLst/>
+            </a:prstTxWarp>
+            <a:noAutofit/>
+          </a:bodyPr>
+          <a:lstStyle/>
+          <a:p>
+            <a:pPr algn="ctr"/>
+            <a:endParaRPr lang="en-US" dirty="0">
+              <a:solidFill>
+                <a:schemeClr val="tx1"/>
+              </a:solidFill>
+            </a:endParaRPr>
+          </a:p>
+        </p:txBody>
+      </p:sp>
+      <p:sp>
+        <p:nvSpPr>
+          <p:cNvPr id="4" name="Title 1">
+            <a:extLst>
+              <a:ext uri="{FF2B5EF4-FFF2-40B4-BE49-F238E27FC236}">
+                <a16:creationId xmlns:a16="http://schemas.microsoft.com/office/drawing/2014/main" id="{6D42B18C-8E9F-0B41-7AA0-A1E0486062D1}"/>
               </a:ext>
             </a:extLst>
           </p:cNvPr>
@@ -4596,155 +5188,29 @@
         </p:nvSpPr>
         <p:spPr>
           <a:xfrm>
-            <a:off x="499290" y="161965"/>
-            <a:ext cx="10515600" cy="1325563"/>
-          </a:xfrm>
-        </p:spPr>
-        <p:txBody>
-          <a:bodyPr>
-            <a:noAutofit/>
+            <a:off x="531613" y="0"/>
+            <a:ext cx="5257799" cy="3438159"/>
+          </a:xfrm>
+        </p:spPr>
+        <p:txBody>
+          <a:bodyPr vert="horz" wrap="square" lIns="91440" tIns="45720" rIns="91440" bIns="45720" rtlCol="0" anchor="b">
+            <a:normAutofit/>
           </a:bodyPr>
           <a:lstStyle/>
           <a:p>
             <a:r>
-              <a:rPr lang="en-US" sz="2800" dirty="0"/>
-              <a:t>Four steps to address the ask of transforming raw data into a clean, </a:t>
-            </a:r>
-            <a:r>
-              <a:rPr lang="en-US" sz="2800" dirty="0" err="1"/>
-              <a:t>queryable</a:t>
-            </a:r>
-            <a:r>
-              <a:rPr lang="en-US" sz="2800" dirty="0"/>
-              <a:t>, meaningful source for downstream users</a:t>
-            </a:r>
-            <a:endParaRPr lang="en-CA" sz="2800" dirty="0"/>
-          </a:p>
-        </p:txBody>
-      </p:sp>
-      <p:sp>
-        <p:nvSpPr>
-          <p:cNvPr id="5" name="TextBox 4">
-            <a:extLst>
-              <a:ext uri="{FF2B5EF4-FFF2-40B4-BE49-F238E27FC236}">
-                <a16:creationId xmlns:a16="http://schemas.microsoft.com/office/drawing/2014/main" id="{450DAB8D-1FF3-42B3-26A9-BF53FA70BDA6}"/>
-              </a:ext>
-            </a:extLst>
-          </p:cNvPr>
-          <p:cNvSpPr txBox="1"/>
-          <p:nvPr/>
-        </p:nvSpPr>
-        <p:spPr>
-          <a:xfrm>
-            <a:off x="499290" y="1613984"/>
-            <a:ext cx="1160420" cy="369332"/>
-          </a:xfrm>
-          <a:prstGeom prst="rect">
-            <a:avLst/>
-          </a:prstGeom>
-          <a:noFill/>
-        </p:spPr>
-        <p:txBody>
-          <a:bodyPr wrap="square" rtlCol="0">
-            <a:spAutoFit/>
-          </a:bodyPr>
-          <a:lstStyle/>
-          <a:p>
-            <a:r>
-              <a:rPr lang="en-US" dirty="0">
-                <a:solidFill>
-                  <a:srgbClr val="4B0076"/>
-                </a:solidFill>
-              </a:rPr>
-              <a:t>Set Up</a:t>
-            </a:r>
-          </a:p>
-        </p:txBody>
-      </p:sp>
-      <p:sp>
-        <p:nvSpPr>
-          <p:cNvPr id="6" name="TextBox 5">
-            <a:extLst>
-              <a:ext uri="{FF2B5EF4-FFF2-40B4-BE49-F238E27FC236}">
-                <a16:creationId xmlns:a16="http://schemas.microsoft.com/office/drawing/2014/main" id="{84CF3385-1569-2F8E-C5F1-18C7A453B769}"/>
-              </a:ext>
-            </a:extLst>
-          </p:cNvPr>
-          <p:cNvSpPr txBox="1"/>
-          <p:nvPr/>
-        </p:nvSpPr>
-        <p:spPr>
-          <a:xfrm>
-            <a:off x="5913120" y="1613984"/>
-            <a:ext cx="984070" cy="369332"/>
-          </a:xfrm>
-          <a:prstGeom prst="rect">
-            <a:avLst/>
-          </a:prstGeom>
-          <a:noFill/>
-        </p:spPr>
-        <p:txBody>
-          <a:bodyPr wrap="square" rtlCol="0">
-            <a:spAutoFit/>
-          </a:bodyPr>
-          <a:lstStyle/>
-          <a:p>
-            <a:r>
-              <a:rPr lang="en-US" dirty="0">
-                <a:solidFill>
-                  <a:srgbClr val="4B0076"/>
-                </a:solidFill>
-              </a:rPr>
-              <a:t>Model</a:t>
-            </a:r>
-          </a:p>
-        </p:txBody>
-      </p:sp>
-      <p:sp>
-        <p:nvSpPr>
-          <p:cNvPr id="7" name="TextBox 6">
-            <a:extLst>
-              <a:ext uri="{FF2B5EF4-FFF2-40B4-BE49-F238E27FC236}">
-                <a16:creationId xmlns:a16="http://schemas.microsoft.com/office/drawing/2014/main" id="{D35D75F4-7FBB-3615-13E2-B70B538A8B6D}"/>
-              </a:ext>
-            </a:extLst>
-          </p:cNvPr>
-          <p:cNvSpPr txBox="1"/>
-          <p:nvPr/>
-        </p:nvSpPr>
-        <p:spPr>
-          <a:xfrm>
-            <a:off x="9130755" y="1613984"/>
-            <a:ext cx="1873796" cy="369332"/>
-          </a:xfrm>
-          <a:prstGeom prst="rect">
-            <a:avLst/>
-          </a:prstGeom>
-          <a:noFill/>
-        </p:spPr>
-        <p:txBody>
-          <a:bodyPr wrap="square" rtlCol="0">
-            <a:spAutoFit/>
-          </a:bodyPr>
-          <a:lstStyle/>
-          <a:p>
-            <a:r>
-              <a:rPr lang="en-US" dirty="0">
-                <a:solidFill>
-                  <a:srgbClr val="4B0076"/>
-                </a:solidFill>
-              </a:rPr>
-              <a:t>Query and Share</a:t>
+              <a:rPr lang="en-US" sz="4200" dirty="0"/>
+              <a:t>The ask: transform raw data into a clean, queryable, meaningful source for downstream users</a:t>
             </a:r>
           </a:p>
         </p:txBody>
       </p:sp>
       <p:pic>
         <p:nvPicPr>
-          <p:cNvPr id="8" name="Picture 7">
-            <a:extLst>
-              <a:ext uri="{FF2B5EF4-FFF2-40B4-BE49-F238E27FC236}">
-                <a16:creationId xmlns:a16="http://schemas.microsoft.com/office/drawing/2014/main" id="{E1C2BE49-899F-3790-E8B3-AA03A2CFFD2B}"/>
+          <p:cNvPr id="6" name="Picture 5">
+            <a:extLst>
+              <a:ext uri="{FF2B5EF4-FFF2-40B4-BE49-F238E27FC236}">
+                <a16:creationId xmlns:a16="http://schemas.microsoft.com/office/drawing/2014/main" id="{28879429-FA80-5290-7FE6-F68736BD0B9E}"/>
               </a:ext>
             </a:extLst>
           </p:cNvPr>
@@ -4761,20 +5227,27 @@
         </p:blipFill>
         <p:spPr>
           <a:xfrm>
-            <a:off x="916574" y="3812200"/>
-            <a:ext cx="1032855" cy="580981"/>
+            <a:off x="6725788" y="688927"/>
+            <a:ext cx="3893835" cy="3905495"/>
           </a:xfrm>
           <a:prstGeom prst="rect">
             <a:avLst/>
           </a:prstGeom>
+          <a:effectLst>
+            <a:outerShdw blurRad="508000" dist="101600" dir="5400000" algn="tl" rotWithShape="0">
+              <a:prstClr val="black">
+                <a:alpha val="10000"/>
+              </a:prstClr>
+            </a:outerShdw>
+          </a:effectLst>
         </p:spPr>
       </p:pic>
       <p:pic>
         <p:nvPicPr>
-          <p:cNvPr id="9" name="Picture 8">
-            <a:extLst>
-              <a:ext uri="{FF2B5EF4-FFF2-40B4-BE49-F238E27FC236}">
-                <a16:creationId xmlns:a16="http://schemas.microsoft.com/office/drawing/2014/main" id="{ACA0B42C-4A03-F061-9574-CED61106FFAA}"/>
+          <p:cNvPr id="8" name="Picture 7">
+            <a:extLst>
+              <a:ext uri="{FF2B5EF4-FFF2-40B4-BE49-F238E27FC236}">
+                <a16:creationId xmlns:a16="http://schemas.microsoft.com/office/drawing/2014/main" id="{E5B84A02-AB95-D6C8-C5EA-B313F46617D7}"/>
               </a:ext>
             </a:extLst>
           </p:cNvPr>
@@ -4785,684 +5258,31 @@
         </p:nvPicPr>
         <p:blipFill>
           <a:blip r:embed="rId3"/>
-          <a:srcRect t="17177" b="17176"/>
           <a:stretch>
             <a:fillRect/>
           </a:stretch>
         </p:blipFill>
         <p:spPr>
           <a:xfrm>
-            <a:off x="916574" y="2170686"/>
-            <a:ext cx="1035839" cy="679997"/>
+            <a:off x="5895056" y="4903886"/>
+            <a:ext cx="6055812" cy="938649"/>
           </a:xfrm>
           <a:prstGeom prst="rect">
             <a:avLst/>
           </a:prstGeom>
-          <a:ln>
-            <a:solidFill>
-              <a:schemeClr val="bg1">
-                <a:lumMod val="65000"/>
-              </a:schemeClr>
-            </a:solidFill>
-          </a:ln>
+          <a:effectLst>
+            <a:outerShdw blurRad="508000" dist="101600" dir="5400000" algn="tl" rotWithShape="0">
+              <a:prstClr val="black">
+                <a:alpha val="10000"/>
+              </a:prstClr>
+            </a:outerShdw>
+          </a:effectLst>
         </p:spPr>
       </p:pic>
-      <p:cxnSp>
-        <p:nvCxnSpPr>
-          <p:cNvPr id="11" name="Straight Arrow Connector 10">
-            <a:extLst>
-              <a:ext uri="{FF2B5EF4-FFF2-40B4-BE49-F238E27FC236}">
-                <a16:creationId xmlns:a16="http://schemas.microsoft.com/office/drawing/2014/main" id="{93F4CF10-500F-A29B-E97F-16BAA5B26BD6}"/>
-              </a:ext>
-            </a:extLst>
-          </p:cNvPr>
-          <p:cNvCxnSpPr>
-            <a:cxnSpLocks/>
-          </p:cNvCxnSpPr>
-          <p:nvPr/>
-        </p:nvCxnSpPr>
-        <p:spPr>
-          <a:xfrm flipV="1">
-            <a:off x="1704699" y="2959655"/>
-            <a:ext cx="0" cy="744583"/>
-          </a:xfrm>
-          <a:prstGeom prst="straightConnector1">
-            <a:avLst/>
-          </a:prstGeom>
-          <a:ln>
-            <a:solidFill>
-              <a:schemeClr val="bg1">
-                <a:lumMod val="50000"/>
-              </a:schemeClr>
-            </a:solidFill>
-            <a:tailEnd type="triangle"/>
-          </a:ln>
-        </p:spPr>
-        <p:style>
-          <a:lnRef idx="2">
-            <a:schemeClr val="accent1"/>
-          </a:lnRef>
-          <a:fillRef idx="0">
-            <a:schemeClr val="accent1"/>
-          </a:fillRef>
-          <a:effectRef idx="1">
-            <a:schemeClr val="accent1"/>
-          </a:effectRef>
-          <a:fontRef idx="minor">
-            <a:schemeClr val="tx1"/>
-          </a:fontRef>
-        </p:style>
-      </p:cxnSp>
-      <p:cxnSp>
-        <p:nvCxnSpPr>
-          <p:cNvPr id="22" name="Straight Arrow Connector 21">
-            <a:extLst>
-              <a:ext uri="{FF2B5EF4-FFF2-40B4-BE49-F238E27FC236}">
-                <a16:creationId xmlns:a16="http://schemas.microsoft.com/office/drawing/2014/main" id="{295B9FDB-7C99-4549-7A93-8FB682E4D17B}"/>
-              </a:ext>
-            </a:extLst>
-          </p:cNvPr>
-          <p:cNvCxnSpPr>
-            <a:cxnSpLocks/>
-          </p:cNvCxnSpPr>
-          <p:nvPr/>
-        </p:nvCxnSpPr>
-        <p:spPr>
-          <a:xfrm>
-            <a:off x="1223551" y="2966186"/>
-            <a:ext cx="0" cy="744583"/>
-          </a:xfrm>
-          <a:prstGeom prst="straightConnector1">
-            <a:avLst/>
-          </a:prstGeom>
-          <a:ln>
-            <a:solidFill>
-              <a:schemeClr val="bg1">
-                <a:lumMod val="50000"/>
-              </a:schemeClr>
-            </a:solidFill>
-            <a:tailEnd type="triangle"/>
-          </a:ln>
-        </p:spPr>
-        <p:style>
-          <a:lnRef idx="2">
-            <a:schemeClr val="accent1"/>
-          </a:lnRef>
-          <a:fillRef idx="0">
-            <a:schemeClr val="accent1"/>
-          </a:fillRef>
-          <a:effectRef idx="1">
-            <a:schemeClr val="accent1"/>
-          </a:effectRef>
-          <a:fontRef idx="minor">
-            <a:schemeClr val="tx1"/>
-          </a:fontRef>
-        </p:style>
-      </p:cxnSp>
-      <p:sp>
-        <p:nvSpPr>
-          <p:cNvPr id="25" name="TextBox 24">
-            <a:extLst>
-              <a:ext uri="{FF2B5EF4-FFF2-40B4-BE49-F238E27FC236}">
-                <a16:creationId xmlns:a16="http://schemas.microsoft.com/office/drawing/2014/main" id="{C7E6F574-E593-9EA7-6952-0EDB1B2B05A1}"/>
-              </a:ext>
-            </a:extLst>
-          </p:cNvPr>
-          <p:cNvSpPr txBox="1"/>
-          <p:nvPr/>
-        </p:nvSpPr>
-        <p:spPr>
-          <a:xfrm>
-            <a:off x="255814" y="4794976"/>
-            <a:ext cx="2612571" cy="1200329"/>
-          </a:xfrm>
-          <a:prstGeom prst="rect">
-            <a:avLst/>
-          </a:prstGeom>
-          <a:noFill/>
-        </p:spPr>
-        <p:txBody>
-          <a:bodyPr wrap="square" rtlCol="0">
-            <a:spAutoFit/>
-          </a:bodyPr>
-          <a:lstStyle/>
-          <a:p>
-            <a:pPr marL="285750" indent="-285750">
-              <a:buFont typeface="Arial" panose="020B0604020202020204" pitchFamily="34" charset="0"/>
-              <a:buChar char="•"/>
-            </a:pPr>
-            <a:r>
-              <a:rPr lang="en-US" sz="1200" dirty="0">
-                <a:solidFill>
-                  <a:schemeClr val="tx1">
-                    <a:lumMod val="75000"/>
-                    <a:lumOff val="25000"/>
-                  </a:schemeClr>
-                </a:solidFill>
-              </a:rPr>
-              <a:t>Create accounts for DBT and DataBricks</a:t>
-            </a:r>
-          </a:p>
-          <a:p>
-            <a:pPr marL="285750" indent="-285750">
-              <a:buFont typeface="Arial" panose="020B0604020202020204" pitchFamily="34" charset="0"/>
-              <a:buChar char="•"/>
-            </a:pPr>
-            <a:r>
-              <a:rPr lang="en-US" sz="1200" dirty="0">
-                <a:solidFill>
-                  <a:schemeClr val="tx1">
-                    <a:lumMod val="75000"/>
-                    <a:lumOff val="25000"/>
-                  </a:schemeClr>
-                </a:solidFill>
-              </a:rPr>
-              <a:t>Create workspace and schema</a:t>
-            </a:r>
-          </a:p>
-          <a:p>
-            <a:pPr marL="285750" indent="-285750">
-              <a:buFont typeface="Arial" panose="020B0604020202020204" pitchFamily="34" charset="0"/>
-              <a:buChar char="•"/>
-            </a:pPr>
-            <a:r>
-              <a:rPr lang="en-US" sz="1200" dirty="0">
-                <a:solidFill>
-                  <a:schemeClr val="tx1">
-                    <a:lumMod val="75000"/>
-                    <a:lumOff val="25000"/>
-                  </a:schemeClr>
-                </a:solidFill>
-              </a:rPr>
-              <a:t>Load Policy data into Databricks</a:t>
-            </a:r>
-          </a:p>
-          <a:p>
-            <a:pPr marL="285750" indent="-285750">
-              <a:buFont typeface="Arial" panose="020B0604020202020204" pitchFamily="34" charset="0"/>
-              <a:buChar char="•"/>
-            </a:pPr>
-            <a:r>
-              <a:rPr lang="en-US" sz="1200" dirty="0">
-                <a:solidFill>
-                  <a:schemeClr val="tx1">
-                    <a:lumMod val="75000"/>
-                    <a:lumOff val="25000"/>
-                  </a:schemeClr>
-                </a:solidFill>
-              </a:rPr>
-              <a:t>Connect between DBT and Data Bricks</a:t>
-            </a:r>
-            <a:endParaRPr lang="en-CA" sz="1200" dirty="0">
-              <a:solidFill>
-                <a:schemeClr val="tx1">
-                  <a:lumMod val="75000"/>
-                  <a:lumOff val="25000"/>
-                </a:schemeClr>
-              </a:solidFill>
-            </a:endParaRPr>
-          </a:p>
-        </p:txBody>
-      </p:sp>
-      <p:sp>
-        <p:nvSpPr>
-          <p:cNvPr id="26" name="TextBox 25">
-            <a:extLst>
-              <a:ext uri="{FF2B5EF4-FFF2-40B4-BE49-F238E27FC236}">
-                <a16:creationId xmlns:a16="http://schemas.microsoft.com/office/drawing/2014/main" id="{78DF0C6B-1B8A-B8E7-FFE9-52C61B635E00}"/>
-              </a:ext>
-            </a:extLst>
-          </p:cNvPr>
-          <p:cNvSpPr txBox="1"/>
-          <p:nvPr/>
-        </p:nvSpPr>
-        <p:spPr>
-          <a:xfrm>
-            <a:off x="1815737" y="3051605"/>
-            <a:ext cx="855614" cy="430887"/>
-          </a:xfrm>
-          <a:prstGeom prst="rect">
-            <a:avLst/>
-          </a:prstGeom>
-          <a:noFill/>
-        </p:spPr>
-        <p:txBody>
-          <a:bodyPr wrap="square" rtlCol="0">
-            <a:spAutoFit/>
-          </a:bodyPr>
-          <a:lstStyle/>
-          <a:p>
-            <a:r>
-              <a:rPr lang="en-US" sz="1100" dirty="0" err="1"/>
-              <a:t>Profile.yml</a:t>
-            </a:r>
-            <a:endParaRPr lang="en-US" sz="1100" dirty="0"/>
-          </a:p>
-          <a:p>
-            <a:r>
-              <a:rPr lang="en-US" sz="1100" dirty="0"/>
-              <a:t>DB Token</a:t>
-            </a:r>
-            <a:endParaRPr lang="en-CA" sz="1100" dirty="0"/>
-          </a:p>
-        </p:txBody>
-      </p:sp>
-      <p:sp>
-        <p:nvSpPr>
-          <p:cNvPr id="27" name="TextBox 26">
-            <a:extLst>
-              <a:ext uri="{FF2B5EF4-FFF2-40B4-BE49-F238E27FC236}">
-                <a16:creationId xmlns:a16="http://schemas.microsoft.com/office/drawing/2014/main" id="{DB28EFC6-5DF4-2B5B-9545-A00475269641}"/>
-              </a:ext>
-            </a:extLst>
-          </p:cNvPr>
-          <p:cNvSpPr txBox="1"/>
-          <p:nvPr/>
-        </p:nvSpPr>
-        <p:spPr>
-          <a:xfrm>
-            <a:off x="3339738" y="1613984"/>
-            <a:ext cx="984070" cy="369332"/>
-          </a:xfrm>
-          <a:prstGeom prst="rect">
-            <a:avLst/>
-          </a:prstGeom>
-          <a:noFill/>
-        </p:spPr>
-        <p:txBody>
-          <a:bodyPr wrap="square" rtlCol="0">
-            <a:spAutoFit/>
-          </a:bodyPr>
-          <a:lstStyle/>
-          <a:p>
-            <a:r>
-              <a:rPr lang="en-US" dirty="0">
-                <a:solidFill>
-                  <a:srgbClr val="4B0076"/>
-                </a:solidFill>
-              </a:rPr>
-              <a:t>Think</a:t>
-            </a:r>
-          </a:p>
-        </p:txBody>
-      </p:sp>
-      <p:pic>
-        <p:nvPicPr>
-          <p:cNvPr id="28" name="Picture 27">
-            <a:extLst>
-              <a:ext uri="{FF2B5EF4-FFF2-40B4-BE49-F238E27FC236}">
-                <a16:creationId xmlns:a16="http://schemas.microsoft.com/office/drawing/2014/main" id="{30FF6A19-A269-B50A-762A-512A210173E1}"/>
-              </a:ext>
-            </a:extLst>
-          </p:cNvPr>
-          <p:cNvPicPr>
-            <a:picLocks noChangeAspect="1"/>
-          </p:cNvPicPr>
-          <p:nvPr/>
-        </p:nvPicPr>
-        <p:blipFill>
-          <a:blip r:embed="rId4"/>
-          <a:srcRect l="19001" t="18708" r="18985" b="17365"/>
-          <a:stretch>
-            <a:fillRect/>
-          </a:stretch>
-        </p:blipFill>
-        <p:spPr>
-          <a:xfrm>
-            <a:off x="3369894" y="2109772"/>
-            <a:ext cx="1528355" cy="1515292"/>
-          </a:xfrm>
-          <a:prstGeom prst="rect">
-            <a:avLst/>
-          </a:prstGeom>
-        </p:spPr>
-      </p:pic>
-      <p:sp>
-        <p:nvSpPr>
-          <p:cNvPr id="29" name="TextBox 28">
-            <a:extLst>
-              <a:ext uri="{FF2B5EF4-FFF2-40B4-BE49-F238E27FC236}">
-                <a16:creationId xmlns:a16="http://schemas.microsoft.com/office/drawing/2014/main" id="{57B5073E-9FC4-A046-4489-95B8D511F869}"/>
-              </a:ext>
-            </a:extLst>
-          </p:cNvPr>
-          <p:cNvSpPr txBox="1"/>
-          <p:nvPr/>
-        </p:nvSpPr>
-        <p:spPr>
-          <a:xfrm>
-            <a:off x="3126054" y="4741468"/>
-            <a:ext cx="2016034" cy="830997"/>
-          </a:xfrm>
-          <a:prstGeom prst="rect">
-            <a:avLst/>
-          </a:prstGeom>
-          <a:noFill/>
-        </p:spPr>
-        <p:txBody>
-          <a:bodyPr wrap="square" rtlCol="0">
-            <a:spAutoFit/>
-          </a:bodyPr>
-          <a:lstStyle/>
-          <a:p>
-            <a:pPr marL="285750" indent="-285750">
-              <a:buFont typeface="Arial" panose="020B0604020202020204" pitchFamily="34" charset="0"/>
-              <a:buChar char="•"/>
-            </a:pPr>
-            <a:r>
-              <a:rPr lang="en-US" sz="1200" dirty="0">
-                <a:solidFill>
-                  <a:schemeClr val="tx1">
-                    <a:lumMod val="75000"/>
-                    <a:lumOff val="25000"/>
-                  </a:schemeClr>
-                </a:solidFill>
-              </a:rPr>
-              <a:t>Re-read the exercise</a:t>
-            </a:r>
-          </a:p>
-          <a:p>
-            <a:pPr marL="285750" indent="-285750">
-              <a:buFont typeface="Arial" panose="020B0604020202020204" pitchFamily="34" charset="0"/>
-              <a:buChar char="•"/>
-            </a:pPr>
-            <a:r>
-              <a:rPr lang="en-US" sz="1200" dirty="0">
-                <a:solidFill>
-                  <a:schemeClr val="tx1">
-                    <a:lumMod val="75000"/>
-                    <a:lumOff val="25000"/>
-                  </a:schemeClr>
-                </a:solidFill>
-              </a:rPr>
-              <a:t>Explore the data</a:t>
-            </a:r>
-          </a:p>
-          <a:p>
-            <a:pPr marL="285750" indent="-285750">
-              <a:buFont typeface="Arial" panose="020B0604020202020204" pitchFamily="34" charset="0"/>
-              <a:buChar char="•"/>
-            </a:pPr>
-            <a:r>
-              <a:rPr lang="en-US" sz="1200" dirty="0">
-                <a:solidFill>
-                  <a:schemeClr val="tx1">
-                    <a:lumMod val="75000"/>
-                    <a:lumOff val="25000"/>
-                  </a:schemeClr>
-                </a:solidFill>
-              </a:rPr>
-              <a:t>Conceptualise model</a:t>
-            </a:r>
-          </a:p>
-          <a:p>
-            <a:pPr marL="285750" indent="-285750">
-              <a:buFont typeface="Arial" panose="020B0604020202020204" pitchFamily="34" charset="0"/>
-              <a:buChar char="•"/>
-            </a:pPr>
-            <a:r>
-              <a:rPr lang="en-US" sz="1200" dirty="0">
-                <a:solidFill>
-                  <a:schemeClr val="tx1">
-                    <a:lumMod val="75000"/>
-                    <a:lumOff val="25000"/>
-                  </a:schemeClr>
-                </a:solidFill>
-              </a:rPr>
-              <a:t>Assumptions</a:t>
-            </a:r>
-            <a:endParaRPr lang="en-CA" sz="1200" dirty="0">
-              <a:solidFill>
-                <a:schemeClr val="tx1">
-                  <a:lumMod val="75000"/>
-                  <a:lumOff val="25000"/>
-                </a:schemeClr>
-              </a:solidFill>
-            </a:endParaRPr>
-          </a:p>
-        </p:txBody>
-      </p:sp>
-      <p:pic>
-        <p:nvPicPr>
-          <p:cNvPr id="31" name="Picture 30">
-            <a:extLst>
-              <a:ext uri="{FF2B5EF4-FFF2-40B4-BE49-F238E27FC236}">
-                <a16:creationId xmlns:a16="http://schemas.microsoft.com/office/drawing/2014/main" id="{1513D055-520C-CD1E-D605-4433987FFA8F}"/>
-              </a:ext>
-            </a:extLst>
-          </p:cNvPr>
-          <p:cNvPicPr>
-            <a:picLocks noChangeAspect="1"/>
-          </p:cNvPicPr>
-          <p:nvPr/>
-        </p:nvPicPr>
-        <p:blipFill>
-          <a:blip r:embed="rId5"/>
-          <a:stretch>
-            <a:fillRect/>
-          </a:stretch>
-        </p:blipFill>
-        <p:spPr>
-          <a:xfrm>
-            <a:off x="5985594" y="2170686"/>
-            <a:ext cx="1581248" cy="1347883"/>
-          </a:xfrm>
-          <a:prstGeom prst="rect">
-            <a:avLst/>
-          </a:prstGeom>
-        </p:spPr>
-      </p:pic>
-      <p:sp>
-        <p:nvSpPr>
-          <p:cNvPr id="32" name="TextBox 31">
-            <a:extLst>
-              <a:ext uri="{FF2B5EF4-FFF2-40B4-BE49-F238E27FC236}">
-                <a16:creationId xmlns:a16="http://schemas.microsoft.com/office/drawing/2014/main" id="{7C9AA808-0E8B-15C0-91AB-3E3CB830B47A}"/>
-              </a:ext>
-            </a:extLst>
-          </p:cNvPr>
-          <p:cNvSpPr txBox="1"/>
-          <p:nvPr/>
-        </p:nvSpPr>
-        <p:spPr>
-          <a:xfrm>
-            <a:off x="5757090" y="4745836"/>
-            <a:ext cx="2958192" cy="1015663"/>
-          </a:xfrm>
-          <a:prstGeom prst="rect">
-            <a:avLst/>
-          </a:prstGeom>
-          <a:noFill/>
-        </p:spPr>
-        <p:txBody>
-          <a:bodyPr wrap="square" rtlCol="0">
-            <a:spAutoFit/>
-          </a:bodyPr>
-          <a:lstStyle/>
-          <a:p>
-            <a:pPr marL="171450" indent="-171450">
-              <a:buFont typeface="Arial" panose="020B0604020202020204" pitchFamily="34" charset="0"/>
-              <a:buChar char="•"/>
-            </a:pPr>
-            <a:r>
-              <a:rPr lang="en-US" sz="1200" dirty="0">
-                <a:solidFill>
-                  <a:schemeClr val="tx1">
-                    <a:lumMod val="75000"/>
-                    <a:lumOff val="25000"/>
-                  </a:schemeClr>
-                </a:solidFill>
-              </a:rPr>
-              <a:t>Start by creating a source table with the raw data</a:t>
-            </a:r>
-          </a:p>
-          <a:p>
-            <a:pPr marL="171450" indent="-171450">
-              <a:buFont typeface="Arial" panose="020B0604020202020204" pitchFamily="34" charset="0"/>
-              <a:buChar char="•"/>
-            </a:pPr>
-            <a:r>
-              <a:rPr lang="en-US" sz="1200" dirty="0">
-                <a:solidFill>
-                  <a:schemeClr val="tx1">
-                    <a:lumMod val="75000"/>
-                    <a:lumOff val="25000"/>
-                  </a:schemeClr>
-                </a:solidFill>
-              </a:rPr>
-              <a:t>Build the quote bind model to address need for specific journeys in this space</a:t>
-            </a:r>
-          </a:p>
-          <a:p>
-            <a:pPr marL="171450" indent="-171450">
-              <a:buFont typeface="Arial" panose="020B0604020202020204" pitchFamily="34" charset="0"/>
-              <a:buChar char="•"/>
-            </a:pPr>
-            <a:r>
-              <a:rPr lang="en-US" sz="1200" dirty="0">
-                <a:solidFill>
-                  <a:schemeClr val="tx1">
-                    <a:lumMod val="75000"/>
-                    <a:lumOff val="25000"/>
-                  </a:schemeClr>
-                </a:solidFill>
-              </a:rPr>
-              <a:t>Summary</a:t>
-            </a:r>
-            <a:endParaRPr lang="en-CA" sz="1200" dirty="0">
-              <a:solidFill>
-                <a:schemeClr val="tx1">
-                  <a:lumMod val="75000"/>
-                  <a:lumOff val="25000"/>
-                </a:schemeClr>
-              </a:solidFill>
-            </a:endParaRPr>
-          </a:p>
-        </p:txBody>
-      </p:sp>
-      <p:sp>
-        <p:nvSpPr>
-          <p:cNvPr id="33" name="TextBox 32">
-            <a:extLst>
-              <a:ext uri="{FF2B5EF4-FFF2-40B4-BE49-F238E27FC236}">
-                <a16:creationId xmlns:a16="http://schemas.microsoft.com/office/drawing/2014/main" id="{DC114A1F-7F0F-B758-6411-22B1915FF676}"/>
-              </a:ext>
-            </a:extLst>
-          </p:cNvPr>
-          <p:cNvSpPr txBox="1"/>
-          <p:nvPr/>
-        </p:nvSpPr>
-        <p:spPr>
-          <a:xfrm>
-            <a:off x="9734004" y="5230418"/>
-            <a:ext cx="2016034" cy="461665"/>
-          </a:xfrm>
-          <a:prstGeom prst="rect">
-            <a:avLst/>
-          </a:prstGeom>
-          <a:noFill/>
-        </p:spPr>
-        <p:txBody>
-          <a:bodyPr wrap="square" rtlCol="0">
-            <a:spAutoFit/>
-          </a:bodyPr>
-          <a:lstStyle/>
-          <a:p>
-            <a:pPr marL="171450" indent="-171450">
-              <a:buFont typeface="Arial" panose="020B0604020202020204" pitchFamily="34" charset="0"/>
-              <a:buChar char="•"/>
-            </a:pPr>
-            <a:r>
-              <a:rPr lang="en-US" sz="1200" dirty="0">
-                <a:solidFill>
-                  <a:schemeClr val="tx1">
-                    <a:lumMod val="75000"/>
-                    <a:lumOff val="25000"/>
-                  </a:schemeClr>
-                </a:solidFill>
-              </a:rPr>
-              <a:t>Queries in DataBricks</a:t>
-            </a:r>
-          </a:p>
-          <a:p>
-            <a:pPr marL="171450" indent="-171450">
-              <a:buFont typeface="Arial" panose="020B0604020202020204" pitchFamily="34" charset="0"/>
-              <a:buChar char="•"/>
-            </a:pPr>
-            <a:r>
-              <a:rPr lang="en-US" sz="1200" dirty="0">
-                <a:solidFill>
-                  <a:schemeClr val="tx1">
-                    <a:lumMod val="75000"/>
-                    <a:lumOff val="25000"/>
-                  </a:schemeClr>
-                </a:solidFill>
-              </a:rPr>
-              <a:t>Self-serve dashboard</a:t>
-            </a:r>
-            <a:endParaRPr lang="en-CA" sz="1200" dirty="0">
-              <a:solidFill>
-                <a:schemeClr val="tx1">
-                  <a:lumMod val="75000"/>
-                  <a:lumOff val="25000"/>
-                </a:schemeClr>
-              </a:solidFill>
-            </a:endParaRPr>
-          </a:p>
-        </p:txBody>
-      </p:sp>
-      <p:sp>
-        <p:nvSpPr>
-          <p:cNvPr id="34" name="TextBox 33">
-            <a:extLst>
-              <a:ext uri="{FF2B5EF4-FFF2-40B4-BE49-F238E27FC236}">
-                <a16:creationId xmlns:a16="http://schemas.microsoft.com/office/drawing/2014/main" id="{FCE02B00-9DE5-5D80-F8A0-8E17DA80467B}"/>
-              </a:ext>
-            </a:extLst>
-          </p:cNvPr>
-          <p:cNvSpPr txBox="1"/>
-          <p:nvPr/>
-        </p:nvSpPr>
-        <p:spPr>
-          <a:xfrm>
-            <a:off x="251821" y="6198550"/>
-            <a:ext cx="11687629" cy="369332"/>
-          </a:xfrm>
-          <a:prstGeom prst="rect">
-            <a:avLst/>
-          </a:prstGeom>
-          <a:solidFill>
-            <a:schemeClr val="bg1">
-              <a:lumMod val="95000"/>
-            </a:schemeClr>
-          </a:solidFill>
-          <a:ln>
-            <a:solidFill>
-              <a:schemeClr val="bg1">
-                <a:lumMod val="65000"/>
-              </a:schemeClr>
-            </a:solidFill>
-          </a:ln>
-        </p:spPr>
-        <p:txBody>
-          <a:bodyPr wrap="square" rtlCol="0">
-            <a:spAutoFit/>
-          </a:bodyPr>
-          <a:lstStyle/>
-          <a:p>
-            <a:pPr algn="ctr"/>
-            <a:r>
-              <a:rPr lang="en-US" dirty="0"/>
-              <a:t>Document and Test across every stage</a:t>
-            </a:r>
-            <a:endParaRPr lang="en-CA" dirty="0"/>
-          </a:p>
-        </p:txBody>
-      </p:sp>
     </p:spTree>
     <p:extLst>
       <p:ext uri="{BB962C8B-B14F-4D97-AF65-F5344CB8AC3E}">
-        <p14:creationId xmlns:p14="http://schemas.microsoft.com/office/powerpoint/2010/main" val="3554934814"/>
+        <p14:creationId xmlns:p14="http://schemas.microsoft.com/office/powerpoint/2010/main" val="59422444"/>
       </p:ext>
     </p:extLst>
   </p:cSld>
@@ -5491,74 +5311,226 @@
       </p:grpSpPr>
       <p:sp>
         <p:nvSpPr>
-          <p:cNvPr id="4" name="Title 1">
-            <a:extLst>
-              <a:ext uri="{FF2B5EF4-FFF2-40B4-BE49-F238E27FC236}">
-                <a16:creationId xmlns:a16="http://schemas.microsoft.com/office/drawing/2014/main" id="{19DA563D-21B1-D111-450B-45206E2C99F9}"/>
-              </a:ext>
-            </a:extLst>
-          </p:cNvPr>
-          <p:cNvSpPr>
-            <a:spLocks noGrp="1"/>
-          </p:cNvSpPr>
-          <p:nvPr>
-            <p:ph type="title"/>
-          </p:nvPr>
-        </p:nvSpPr>
-        <p:spPr>
-          <a:xfrm>
-            <a:off x="499290" y="320040"/>
-            <a:ext cx="10515600" cy="1167488"/>
-          </a:xfrm>
-        </p:spPr>
-        <p:txBody>
-          <a:bodyPr>
-            <a:noAutofit/>
-          </a:bodyPr>
-          <a:lstStyle/>
-          <a:p>
-            <a:r>
-              <a:rPr lang="en-US" sz="2800" dirty="0"/>
-              <a:t>Three models built in DBT: </a:t>
-            </a:r>
-            <a:r>
-              <a:rPr lang="en-US" sz="2800" dirty="0" err="1"/>
-              <a:t>src_policy_events</a:t>
-            </a:r>
-            <a:r>
-              <a:rPr lang="en-US" sz="2800" dirty="0"/>
-              <a:t>, </a:t>
-            </a:r>
-            <a:r>
-              <a:rPr lang="en-US" sz="2800" dirty="0" err="1"/>
-              <a:t>quote_bind</a:t>
-            </a:r>
-            <a:r>
-              <a:rPr lang="en-US" sz="2800" dirty="0"/>
-              <a:t> and </a:t>
-            </a:r>
-            <a:r>
-              <a:rPr lang="en-US" sz="2800" dirty="0" err="1"/>
-              <a:t>policy_lifecycle_model</a:t>
-            </a:r>
-            <a:r>
-              <a:rPr lang="en-US" sz="2800" dirty="0"/>
-              <a:t>, documentation in </a:t>
-            </a:r>
-            <a:r>
-              <a:rPr lang="en-US" sz="2800" dirty="0" err="1"/>
-              <a:t>schema.yml</a:t>
-            </a:r>
-            <a:endParaRPr lang="en-CA" sz="2800" dirty="0"/>
+          <p:cNvPr id="43" name="Rectangle: Rounded Corners 42">
+            <a:extLst>
+              <a:ext uri="{FF2B5EF4-FFF2-40B4-BE49-F238E27FC236}">
+                <a16:creationId xmlns:a16="http://schemas.microsoft.com/office/drawing/2014/main" id="{CF3F982B-4AFF-9443-3A72-36963E16F9FB}"/>
+              </a:ext>
+            </a:extLst>
+          </p:cNvPr>
+          <p:cNvSpPr/>
+          <p:nvPr/>
+        </p:nvSpPr>
+        <p:spPr>
+          <a:xfrm>
+            <a:off x="9146166" y="1697654"/>
+            <a:ext cx="2895672" cy="4338804"/>
+          </a:xfrm>
+          <a:prstGeom prst="roundRect">
+            <a:avLst/>
+          </a:prstGeom>
+          <a:noFill/>
+          <a:ln>
+            <a:solidFill>
+              <a:schemeClr val="bg1">
+                <a:lumMod val="95000"/>
+              </a:schemeClr>
+            </a:solidFill>
+          </a:ln>
+        </p:spPr>
+        <p:style>
+          <a:lnRef idx="2">
+            <a:schemeClr val="accent1">
+              <a:shade val="15000"/>
+            </a:schemeClr>
+          </a:lnRef>
+          <a:fillRef idx="1">
+            <a:schemeClr val="accent1"/>
+          </a:fillRef>
+          <a:effectRef idx="0">
+            <a:schemeClr val="accent1"/>
+          </a:effectRef>
+          <a:fontRef idx="minor">
+            <a:schemeClr val="lt1"/>
+          </a:fontRef>
+        </p:style>
+        <p:txBody>
+          <a:bodyPr rtlCol="0" anchor="ctr"/>
+          <a:lstStyle/>
+          <a:p>
+            <a:pPr algn="ctr"/>
+            <a:endParaRPr lang="en-CA" dirty="0"/>
+          </a:p>
+        </p:txBody>
+      </p:sp>
+      <p:sp>
+        <p:nvSpPr>
+          <p:cNvPr id="42" name="Rectangle: Rounded Corners 41">
+            <a:extLst>
+              <a:ext uri="{FF2B5EF4-FFF2-40B4-BE49-F238E27FC236}">
+                <a16:creationId xmlns:a16="http://schemas.microsoft.com/office/drawing/2014/main" id="{9D86FA66-C779-4007-6B47-1AC285F31BD0}"/>
+              </a:ext>
+            </a:extLst>
+          </p:cNvPr>
+          <p:cNvSpPr/>
+          <p:nvPr/>
+        </p:nvSpPr>
+        <p:spPr>
+          <a:xfrm>
+            <a:off x="6133531" y="1673103"/>
+            <a:ext cx="2895672" cy="4338804"/>
+          </a:xfrm>
+          <a:prstGeom prst="roundRect">
+            <a:avLst/>
+          </a:prstGeom>
+          <a:noFill/>
+          <a:ln>
+            <a:solidFill>
+              <a:schemeClr val="bg1">
+                <a:lumMod val="95000"/>
+              </a:schemeClr>
+            </a:solidFill>
+          </a:ln>
+        </p:spPr>
+        <p:style>
+          <a:lnRef idx="2">
+            <a:schemeClr val="accent1">
+              <a:shade val="15000"/>
+            </a:schemeClr>
+          </a:lnRef>
+          <a:fillRef idx="1">
+            <a:schemeClr val="accent1"/>
+          </a:fillRef>
+          <a:effectRef idx="0">
+            <a:schemeClr val="accent1"/>
+          </a:effectRef>
+          <a:fontRef idx="minor">
+            <a:schemeClr val="lt1"/>
+          </a:fontRef>
+        </p:style>
+        <p:txBody>
+          <a:bodyPr rtlCol="0" anchor="ctr"/>
+          <a:lstStyle/>
+          <a:p>
+            <a:pPr algn="ctr"/>
+            <a:endParaRPr lang="en-CA" dirty="0"/>
+          </a:p>
+        </p:txBody>
+      </p:sp>
+      <p:sp>
+        <p:nvSpPr>
+          <p:cNvPr id="41" name="Rectangle: Rounded Corners 40">
+            <a:extLst>
+              <a:ext uri="{FF2B5EF4-FFF2-40B4-BE49-F238E27FC236}">
+                <a16:creationId xmlns:a16="http://schemas.microsoft.com/office/drawing/2014/main" id="{BF332A69-D5E5-CB14-A9DC-0B99923EC888}"/>
+              </a:ext>
+            </a:extLst>
+          </p:cNvPr>
+          <p:cNvSpPr/>
+          <p:nvPr/>
+        </p:nvSpPr>
+        <p:spPr>
+          <a:xfrm>
+            <a:off x="3151937" y="1674171"/>
+            <a:ext cx="2895672" cy="4338804"/>
+          </a:xfrm>
+          <a:prstGeom prst="roundRect">
+            <a:avLst/>
+          </a:prstGeom>
+          <a:noFill/>
+          <a:ln>
+            <a:solidFill>
+              <a:schemeClr val="bg1">
+                <a:lumMod val="95000"/>
+              </a:schemeClr>
+            </a:solidFill>
+          </a:ln>
+        </p:spPr>
+        <p:style>
+          <a:lnRef idx="2">
+            <a:schemeClr val="accent1">
+              <a:shade val="15000"/>
+            </a:schemeClr>
+          </a:lnRef>
+          <a:fillRef idx="1">
+            <a:schemeClr val="accent1"/>
+          </a:fillRef>
+          <a:effectRef idx="0">
+            <a:schemeClr val="accent1"/>
+          </a:effectRef>
+          <a:fontRef idx="minor">
+            <a:schemeClr val="lt1"/>
+          </a:fontRef>
+        </p:style>
+        <p:txBody>
+          <a:bodyPr rtlCol="0" anchor="ctr"/>
+          <a:lstStyle/>
+          <a:p>
+            <a:pPr algn="ctr"/>
+            <a:endParaRPr lang="en-CA" dirty="0"/>
+          </a:p>
+        </p:txBody>
+      </p:sp>
+      <p:sp>
+        <p:nvSpPr>
+          <p:cNvPr id="40" name="Rectangle: Rounded Corners 39">
+            <a:extLst>
+              <a:ext uri="{FF2B5EF4-FFF2-40B4-BE49-F238E27FC236}">
+                <a16:creationId xmlns:a16="http://schemas.microsoft.com/office/drawing/2014/main" id="{3862F689-5CDC-40BA-DD49-ACDAEE2CD384}"/>
+              </a:ext>
+            </a:extLst>
+          </p:cNvPr>
+          <p:cNvSpPr/>
+          <p:nvPr/>
+        </p:nvSpPr>
+        <p:spPr>
+          <a:xfrm>
+            <a:off x="170343" y="1649620"/>
+            <a:ext cx="2895672" cy="4338804"/>
+          </a:xfrm>
+          <a:prstGeom prst="roundRect">
+            <a:avLst/>
+          </a:prstGeom>
+          <a:noFill/>
+          <a:ln>
+            <a:solidFill>
+              <a:schemeClr val="bg1">
+                <a:lumMod val="95000"/>
+              </a:schemeClr>
+            </a:solidFill>
+          </a:ln>
+        </p:spPr>
+        <p:style>
+          <a:lnRef idx="2">
+            <a:schemeClr val="accent1">
+              <a:shade val="15000"/>
+            </a:schemeClr>
+          </a:lnRef>
+          <a:fillRef idx="1">
+            <a:schemeClr val="accent1"/>
+          </a:fillRef>
+          <a:effectRef idx="0">
+            <a:schemeClr val="accent1"/>
+          </a:effectRef>
+          <a:fontRef idx="minor">
+            <a:schemeClr val="lt1"/>
+          </a:fontRef>
+        </p:style>
+        <p:txBody>
+          <a:bodyPr rtlCol="0" anchor="ctr"/>
+          <a:lstStyle/>
+          <a:p>
+            <a:pPr algn="ctr"/>
+            <a:endParaRPr lang="en-CA" dirty="0"/>
           </a:p>
         </p:txBody>
       </p:sp>
       <p:pic>
         <p:nvPicPr>
-          <p:cNvPr id="12" name="Picture 11">
-            <a:extLst>
-              <a:ext uri="{FF2B5EF4-FFF2-40B4-BE49-F238E27FC236}">
-                <a16:creationId xmlns:a16="http://schemas.microsoft.com/office/drawing/2014/main" id="{387C697D-B2D7-15E4-59F3-53A6206BDB89}"/>
+          <p:cNvPr id="39" name="Picture 38">
+            <a:extLst>
+              <a:ext uri="{FF2B5EF4-FFF2-40B4-BE49-F238E27FC236}">
+                <a16:creationId xmlns:a16="http://schemas.microsoft.com/office/drawing/2014/main" id="{0BDEE56F-6AFD-82CA-A919-45DD5FDB673A}"/>
               </a:ext>
             </a:extLst>
           </p:cNvPr>
@@ -5569,27 +5541,185 @@
         </p:nvPicPr>
         <p:blipFill>
           <a:blip r:embed="rId2"/>
-          <a:srcRect t="10969" b="4530"/>
           <a:stretch>
             <a:fillRect/>
           </a:stretch>
         </p:blipFill>
         <p:spPr>
           <a:xfrm>
-            <a:off x="1064853" y="4813301"/>
-            <a:ext cx="9489223" cy="1322892"/>
+            <a:off x="9610696" y="3291240"/>
+            <a:ext cx="1408535" cy="862680"/>
           </a:xfrm>
           <a:prstGeom prst="rect">
             <a:avLst/>
           </a:prstGeom>
         </p:spPr>
       </p:pic>
+      <p:sp>
+        <p:nvSpPr>
+          <p:cNvPr id="2" name="Title 1">
+            <a:extLst>
+              <a:ext uri="{FF2B5EF4-FFF2-40B4-BE49-F238E27FC236}">
+                <a16:creationId xmlns:a16="http://schemas.microsoft.com/office/drawing/2014/main" id="{C8DCB660-3B70-C1EC-A964-9BE067CFDF8E}"/>
+              </a:ext>
+            </a:extLst>
+          </p:cNvPr>
+          <p:cNvSpPr>
+            <a:spLocks noGrp="1"/>
+          </p:cNvSpPr>
+          <p:nvPr>
+            <p:ph type="title"/>
+          </p:nvPr>
+        </p:nvSpPr>
+        <p:spPr>
+          <a:xfrm>
+            <a:off x="499290" y="161965"/>
+            <a:ext cx="10515600" cy="1325563"/>
+          </a:xfrm>
+        </p:spPr>
+        <p:txBody>
+          <a:bodyPr>
+            <a:noAutofit/>
+          </a:bodyPr>
+          <a:lstStyle/>
+          <a:p>
+            <a:r>
+              <a:rPr lang="en-US" sz="2800" dirty="0"/>
+              <a:t>Four steps to transform raw data into a clean, queryable, meaningful source for downstream users</a:t>
+            </a:r>
+            <a:endParaRPr lang="en-CA" sz="2800" dirty="0"/>
+          </a:p>
+        </p:txBody>
+      </p:sp>
+      <p:sp>
+        <p:nvSpPr>
+          <p:cNvPr id="5" name="TextBox 4">
+            <a:extLst>
+              <a:ext uri="{FF2B5EF4-FFF2-40B4-BE49-F238E27FC236}">
+                <a16:creationId xmlns:a16="http://schemas.microsoft.com/office/drawing/2014/main" id="{450DAB8D-1FF3-42B3-26A9-BF53FA70BDA6}"/>
+              </a:ext>
+            </a:extLst>
+          </p:cNvPr>
+          <p:cNvSpPr txBox="1"/>
+          <p:nvPr/>
+        </p:nvSpPr>
+        <p:spPr>
+          <a:xfrm>
+            <a:off x="417812" y="1464954"/>
+            <a:ext cx="931158" cy="369332"/>
+          </a:xfrm>
+          <a:prstGeom prst="rect">
+            <a:avLst/>
+          </a:prstGeom>
+          <a:solidFill>
+            <a:schemeClr val="bg1"/>
+          </a:solidFill>
+        </p:spPr>
+        <p:txBody>
+          <a:bodyPr wrap="square" rtlCol="0">
+            <a:spAutoFit/>
+          </a:bodyPr>
+          <a:lstStyle/>
+          <a:p>
+            <a:r>
+              <a:rPr lang="en-US" dirty="0">
+                <a:solidFill>
+                  <a:srgbClr val="4B0076"/>
+                </a:solidFill>
+              </a:rPr>
+              <a:t>Set Up</a:t>
+            </a:r>
+          </a:p>
+        </p:txBody>
+      </p:sp>
+      <p:sp>
+        <p:nvSpPr>
+          <p:cNvPr id="6" name="TextBox 5">
+            <a:extLst>
+              <a:ext uri="{FF2B5EF4-FFF2-40B4-BE49-F238E27FC236}">
+                <a16:creationId xmlns:a16="http://schemas.microsoft.com/office/drawing/2014/main" id="{84CF3385-1569-2F8E-C5F1-18C7A453B769}"/>
+              </a:ext>
+            </a:extLst>
+          </p:cNvPr>
+          <p:cNvSpPr txBox="1"/>
+          <p:nvPr/>
+        </p:nvSpPr>
+        <p:spPr>
+          <a:xfrm>
+            <a:off x="6497963" y="1464954"/>
+            <a:ext cx="854344" cy="369332"/>
+          </a:xfrm>
+          <a:prstGeom prst="rect">
+            <a:avLst/>
+          </a:prstGeom>
+          <a:solidFill>
+            <a:schemeClr val="bg1"/>
+          </a:solidFill>
+        </p:spPr>
+        <p:txBody>
+          <a:bodyPr wrap="square" rtlCol="0">
+            <a:spAutoFit/>
+          </a:bodyPr>
+          <a:lstStyle/>
+          <a:p>
+            <a:r>
+              <a:rPr lang="en-US" dirty="0">
+                <a:solidFill>
+                  <a:srgbClr val="4B0076"/>
+                </a:solidFill>
+              </a:rPr>
+              <a:t>Model</a:t>
+            </a:r>
+          </a:p>
+        </p:txBody>
+      </p:sp>
+      <p:sp>
+        <p:nvSpPr>
+          <p:cNvPr id="7" name="TextBox 6">
+            <a:extLst>
+              <a:ext uri="{FF2B5EF4-FFF2-40B4-BE49-F238E27FC236}">
+                <a16:creationId xmlns:a16="http://schemas.microsoft.com/office/drawing/2014/main" id="{D35D75F4-7FBB-3615-13E2-B70B538A8B6D}"/>
+              </a:ext>
+            </a:extLst>
+          </p:cNvPr>
+          <p:cNvSpPr txBox="1"/>
+          <p:nvPr/>
+        </p:nvSpPr>
+        <p:spPr>
+          <a:xfrm>
+            <a:off x="9393635" y="1464954"/>
+            <a:ext cx="1873796" cy="369332"/>
+          </a:xfrm>
+          <a:prstGeom prst="rect">
+            <a:avLst/>
+          </a:prstGeom>
+          <a:solidFill>
+            <a:schemeClr val="bg1"/>
+          </a:solidFill>
+        </p:spPr>
+        <p:txBody>
+          <a:bodyPr wrap="square" rtlCol="0">
+            <a:spAutoFit/>
+          </a:bodyPr>
+          <a:lstStyle/>
+          <a:p>
+            <a:r>
+              <a:rPr lang="en-US" dirty="0">
+                <a:solidFill>
+                  <a:srgbClr val="4B0076"/>
+                </a:solidFill>
+              </a:rPr>
+              <a:t>Query and Share</a:t>
+            </a:r>
+          </a:p>
+        </p:txBody>
+      </p:sp>
       <p:pic>
         <p:nvPicPr>
-          <p:cNvPr id="14" name="Picture 13">
-            <a:extLst>
-              <a:ext uri="{FF2B5EF4-FFF2-40B4-BE49-F238E27FC236}">
-                <a16:creationId xmlns:a16="http://schemas.microsoft.com/office/drawing/2014/main" id="{2F5E796C-82C2-6B45-1135-030A57B2BF00}"/>
+          <p:cNvPr id="8" name="Picture 7">
+            <a:extLst>
+              <a:ext uri="{FF2B5EF4-FFF2-40B4-BE49-F238E27FC236}">
+                <a16:creationId xmlns:a16="http://schemas.microsoft.com/office/drawing/2014/main" id="{E1C2BE49-899F-3790-E8B3-AA03A2CFFD2B}"/>
               </a:ext>
             </a:extLst>
           </p:cNvPr>
@@ -5606,20 +5736,150 @@
         </p:blipFill>
         <p:spPr>
           <a:xfrm>
-            <a:off x="1064853" y="1695450"/>
-            <a:ext cx="2030096" cy="1961368"/>
+            <a:off x="1133857" y="3812200"/>
+            <a:ext cx="1032855" cy="580981"/>
           </a:xfrm>
           <a:prstGeom prst="rect">
             <a:avLst/>
           </a:prstGeom>
         </p:spPr>
       </p:pic>
-      <p:sp>
-        <p:nvSpPr>
-          <p:cNvPr id="15" name="TextBox 14">
-            <a:extLst>
-              <a:ext uri="{FF2B5EF4-FFF2-40B4-BE49-F238E27FC236}">
-                <a16:creationId xmlns:a16="http://schemas.microsoft.com/office/drawing/2014/main" id="{129A3850-EE1A-ECF1-8C11-3DC3B09E5AA8}"/>
+      <p:pic>
+        <p:nvPicPr>
+          <p:cNvPr id="9" name="Picture 8">
+            <a:extLst>
+              <a:ext uri="{FF2B5EF4-FFF2-40B4-BE49-F238E27FC236}">
+                <a16:creationId xmlns:a16="http://schemas.microsoft.com/office/drawing/2014/main" id="{ACA0B42C-4A03-F061-9574-CED61106FFAA}"/>
+              </a:ext>
+            </a:extLst>
+          </p:cNvPr>
+          <p:cNvPicPr>
+            <a:picLocks noChangeAspect="1"/>
+          </p:cNvPicPr>
+          <p:nvPr/>
+        </p:nvPicPr>
+        <p:blipFill>
+          <a:blip r:embed="rId4"/>
+          <a:srcRect t="17177" b="17176"/>
+          <a:stretch>
+            <a:fillRect/>
+          </a:stretch>
+        </p:blipFill>
+        <p:spPr>
+          <a:xfrm>
+            <a:off x="1133857" y="2170686"/>
+            <a:ext cx="1035839" cy="679997"/>
+          </a:xfrm>
+          <a:prstGeom prst="rect">
+            <a:avLst/>
+          </a:prstGeom>
+          <a:ln>
+            <a:solidFill>
+              <a:schemeClr val="bg1">
+                <a:lumMod val="65000"/>
+              </a:schemeClr>
+            </a:solidFill>
+          </a:ln>
+        </p:spPr>
+      </p:pic>
+      <p:cxnSp>
+        <p:nvCxnSpPr>
+          <p:cNvPr id="11" name="Straight Arrow Connector 10">
+            <a:extLst>
+              <a:ext uri="{FF2B5EF4-FFF2-40B4-BE49-F238E27FC236}">
+                <a16:creationId xmlns:a16="http://schemas.microsoft.com/office/drawing/2014/main" id="{93F4CF10-500F-A29B-E97F-16BAA5B26BD6}"/>
+              </a:ext>
+            </a:extLst>
+          </p:cNvPr>
+          <p:cNvCxnSpPr>
+            <a:cxnSpLocks/>
+          </p:cNvCxnSpPr>
+          <p:nvPr/>
+        </p:nvCxnSpPr>
+        <p:spPr>
+          <a:xfrm flipV="1">
+            <a:off x="1921982" y="2959655"/>
+            <a:ext cx="0" cy="744583"/>
+          </a:xfrm>
+          <a:prstGeom prst="straightConnector1">
+            <a:avLst/>
+          </a:prstGeom>
+          <a:ln>
+            <a:solidFill>
+              <a:schemeClr val="bg1">
+                <a:lumMod val="50000"/>
+              </a:schemeClr>
+            </a:solidFill>
+            <a:tailEnd type="triangle"/>
+          </a:ln>
+        </p:spPr>
+        <p:style>
+          <a:lnRef idx="2">
+            <a:schemeClr val="accent1"/>
+          </a:lnRef>
+          <a:fillRef idx="0">
+            <a:schemeClr val="accent1"/>
+          </a:fillRef>
+          <a:effectRef idx="1">
+            <a:schemeClr val="accent1"/>
+          </a:effectRef>
+          <a:fontRef idx="minor">
+            <a:schemeClr val="tx1"/>
+          </a:fontRef>
+        </p:style>
+      </p:cxnSp>
+      <p:cxnSp>
+        <p:nvCxnSpPr>
+          <p:cNvPr id="22" name="Straight Arrow Connector 21">
+            <a:extLst>
+              <a:ext uri="{FF2B5EF4-FFF2-40B4-BE49-F238E27FC236}">
+                <a16:creationId xmlns:a16="http://schemas.microsoft.com/office/drawing/2014/main" id="{295B9FDB-7C99-4549-7A93-8FB682E4D17B}"/>
+              </a:ext>
+            </a:extLst>
+          </p:cNvPr>
+          <p:cNvCxnSpPr>
+            <a:cxnSpLocks/>
+          </p:cNvCxnSpPr>
+          <p:nvPr/>
+        </p:nvCxnSpPr>
+        <p:spPr>
+          <a:xfrm>
+            <a:off x="1440834" y="2966186"/>
+            <a:ext cx="0" cy="744583"/>
+          </a:xfrm>
+          <a:prstGeom prst="straightConnector1">
+            <a:avLst/>
+          </a:prstGeom>
+          <a:ln>
+            <a:solidFill>
+              <a:schemeClr val="bg1">
+                <a:lumMod val="50000"/>
+              </a:schemeClr>
+            </a:solidFill>
+            <a:tailEnd type="triangle"/>
+          </a:ln>
+        </p:spPr>
+        <p:style>
+          <a:lnRef idx="2">
+            <a:schemeClr val="accent1"/>
+          </a:lnRef>
+          <a:fillRef idx="0">
+            <a:schemeClr val="accent1"/>
+          </a:fillRef>
+          <a:effectRef idx="1">
+            <a:schemeClr val="accent1"/>
+          </a:effectRef>
+          <a:fontRef idx="minor">
+            <a:schemeClr val="tx1"/>
+          </a:fontRef>
+        </p:style>
+      </p:cxnSp>
+      <p:sp>
+        <p:nvSpPr>
+          <p:cNvPr id="25" name="TextBox 24">
+            <a:extLst>
+              <a:ext uri="{FF2B5EF4-FFF2-40B4-BE49-F238E27FC236}">
+                <a16:creationId xmlns:a16="http://schemas.microsoft.com/office/drawing/2014/main" id="{C7E6F574-E593-9EA7-6952-0EDB1B2B05A1}"/>
               </a:ext>
             </a:extLst>
           </p:cNvPr>
@@ -5628,8 +5888,8 @@
         </p:nvSpPr>
         <p:spPr>
           <a:xfrm>
-            <a:off x="3391176" y="1695450"/>
-            <a:ext cx="6902174" cy="2677656"/>
+            <a:off x="282972" y="4794976"/>
+            <a:ext cx="2804257" cy="1015663"/>
           </a:xfrm>
           <a:prstGeom prst="rect">
             <a:avLst/>
@@ -5642,234 +5902,640 @@
           </a:bodyPr>
           <a:lstStyle/>
           <a:p>
-            <a:pPr marL="342900" indent="-342900">
-              <a:buAutoNum type="arabicPeriod"/>
+            <a:pPr marL="285750" indent="-285750">
+              <a:buFont typeface="Arial" panose="020B0604020202020204" pitchFamily="34" charset="0"/>
+              <a:buChar char="•"/>
             </a:pPr>
             <a:r>
-              <a:rPr lang="en-US" sz="1400" b="1" dirty="0" err="1">
+              <a:rPr lang="en-US" sz="1200" dirty="0">
+                <a:solidFill>
+                  <a:schemeClr val="tx1">
+                    <a:lumMod val="75000"/>
+                    <a:lumOff val="25000"/>
+                  </a:schemeClr>
+                </a:solidFill>
+              </a:rPr>
+              <a:t>Create accounts for DBT, DataBricks, GitHub</a:t>
+            </a:r>
+          </a:p>
+          <a:p>
+            <a:pPr marL="285750" indent="-285750">
+              <a:buFont typeface="Arial" panose="020B0604020202020204" pitchFamily="34" charset="0"/>
+              <a:buChar char="•"/>
+            </a:pPr>
+            <a:r>
+              <a:rPr lang="en-US" sz="1200" dirty="0">
+                <a:solidFill>
+                  <a:schemeClr val="tx1">
+                    <a:lumMod val="75000"/>
+                    <a:lumOff val="25000"/>
+                  </a:schemeClr>
+                </a:solidFill>
+              </a:rPr>
+              <a:t>Create workspace and schema</a:t>
+            </a:r>
+          </a:p>
+          <a:p>
+            <a:pPr marL="285750" indent="-285750">
+              <a:buFont typeface="Arial" panose="020B0604020202020204" pitchFamily="34" charset="0"/>
+              <a:buChar char="•"/>
+            </a:pPr>
+            <a:r>
+              <a:rPr lang="en-US" sz="1200" dirty="0">
+                <a:solidFill>
+                  <a:schemeClr val="tx1">
+                    <a:lumMod val="75000"/>
+                    <a:lumOff val="25000"/>
+                  </a:schemeClr>
+                </a:solidFill>
+              </a:rPr>
+              <a:t>Load Policy data into Databricks</a:t>
+            </a:r>
+          </a:p>
+          <a:p>
+            <a:pPr marL="285750" indent="-285750">
+              <a:buFont typeface="Arial" panose="020B0604020202020204" pitchFamily="34" charset="0"/>
+              <a:buChar char="•"/>
+            </a:pPr>
+            <a:r>
+              <a:rPr lang="en-US" sz="1200" dirty="0">
+                <a:solidFill>
+                  <a:schemeClr val="tx1">
+                    <a:lumMod val="75000"/>
+                    <a:lumOff val="25000"/>
+                  </a:schemeClr>
+                </a:solidFill>
+              </a:rPr>
+              <a:t>Connect DBT, Data Bricks, GitHub</a:t>
+            </a:r>
+            <a:endParaRPr lang="en-CA" sz="1200" dirty="0">
+              <a:solidFill>
+                <a:schemeClr val="tx1">
+                  <a:lumMod val="75000"/>
+                  <a:lumOff val="25000"/>
+                </a:schemeClr>
+              </a:solidFill>
+            </a:endParaRPr>
+          </a:p>
+        </p:txBody>
+      </p:sp>
+      <p:sp>
+        <p:nvSpPr>
+          <p:cNvPr id="26" name="TextBox 25">
+            <a:extLst>
+              <a:ext uri="{FF2B5EF4-FFF2-40B4-BE49-F238E27FC236}">
+                <a16:creationId xmlns:a16="http://schemas.microsoft.com/office/drawing/2014/main" id="{78DF0C6B-1B8A-B8E7-FFE9-52C61B635E00}"/>
+              </a:ext>
+            </a:extLst>
+          </p:cNvPr>
+          <p:cNvSpPr txBox="1"/>
+          <p:nvPr/>
+        </p:nvSpPr>
+        <p:spPr>
+          <a:xfrm>
+            <a:off x="2033020" y="3051605"/>
+            <a:ext cx="855614" cy="430887"/>
+          </a:xfrm>
+          <a:prstGeom prst="rect">
+            <a:avLst/>
+          </a:prstGeom>
+          <a:noFill/>
+        </p:spPr>
+        <p:txBody>
+          <a:bodyPr wrap="square" rtlCol="0">
+            <a:spAutoFit/>
+          </a:bodyPr>
+          <a:lstStyle/>
+          <a:p>
+            <a:r>
+              <a:rPr lang="en-US" sz="1100" dirty="0"/>
+              <a:t>Profile.yml</a:t>
+            </a:r>
+          </a:p>
+          <a:p>
+            <a:r>
+              <a:rPr lang="en-US" sz="1100" dirty="0"/>
+              <a:t>DB Token</a:t>
+            </a:r>
+            <a:endParaRPr lang="en-CA" sz="1100" dirty="0"/>
+          </a:p>
+        </p:txBody>
+      </p:sp>
+      <p:sp>
+        <p:nvSpPr>
+          <p:cNvPr id="27" name="TextBox 26">
+            <a:extLst>
+              <a:ext uri="{FF2B5EF4-FFF2-40B4-BE49-F238E27FC236}">
+                <a16:creationId xmlns:a16="http://schemas.microsoft.com/office/drawing/2014/main" id="{DB28EFC6-5DF4-2B5B-9545-A00475269641}"/>
+              </a:ext>
+            </a:extLst>
+          </p:cNvPr>
+          <p:cNvSpPr txBox="1"/>
+          <p:nvPr/>
+        </p:nvSpPr>
+        <p:spPr>
+          <a:xfrm>
+            <a:off x="3477251" y="1464954"/>
+            <a:ext cx="748348" cy="369332"/>
+          </a:xfrm>
+          <a:prstGeom prst="rect">
+            <a:avLst/>
+          </a:prstGeom>
+          <a:solidFill>
+            <a:schemeClr val="bg1"/>
+          </a:solidFill>
+        </p:spPr>
+        <p:txBody>
+          <a:bodyPr wrap="square" rtlCol="0">
+            <a:spAutoFit/>
+          </a:bodyPr>
+          <a:lstStyle/>
+          <a:p>
+            <a:r>
+              <a:rPr lang="en-US" dirty="0">
                 <a:solidFill>
                   <a:srgbClr val="4B0076"/>
                 </a:solidFill>
               </a:rPr>
-              <a:t>SRC_Policy_Events</a:t>
-            </a:r>
-            <a:endParaRPr lang="en-US" sz="1400" b="1" dirty="0">
-              <a:solidFill>
-                <a:srgbClr val="4B0076"/>
-              </a:solidFill>
-            </a:endParaRPr>
-          </a:p>
-          <a:p>
-            <a:pPr marL="800100" lvl="1" indent="-342900">
+              <a:t>Think</a:t>
+            </a:r>
+          </a:p>
+        </p:txBody>
+      </p:sp>
+      <p:pic>
+        <p:nvPicPr>
+          <p:cNvPr id="28" name="Picture 27">
+            <a:extLst>
+              <a:ext uri="{FF2B5EF4-FFF2-40B4-BE49-F238E27FC236}">
+                <a16:creationId xmlns:a16="http://schemas.microsoft.com/office/drawing/2014/main" id="{30FF6A19-A269-B50A-762A-512A210173E1}"/>
+              </a:ext>
+            </a:extLst>
+          </p:cNvPr>
+          <p:cNvPicPr>
+            <a:picLocks noChangeAspect="1"/>
+          </p:cNvPicPr>
+          <p:nvPr/>
+        </p:nvPicPr>
+        <p:blipFill>
+          <a:blip r:embed="rId5"/>
+          <a:srcRect l="19001" t="18708" r="18985" b="17365"/>
+          <a:stretch>
+            <a:fillRect/>
+          </a:stretch>
+        </p:blipFill>
+        <p:spPr>
+          <a:xfrm>
+            <a:off x="3632446" y="2109772"/>
+            <a:ext cx="1528355" cy="1515292"/>
+          </a:xfrm>
+          <a:prstGeom prst="rect">
+            <a:avLst/>
+          </a:prstGeom>
+        </p:spPr>
+      </p:pic>
+      <p:sp>
+        <p:nvSpPr>
+          <p:cNvPr id="29" name="TextBox 28">
+            <a:extLst>
+              <a:ext uri="{FF2B5EF4-FFF2-40B4-BE49-F238E27FC236}">
+                <a16:creationId xmlns:a16="http://schemas.microsoft.com/office/drawing/2014/main" id="{57B5073E-9FC4-A046-4489-95B8D511F869}"/>
+              </a:ext>
+            </a:extLst>
+          </p:cNvPr>
+          <p:cNvSpPr txBox="1"/>
+          <p:nvPr/>
+        </p:nvSpPr>
+        <p:spPr>
+          <a:xfrm>
+            <a:off x="3388606" y="4741468"/>
+            <a:ext cx="2016034" cy="830997"/>
+          </a:xfrm>
+          <a:prstGeom prst="rect">
+            <a:avLst/>
+          </a:prstGeom>
+          <a:noFill/>
+        </p:spPr>
+        <p:txBody>
+          <a:bodyPr wrap="square" rtlCol="0">
+            <a:spAutoFit/>
+          </a:bodyPr>
+          <a:lstStyle/>
+          <a:p>
+            <a:pPr marL="285750" indent="-285750">
               <a:buFont typeface="Arial" panose="020B0604020202020204" pitchFamily="34" charset="0"/>
               <a:buChar char="•"/>
             </a:pPr>
             <a:r>
-              <a:rPr lang="en-US" sz="1400" dirty="0">
+              <a:rPr lang="en-US" sz="1200" dirty="0">
                 <a:solidFill>
-                  <a:srgbClr val="4B0076"/>
+                  <a:schemeClr val="tx1">
+                    <a:lumMod val="75000"/>
+                    <a:lumOff val="25000"/>
+                  </a:schemeClr>
                 </a:solidFill>
               </a:rPr>
-              <a:t>Raw data</a:t>
-            </a:r>
-          </a:p>
-          <a:p>
-            <a:pPr marL="800100" lvl="1" indent="-342900">
+              <a:t>Re-read the exercise</a:t>
+            </a:r>
+          </a:p>
+          <a:p>
+            <a:pPr marL="285750" indent="-285750">
               <a:buFont typeface="Arial" panose="020B0604020202020204" pitchFamily="34" charset="0"/>
               <a:buChar char="•"/>
             </a:pPr>
             <a:r>
-              <a:rPr lang="en-US" sz="1400" dirty="0">
+              <a:rPr lang="en-US" sz="1200" dirty="0">
                 <a:solidFill>
-                  <a:srgbClr val="4B0076"/>
+                  <a:schemeClr val="tx1">
+                    <a:lumMod val="75000"/>
+                    <a:lumOff val="25000"/>
+                  </a:schemeClr>
                 </a:solidFill>
               </a:rPr>
-              <a:t>Could be cleaned or updated at this level if needed</a:t>
-            </a:r>
-            <a:endParaRPr lang="en-CA" sz="1400" dirty="0">
-              <a:solidFill>
-                <a:srgbClr val="4B0076"/>
-              </a:solidFill>
-            </a:endParaRPr>
-          </a:p>
-          <a:p>
-            <a:pPr marL="342900" indent="-342900">
-              <a:buAutoNum type="arabicPeriod"/>
-            </a:pPr>
-            <a:r>
-              <a:rPr lang="en-CA" sz="1400" b="1" dirty="0" err="1">
-                <a:solidFill>
-                  <a:srgbClr val="4B0076"/>
-                </a:solidFill>
-              </a:rPr>
-              <a:t>Quote_Bind</a:t>
-            </a:r>
-            <a:endParaRPr lang="en-CA" sz="1400" b="1" dirty="0">
-              <a:solidFill>
-                <a:srgbClr val="4B0076"/>
-              </a:solidFill>
-            </a:endParaRPr>
-          </a:p>
-          <a:p>
-            <a:pPr marL="800100" lvl="1" indent="-342900">
+              <a:t>Explore the data</a:t>
+            </a:r>
+          </a:p>
+          <a:p>
+            <a:pPr marL="285750" indent="-285750">
               <a:buFont typeface="Arial" panose="020B0604020202020204" pitchFamily="34" charset="0"/>
               <a:buChar char="•"/>
             </a:pPr>
             <a:r>
-              <a:rPr lang="en-CA" sz="1400" dirty="0">
+              <a:rPr lang="en-US" sz="1200" dirty="0">
                 <a:solidFill>
-                  <a:srgbClr val="4B0076"/>
+                  <a:schemeClr val="tx1">
+                    <a:lumMod val="75000"/>
+                    <a:lumOff val="25000"/>
+                  </a:schemeClr>
                 </a:solidFill>
               </a:rPr>
-              <a:t>To address the need for average time from quote to bind</a:t>
-            </a:r>
-          </a:p>
-          <a:p>
-            <a:pPr marL="800100" lvl="1" indent="-342900">
+              <a:t>Conceptualise model</a:t>
+            </a:r>
+          </a:p>
+          <a:p>
+            <a:pPr marL="285750" indent="-285750">
               <a:buFont typeface="Arial" panose="020B0604020202020204" pitchFamily="34" charset="0"/>
               <a:buChar char="•"/>
             </a:pPr>
             <a:r>
-              <a:rPr lang="en-CA" sz="1400" dirty="0">
+              <a:rPr lang="en-US" sz="1200" dirty="0">
                 <a:solidFill>
-                  <a:srgbClr val="4B0076"/>
+                  <a:schemeClr val="tx1">
+                    <a:lumMod val="75000"/>
+                    <a:lumOff val="25000"/>
+                  </a:schemeClr>
                 </a:solidFill>
               </a:rPr>
-              <a:t>Splits each quote-bind cycle into it’s own event, by policy</a:t>
-            </a:r>
-          </a:p>
-          <a:p>
-            <a:pPr marL="342900" indent="-342900">
-              <a:buAutoNum type="arabicPeriod"/>
-            </a:pPr>
-            <a:r>
-              <a:rPr lang="en-CA" sz="1400" b="1" dirty="0" err="1">
-                <a:solidFill>
-                  <a:srgbClr val="4B0076"/>
-                </a:solidFill>
-              </a:rPr>
-              <a:t>Policy_Lifecycle_Model</a:t>
-            </a:r>
-            <a:endParaRPr lang="en-CA" sz="1400" b="1" dirty="0">
+              <a:t>Assumptions</a:t>
+            </a:r>
+            <a:endParaRPr lang="en-CA" sz="1200" dirty="0">
               <a:solidFill>
-                <a:srgbClr val="4B0076"/>
+                <a:schemeClr val="tx1">
+                  <a:lumMod val="75000"/>
+                  <a:lumOff val="25000"/>
+                </a:schemeClr>
               </a:solidFill>
             </a:endParaRPr>
           </a:p>
-          <a:p>
-            <a:pPr marL="800100" lvl="1" indent="-342900">
+        </p:txBody>
+      </p:sp>
+      <p:pic>
+        <p:nvPicPr>
+          <p:cNvPr id="31" name="Picture 30">
+            <a:extLst>
+              <a:ext uri="{FF2B5EF4-FFF2-40B4-BE49-F238E27FC236}">
+                <a16:creationId xmlns:a16="http://schemas.microsoft.com/office/drawing/2014/main" id="{1513D055-520C-CD1E-D605-4433987FFA8F}"/>
+              </a:ext>
+            </a:extLst>
+          </p:cNvPr>
+          <p:cNvPicPr>
+            <a:picLocks noChangeAspect="1"/>
+          </p:cNvPicPr>
+          <p:nvPr/>
+        </p:nvPicPr>
+        <p:blipFill>
+          <a:blip r:embed="rId6"/>
+          <a:stretch>
+            <a:fillRect/>
+          </a:stretch>
+        </p:blipFill>
+        <p:spPr>
+          <a:xfrm>
+            <a:off x="6806263" y="2136679"/>
+            <a:ext cx="1581248" cy="1347883"/>
+          </a:xfrm>
+          <a:prstGeom prst="rect">
+            <a:avLst/>
+          </a:prstGeom>
+        </p:spPr>
+      </p:pic>
+      <p:sp>
+        <p:nvSpPr>
+          <p:cNvPr id="32" name="TextBox 31">
+            <a:extLst>
+              <a:ext uri="{FF2B5EF4-FFF2-40B4-BE49-F238E27FC236}">
+                <a16:creationId xmlns:a16="http://schemas.microsoft.com/office/drawing/2014/main" id="{7C9AA808-0E8B-15C0-91AB-3E3CB830B47A}"/>
+              </a:ext>
+            </a:extLst>
+          </p:cNvPr>
+          <p:cNvSpPr txBox="1"/>
+          <p:nvPr/>
+        </p:nvSpPr>
+        <p:spPr>
+          <a:xfrm>
+            <a:off x="6091085" y="4736184"/>
+            <a:ext cx="2958192" cy="1015663"/>
+          </a:xfrm>
+          <a:prstGeom prst="rect">
+            <a:avLst/>
+          </a:prstGeom>
+          <a:noFill/>
+        </p:spPr>
+        <p:txBody>
+          <a:bodyPr wrap="square" rtlCol="0">
+            <a:spAutoFit/>
+          </a:bodyPr>
+          <a:lstStyle/>
+          <a:p>
+            <a:pPr marL="171450" indent="-171450">
               <a:buFont typeface="Arial" panose="020B0604020202020204" pitchFamily="34" charset="0"/>
               <a:buChar char="•"/>
             </a:pPr>
             <a:r>
-              <a:rPr lang="en-CA" sz="1400" dirty="0">
+              <a:rPr lang="en-US" sz="1200" dirty="0">
                 <a:solidFill>
-                  <a:srgbClr val="4B0076"/>
+                  <a:schemeClr val="tx1">
+                    <a:lumMod val="75000"/>
+                    <a:lumOff val="25000"/>
+                  </a:schemeClr>
                 </a:solidFill>
               </a:rPr>
-              <a:t>Summary combining data from source table and </a:t>
-            </a:r>
-            <a:r>
-              <a:rPr lang="en-CA" sz="1400" dirty="0" err="1">
-                <a:solidFill>
-                  <a:srgbClr val="4B0076"/>
-                </a:solidFill>
-              </a:rPr>
-              <a:t>quote_bind</a:t>
-            </a:r>
-            <a:endParaRPr lang="en-CA" sz="1400" dirty="0">
-              <a:solidFill>
-                <a:srgbClr val="4B0076"/>
-              </a:solidFill>
-            </a:endParaRPr>
-          </a:p>
-          <a:p>
-            <a:pPr marL="342900" indent="-342900">
-              <a:buAutoNum type="arabicPeriod"/>
-            </a:pPr>
-            <a:r>
-              <a:rPr lang="en-CA" sz="1400" b="1" dirty="0" err="1">
-                <a:solidFill>
-                  <a:srgbClr val="4B0076"/>
-                </a:solidFill>
-              </a:rPr>
-              <a:t>Schema.yml</a:t>
-            </a:r>
-            <a:endParaRPr lang="en-CA" sz="1400" b="1" dirty="0">
-              <a:solidFill>
-                <a:srgbClr val="4B0076"/>
-              </a:solidFill>
-            </a:endParaRPr>
-          </a:p>
-          <a:p>
-            <a:pPr marL="800100" lvl="1" indent="-342900">
+              <a:t>Start by creating a source table with the raw data</a:t>
+            </a:r>
+          </a:p>
+          <a:p>
+            <a:pPr marL="171450" indent="-171450">
               <a:buFont typeface="Arial" panose="020B0604020202020204" pitchFamily="34" charset="0"/>
               <a:buChar char="•"/>
             </a:pPr>
             <a:r>
-              <a:rPr lang="en-CA" sz="1400" dirty="0">
+              <a:rPr lang="en-US" sz="1200" dirty="0">
                 <a:solidFill>
-                  <a:srgbClr val="4B0076"/>
+                  <a:schemeClr val="tx1">
+                    <a:lumMod val="75000"/>
+                    <a:lumOff val="25000"/>
+                  </a:schemeClr>
                 </a:solidFill>
               </a:rPr>
-              <a:t>Documents metadata for models</a:t>
-            </a:r>
-          </a:p>
-          <a:p>
-            <a:pPr marL="800100" lvl="1" indent="-342900">
+              <a:t>Build the quote bind model to address need for specific journeys in this space</a:t>
+            </a:r>
+          </a:p>
+          <a:p>
+            <a:pPr marL="171450" indent="-171450">
               <a:buFont typeface="Arial" panose="020B0604020202020204" pitchFamily="34" charset="0"/>
               <a:buChar char="•"/>
             </a:pPr>
             <a:r>
-              <a:rPr lang="en-CA" sz="1400" dirty="0">
+              <a:rPr lang="en-US" sz="1200" dirty="0">
                 <a:solidFill>
-                  <a:srgbClr val="4B0076"/>
+                  <a:schemeClr val="tx1">
+                    <a:lumMod val="75000"/>
+                    <a:lumOff val="25000"/>
+                  </a:schemeClr>
                 </a:solidFill>
               </a:rPr>
-              <a:t>Can also be used to document for seeds, sources and test</a:t>
-            </a:r>
-          </a:p>
-          <a:p>
-            <a:pPr marL="800100" lvl="1" indent="-342900">
+              <a:t>Summary</a:t>
+            </a:r>
+            <a:endParaRPr lang="en-CA" sz="1200" dirty="0">
+              <a:solidFill>
+                <a:schemeClr val="tx1">
+                  <a:lumMod val="75000"/>
+                  <a:lumOff val="25000"/>
+                </a:schemeClr>
+              </a:solidFill>
+            </a:endParaRPr>
+          </a:p>
+        </p:txBody>
+      </p:sp>
+      <p:sp>
+        <p:nvSpPr>
+          <p:cNvPr id="33" name="TextBox 32">
+            <a:extLst>
+              <a:ext uri="{FF2B5EF4-FFF2-40B4-BE49-F238E27FC236}">
+                <a16:creationId xmlns:a16="http://schemas.microsoft.com/office/drawing/2014/main" id="{DC114A1F-7F0F-B758-6411-22B1915FF676}"/>
+              </a:ext>
+            </a:extLst>
+          </p:cNvPr>
+          <p:cNvSpPr txBox="1"/>
+          <p:nvPr/>
+        </p:nvSpPr>
+        <p:spPr>
+          <a:xfrm>
+            <a:off x="9371868" y="4695301"/>
+            <a:ext cx="2016034" cy="461665"/>
+          </a:xfrm>
+          <a:prstGeom prst="rect">
+            <a:avLst/>
+          </a:prstGeom>
+          <a:noFill/>
+        </p:spPr>
+        <p:txBody>
+          <a:bodyPr wrap="square" rtlCol="0">
+            <a:spAutoFit/>
+          </a:bodyPr>
+          <a:lstStyle/>
+          <a:p>
+            <a:pPr marL="171450" indent="-171450">
               <a:buFont typeface="Arial" panose="020B0604020202020204" pitchFamily="34" charset="0"/>
               <a:buChar char="•"/>
             </a:pPr>
             <a:r>
-              <a:rPr lang="en-CA" sz="1400" dirty="0">
+              <a:rPr lang="en-US" sz="1200" dirty="0">
                 <a:solidFill>
-                  <a:srgbClr val="4B0076"/>
+                  <a:schemeClr val="tx1">
+                    <a:lumMod val="75000"/>
+                    <a:lumOff val="25000"/>
+                  </a:schemeClr>
                 </a:solidFill>
               </a:rPr>
-              <a:t>Option to automate .</a:t>
-            </a:r>
-            <a:r>
-              <a:rPr lang="en-CA" sz="1400" dirty="0" err="1">
+              <a:t>Queries in DataBricks</a:t>
+            </a:r>
+          </a:p>
+          <a:p>
+            <a:pPr marL="171450" indent="-171450">
+              <a:buFont typeface="Arial" panose="020B0604020202020204" pitchFamily="34" charset="0"/>
+              <a:buChar char="•"/>
+            </a:pPr>
+            <a:r>
+              <a:rPr lang="en-US" sz="1200" dirty="0">
                 <a:solidFill>
-                  <a:srgbClr val="4B0076"/>
+                  <a:schemeClr val="tx1">
+                    <a:lumMod val="75000"/>
+                    <a:lumOff val="25000"/>
+                  </a:schemeClr>
                 </a:solidFill>
               </a:rPr>
-              <a:t>yml</a:t>
-            </a:r>
-            <a:r>
-              <a:rPr lang="en-CA" sz="1400" dirty="0">
-                <a:solidFill>
-                  <a:srgbClr val="4B0076"/>
-                </a:solidFill>
-              </a:rPr>
-              <a:t> creation using AI tools like DBT Copilot (Cloud only)</a:t>
-            </a:r>
-            <a:endParaRPr lang="en-US" sz="1400" dirty="0">
+              <a:t>Self-serve dashboard</a:t>
+            </a:r>
+            <a:endParaRPr lang="en-CA" sz="1200" dirty="0">
               <a:solidFill>
-                <a:srgbClr val="4B0076"/>
+                <a:schemeClr val="tx1">
+                  <a:lumMod val="75000"/>
+                  <a:lumOff val="25000"/>
+                </a:schemeClr>
               </a:solidFill>
             </a:endParaRPr>
           </a:p>
         </p:txBody>
       </p:sp>
+      <p:sp>
+        <p:nvSpPr>
+          <p:cNvPr id="34" name="TextBox 33">
+            <a:extLst>
+              <a:ext uri="{FF2B5EF4-FFF2-40B4-BE49-F238E27FC236}">
+                <a16:creationId xmlns:a16="http://schemas.microsoft.com/office/drawing/2014/main" id="{FCE02B00-9DE5-5D80-F8A0-8E17DA80467B}"/>
+              </a:ext>
+            </a:extLst>
+          </p:cNvPr>
+          <p:cNvSpPr txBox="1"/>
+          <p:nvPr/>
+        </p:nvSpPr>
+        <p:spPr>
+          <a:xfrm>
+            <a:off x="251821" y="6198550"/>
+            <a:ext cx="11687629" cy="369332"/>
+          </a:xfrm>
+          <a:prstGeom prst="rect">
+            <a:avLst/>
+          </a:prstGeom>
+          <a:solidFill>
+            <a:schemeClr val="bg1">
+              <a:lumMod val="95000"/>
+            </a:schemeClr>
+          </a:solidFill>
+          <a:ln>
+            <a:solidFill>
+              <a:schemeClr val="bg1">
+                <a:lumMod val="65000"/>
+              </a:schemeClr>
+            </a:solidFill>
+          </a:ln>
+        </p:spPr>
+        <p:txBody>
+          <a:bodyPr wrap="square" rtlCol="0">
+            <a:spAutoFit/>
+          </a:bodyPr>
+          <a:lstStyle/>
+          <a:p>
+            <a:pPr algn="ctr"/>
+            <a:r>
+              <a:rPr lang="en-US" dirty="0"/>
+              <a:t>Document and Test across every stage</a:t>
+            </a:r>
+            <a:endParaRPr lang="en-CA" dirty="0"/>
+          </a:p>
+        </p:txBody>
+      </p:sp>
+      <p:pic>
+        <p:nvPicPr>
+          <p:cNvPr id="36" name="Picture 35">
+            <a:extLst>
+              <a:ext uri="{FF2B5EF4-FFF2-40B4-BE49-F238E27FC236}">
+                <a16:creationId xmlns:a16="http://schemas.microsoft.com/office/drawing/2014/main" id="{975A34C6-4789-15A0-966C-A420FB8934C4}"/>
+              </a:ext>
+            </a:extLst>
+          </p:cNvPr>
+          <p:cNvPicPr>
+            <a:picLocks noChangeAspect="1"/>
+          </p:cNvPicPr>
+          <p:nvPr/>
+        </p:nvPicPr>
+        <p:blipFill>
+          <a:blip r:embed="rId7"/>
+          <a:stretch>
+            <a:fillRect/>
+          </a:stretch>
+        </p:blipFill>
+        <p:spPr>
+          <a:xfrm>
+            <a:off x="11192794" y="0"/>
+            <a:ext cx="999831" cy="963251"/>
+          </a:xfrm>
+          <a:prstGeom prst="rect">
+            <a:avLst/>
+          </a:prstGeom>
+        </p:spPr>
+      </p:pic>
+      <p:pic>
+        <p:nvPicPr>
+          <p:cNvPr id="37" name="Picture 36">
+            <a:extLst>
+              <a:ext uri="{FF2B5EF4-FFF2-40B4-BE49-F238E27FC236}">
+                <a16:creationId xmlns:a16="http://schemas.microsoft.com/office/drawing/2014/main" id="{6F6A6C27-13C1-E419-7CEB-C241A67967B7}"/>
+              </a:ext>
+            </a:extLst>
+          </p:cNvPr>
+          <p:cNvPicPr>
+            <a:picLocks noChangeAspect="1"/>
+          </p:cNvPicPr>
+          <p:nvPr/>
+        </p:nvPicPr>
+        <p:blipFill>
+          <a:blip r:embed="rId8"/>
+          <a:stretch>
+            <a:fillRect/>
+          </a:stretch>
+        </p:blipFill>
+        <p:spPr>
+          <a:xfrm>
+            <a:off x="425090" y="2226063"/>
+            <a:ext cx="565114" cy="527440"/>
+          </a:xfrm>
+          <a:prstGeom prst="rect">
+            <a:avLst/>
+          </a:prstGeom>
+          <a:ln>
+            <a:solidFill>
+              <a:schemeClr val="bg1">
+                <a:lumMod val="65000"/>
+              </a:schemeClr>
+            </a:solidFill>
+          </a:ln>
+        </p:spPr>
+      </p:pic>
+      <p:pic>
+        <p:nvPicPr>
+          <p:cNvPr id="38" name="Picture 37">
+            <a:extLst>
+              <a:ext uri="{FF2B5EF4-FFF2-40B4-BE49-F238E27FC236}">
+                <a16:creationId xmlns:a16="http://schemas.microsoft.com/office/drawing/2014/main" id="{F6F50D2D-36FB-3F94-8AE4-43E332065E32}"/>
+              </a:ext>
+            </a:extLst>
+          </p:cNvPr>
+          <p:cNvPicPr>
+            <a:picLocks noChangeAspect="1"/>
+          </p:cNvPicPr>
+          <p:nvPr/>
+        </p:nvPicPr>
+        <p:blipFill>
+          <a:blip r:embed="rId9"/>
+          <a:stretch>
+            <a:fillRect/>
+          </a:stretch>
+        </p:blipFill>
+        <p:spPr>
+          <a:xfrm>
+            <a:off x="9610696" y="2135901"/>
+            <a:ext cx="1336758" cy="1043634"/>
+          </a:xfrm>
+          <a:prstGeom prst="rect">
+            <a:avLst/>
+          </a:prstGeom>
+        </p:spPr>
+      </p:pic>
     </p:spTree>
     <p:extLst>
       <p:ext uri="{BB962C8B-B14F-4D97-AF65-F5344CB8AC3E}">
-        <p14:creationId xmlns:p14="http://schemas.microsoft.com/office/powerpoint/2010/main" val="1350614249"/>
+        <p14:creationId xmlns:p14="http://schemas.microsoft.com/office/powerpoint/2010/main" val="3554934814"/>
       </p:ext>
     </p:extLst>
   </p:cSld>
@@ -5896,12 +6562,458 @@
           <a:chExt cx="0" cy="0"/>
         </a:xfrm>
       </p:grpSpPr>
+      <p:sp>
+        <p:nvSpPr>
+          <p:cNvPr id="4" name="Title 1">
+            <a:extLst>
+              <a:ext uri="{FF2B5EF4-FFF2-40B4-BE49-F238E27FC236}">
+                <a16:creationId xmlns:a16="http://schemas.microsoft.com/office/drawing/2014/main" id="{19DA563D-21B1-D111-450B-45206E2C99F9}"/>
+              </a:ext>
+            </a:extLst>
+          </p:cNvPr>
+          <p:cNvSpPr>
+            <a:spLocks noGrp="1"/>
+          </p:cNvSpPr>
+          <p:nvPr>
+            <p:ph type="title"/>
+          </p:nvPr>
+        </p:nvSpPr>
+        <p:spPr>
+          <a:xfrm>
+            <a:off x="499290" y="320040"/>
+            <a:ext cx="10515600" cy="1167488"/>
+          </a:xfrm>
+        </p:spPr>
+        <p:txBody>
+          <a:bodyPr>
+            <a:noAutofit/>
+          </a:bodyPr>
+          <a:lstStyle/>
+          <a:p>
+            <a:r>
+              <a:rPr lang="en-US" sz="2800" dirty="0"/>
+              <a:t>Three models built in DBT: src_policy_events, quote_bind and policy_lifecycle_model, documentation in schema.yml*</a:t>
+            </a:r>
+            <a:endParaRPr lang="en-CA" sz="2800" dirty="0"/>
+          </a:p>
+        </p:txBody>
+      </p:sp>
       <p:pic>
         <p:nvPicPr>
-          <p:cNvPr id="4" name="Picture 3">
-            <a:extLst>
-              <a:ext uri="{FF2B5EF4-FFF2-40B4-BE49-F238E27FC236}">
-                <a16:creationId xmlns:a16="http://schemas.microsoft.com/office/drawing/2014/main" id="{87463551-08BD-3A0D-B99F-3C393C1B95CF}"/>
+          <p:cNvPr id="12" name="Picture 11">
+            <a:extLst>
+              <a:ext uri="{FF2B5EF4-FFF2-40B4-BE49-F238E27FC236}">
+                <a16:creationId xmlns:a16="http://schemas.microsoft.com/office/drawing/2014/main" id="{387C697D-B2D7-15E4-59F3-53A6206BDB89}"/>
+              </a:ext>
+            </a:extLst>
+          </p:cNvPr>
+          <p:cNvPicPr>
+            <a:picLocks noChangeAspect="1"/>
+          </p:cNvPicPr>
+          <p:nvPr/>
+        </p:nvPicPr>
+        <p:blipFill>
+          <a:blip r:embed="rId2"/>
+          <a:srcRect t="10969" b="4530"/>
+          <a:stretch>
+            <a:fillRect/>
+          </a:stretch>
+        </p:blipFill>
+        <p:spPr>
+          <a:xfrm>
+            <a:off x="1064853" y="4813301"/>
+            <a:ext cx="9489223" cy="1322892"/>
+          </a:xfrm>
+          <a:prstGeom prst="rect">
+            <a:avLst/>
+          </a:prstGeom>
+        </p:spPr>
+      </p:pic>
+      <p:pic>
+        <p:nvPicPr>
+          <p:cNvPr id="14" name="Picture 13">
+            <a:extLst>
+              <a:ext uri="{FF2B5EF4-FFF2-40B4-BE49-F238E27FC236}">
+                <a16:creationId xmlns:a16="http://schemas.microsoft.com/office/drawing/2014/main" id="{2F5E796C-82C2-6B45-1135-030A57B2BF00}"/>
+              </a:ext>
+            </a:extLst>
+          </p:cNvPr>
+          <p:cNvPicPr>
+            <a:picLocks noChangeAspect="1"/>
+          </p:cNvPicPr>
+          <p:nvPr/>
+        </p:nvPicPr>
+        <p:blipFill>
+          <a:blip r:embed="rId3"/>
+          <a:stretch>
+            <a:fillRect/>
+          </a:stretch>
+        </p:blipFill>
+        <p:spPr>
+          <a:xfrm>
+            <a:off x="1064853" y="1695450"/>
+            <a:ext cx="2030096" cy="1961368"/>
+          </a:xfrm>
+          <a:prstGeom prst="rect">
+            <a:avLst/>
+          </a:prstGeom>
+        </p:spPr>
+      </p:pic>
+      <p:sp>
+        <p:nvSpPr>
+          <p:cNvPr id="15" name="TextBox 14">
+            <a:extLst>
+              <a:ext uri="{FF2B5EF4-FFF2-40B4-BE49-F238E27FC236}">
+                <a16:creationId xmlns:a16="http://schemas.microsoft.com/office/drawing/2014/main" id="{129A3850-EE1A-ECF1-8C11-3DC3B09E5AA8}"/>
+              </a:ext>
+            </a:extLst>
+          </p:cNvPr>
+          <p:cNvSpPr txBox="1"/>
+          <p:nvPr/>
+        </p:nvSpPr>
+        <p:spPr>
+          <a:xfrm>
+            <a:off x="3391176" y="1695450"/>
+            <a:ext cx="6902174" cy="2893100"/>
+          </a:xfrm>
+          <a:prstGeom prst="rect">
+            <a:avLst/>
+          </a:prstGeom>
+          <a:noFill/>
+        </p:spPr>
+        <p:txBody>
+          <a:bodyPr wrap="square" rtlCol="0">
+            <a:spAutoFit/>
+          </a:bodyPr>
+          <a:lstStyle/>
+          <a:p>
+            <a:pPr marL="342900" indent="-342900">
+              <a:buAutoNum type="arabicPeriod"/>
+            </a:pPr>
+            <a:r>
+              <a:rPr lang="en-US" sz="1400" b="1" dirty="0">
+                <a:solidFill>
+                  <a:srgbClr val="4B0076"/>
+                </a:solidFill>
+              </a:rPr>
+              <a:t>SRC_Policy_Events</a:t>
+            </a:r>
+          </a:p>
+          <a:p>
+            <a:pPr marL="800100" lvl="1" indent="-342900">
+              <a:buFont typeface="Arial" panose="020B0604020202020204" pitchFamily="34" charset="0"/>
+              <a:buChar char="•"/>
+            </a:pPr>
+            <a:r>
+              <a:rPr lang="en-US" sz="1400" dirty="0">
+                <a:solidFill>
+                  <a:srgbClr val="4B0076"/>
+                </a:solidFill>
+              </a:rPr>
+              <a:t>Raw data</a:t>
+            </a:r>
+          </a:p>
+          <a:p>
+            <a:pPr marL="800100" lvl="1" indent="-342900">
+              <a:buFont typeface="Arial" panose="020B0604020202020204" pitchFamily="34" charset="0"/>
+              <a:buChar char="•"/>
+            </a:pPr>
+            <a:r>
+              <a:rPr lang="en-US" sz="1400" dirty="0">
+                <a:solidFill>
+                  <a:srgbClr val="4B0076"/>
+                </a:solidFill>
+              </a:rPr>
+              <a:t>Could be cleaned or updated at this level if needed</a:t>
+            </a:r>
+            <a:endParaRPr lang="en-CA" sz="1400" dirty="0">
+              <a:solidFill>
+                <a:srgbClr val="4B0076"/>
+              </a:solidFill>
+            </a:endParaRPr>
+          </a:p>
+          <a:p>
+            <a:pPr marL="342900" indent="-342900">
+              <a:buAutoNum type="arabicPeriod"/>
+            </a:pPr>
+            <a:r>
+              <a:rPr lang="en-CA" sz="1400" b="1" dirty="0">
+                <a:solidFill>
+                  <a:srgbClr val="4B0076"/>
+                </a:solidFill>
+              </a:rPr>
+              <a:t>Quote_Bind</a:t>
+            </a:r>
+          </a:p>
+          <a:p>
+            <a:pPr marL="800100" lvl="1" indent="-342900">
+              <a:buFont typeface="Arial" panose="020B0604020202020204" pitchFamily="34" charset="0"/>
+              <a:buChar char="•"/>
+            </a:pPr>
+            <a:r>
+              <a:rPr lang="en-CA" sz="1400" dirty="0">
+                <a:solidFill>
+                  <a:srgbClr val="4B0076"/>
+                </a:solidFill>
+              </a:rPr>
+              <a:t>To address the need for average time from quote to bind</a:t>
+            </a:r>
+          </a:p>
+          <a:p>
+            <a:pPr marL="800100" lvl="1" indent="-342900">
+              <a:buFont typeface="Arial" panose="020B0604020202020204" pitchFamily="34" charset="0"/>
+              <a:buChar char="•"/>
+            </a:pPr>
+            <a:r>
+              <a:rPr lang="en-CA" sz="1400" dirty="0">
+                <a:solidFill>
+                  <a:srgbClr val="4B0076"/>
+                </a:solidFill>
+              </a:rPr>
+              <a:t>Splits each quote-bind cycle into it’s own event, by policy</a:t>
+            </a:r>
+          </a:p>
+          <a:p>
+            <a:pPr marL="342900" indent="-342900">
+              <a:buAutoNum type="arabicPeriod"/>
+            </a:pPr>
+            <a:r>
+              <a:rPr lang="en-CA" sz="1400" b="1" dirty="0">
+                <a:solidFill>
+                  <a:srgbClr val="4B0076"/>
+                </a:solidFill>
+              </a:rPr>
+              <a:t>Policy_Lifecycle_Model</a:t>
+            </a:r>
+          </a:p>
+          <a:p>
+            <a:pPr marL="800100" lvl="1" indent="-342900">
+              <a:buFont typeface="Arial" panose="020B0604020202020204" pitchFamily="34" charset="0"/>
+              <a:buChar char="•"/>
+            </a:pPr>
+            <a:r>
+              <a:rPr lang="en-CA" sz="1400" dirty="0">
+                <a:solidFill>
+                  <a:srgbClr val="4B0076"/>
+                </a:solidFill>
+              </a:rPr>
+              <a:t>Summary combining data from source table and quote_bind</a:t>
+            </a:r>
+          </a:p>
+          <a:p>
+            <a:pPr marL="800100" lvl="1" indent="-342900">
+              <a:buFont typeface="Arial" panose="020B0604020202020204" pitchFamily="34" charset="0"/>
+              <a:buChar char="•"/>
+            </a:pPr>
+            <a:r>
+              <a:rPr lang="en-CA" sz="1400" dirty="0">
+                <a:solidFill>
+                  <a:srgbClr val="4B0076"/>
+                </a:solidFill>
+              </a:rPr>
+              <a:t>Single line per policy</a:t>
+            </a:r>
+          </a:p>
+          <a:p>
+            <a:pPr marL="342900" indent="-342900">
+              <a:buAutoNum type="arabicPeriod"/>
+            </a:pPr>
+            <a:r>
+              <a:rPr lang="en-CA" sz="1400" b="1" dirty="0">
+                <a:solidFill>
+                  <a:srgbClr val="4B0076"/>
+                </a:solidFill>
+              </a:rPr>
+              <a:t>Schema.yml</a:t>
+            </a:r>
+          </a:p>
+          <a:p>
+            <a:pPr marL="800100" lvl="1" indent="-342900">
+              <a:buFont typeface="Arial" panose="020B0604020202020204" pitchFamily="34" charset="0"/>
+              <a:buChar char="•"/>
+            </a:pPr>
+            <a:r>
+              <a:rPr lang="en-CA" sz="1400" dirty="0">
+                <a:solidFill>
+                  <a:srgbClr val="4B0076"/>
+                </a:solidFill>
+              </a:rPr>
+              <a:t>Documents metadata for models</a:t>
+            </a:r>
+          </a:p>
+          <a:p>
+            <a:pPr marL="800100" lvl="1" indent="-342900">
+              <a:buFont typeface="Arial" panose="020B0604020202020204" pitchFamily="34" charset="0"/>
+              <a:buChar char="•"/>
+            </a:pPr>
+            <a:r>
+              <a:rPr lang="en-CA" sz="1400" dirty="0">
+                <a:solidFill>
+                  <a:srgbClr val="4B0076"/>
+                </a:solidFill>
+              </a:rPr>
+              <a:t>Can also be used to document for seeds, sources and test</a:t>
+            </a:r>
+          </a:p>
+          <a:p>
+            <a:pPr marL="800100" lvl="1" indent="-342900">
+              <a:buFont typeface="Arial" panose="020B0604020202020204" pitchFamily="34" charset="0"/>
+              <a:buChar char="•"/>
+            </a:pPr>
+            <a:r>
+              <a:rPr lang="en-CA" sz="1400" dirty="0">
+                <a:solidFill>
+                  <a:srgbClr val="4B0076"/>
+                </a:solidFill>
+              </a:rPr>
+              <a:t>Option to automate .yml creation using AI tools like DBT Copilot (Cloud only)</a:t>
+            </a:r>
+            <a:endParaRPr lang="en-US" sz="1400" dirty="0">
+              <a:solidFill>
+                <a:srgbClr val="4B0076"/>
+              </a:solidFill>
+            </a:endParaRPr>
+          </a:p>
+        </p:txBody>
+      </p:sp>
+      <p:pic>
+        <p:nvPicPr>
+          <p:cNvPr id="16" name="Picture 15">
+            <a:extLst>
+              <a:ext uri="{FF2B5EF4-FFF2-40B4-BE49-F238E27FC236}">
+                <a16:creationId xmlns:a16="http://schemas.microsoft.com/office/drawing/2014/main" id="{BCC19B2A-D4D5-323B-A78E-8BB14A892138}"/>
+              </a:ext>
+            </a:extLst>
+          </p:cNvPr>
+          <p:cNvPicPr>
+            <a:picLocks noChangeAspect="1"/>
+          </p:cNvPicPr>
+          <p:nvPr/>
+        </p:nvPicPr>
+        <p:blipFill>
+          <a:blip r:embed="rId4"/>
+          <a:stretch>
+            <a:fillRect/>
+          </a:stretch>
+        </p:blipFill>
+        <p:spPr>
+          <a:xfrm>
+            <a:off x="11192391" y="0"/>
+            <a:ext cx="999609" cy="961465"/>
+          </a:xfrm>
+          <a:prstGeom prst="rect">
+            <a:avLst/>
+          </a:prstGeom>
+        </p:spPr>
+      </p:pic>
+      <p:sp>
+        <p:nvSpPr>
+          <p:cNvPr id="17" name="TextBox 16">
+            <a:extLst>
+              <a:ext uri="{FF2B5EF4-FFF2-40B4-BE49-F238E27FC236}">
+                <a16:creationId xmlns:a16="http://schemas.microsoft.com/office/drawing/2014/main" id="{0F8CAD41-52BC-8209-7FEC-273B18DFF532}"/>
+              </a:ext>
+            </a:extLst>
+          </p:cNvPr>
+          <p:cNvSpPr txBox="1"/>
+          <p:nvPr/>
+        </p:nvSpPr>
+        <p:spPr>
+          <a:xfrm>
+            <a:off x="895294" y="6537960"/>
+            <a:ext cx="8656111" cy="276999"/>
+          </a:xfrm>
+          <a:prstGeom prst="rect">
+            <a:avLst/>
+          </a:prstGeom>
+          <a:noFill/>
+        </p:spPr>
+        <p:txBody>
+          <a:bodyPr wrap="square" rtlCol="0">
+            <a:spAutoFit/>
+          </a:bodyPr>
+          <a:lstStyle/>
+          <a:p>
+            <a:r>
+              <a:rPr lang="en-US" sz="1200" dirty="0"/>
+              <a:t>* Models located here: https://github.com/C-Monsta/IAG-Take-Home-Test/tree/main/models</a:t>
+            </a:r>
+            <a:endParaRPr lang="en-CA" sz="1600" dirty="0"/>
+          </a:p>
+        </p:txBody>
+      </p:sp>
+    </p:spTree>
+    <p:extLst>
+      <p:ext uri="{BB962C8B-B14F-4D97-AF65-F5344CB8AC3E}">
+        <p14:creationId xmlns:p14="http://schemas.microsoft.com/office/powerpoint/2010/main" val="1350614249"/>
+      </p:ext>
+    </p:extLst>
+  </p:cSld>
+  <p:clrMapOvr>
+    <a:masterClrMapping/>
+  </p:clrMapOvr>
+</p:sld>
+</file>
+
+<file path=ppt/slides/slide6.xml><?xml version="1.0" encoding="utf-8"?>
+<p:sld xmlns:a="http://schemas.openxmlformats.org/drawingml/2006/main" xmlns:r="http://schemas.openxmlformats.org/officeDocument/2006/relationships" xmlns:p="http://schemas.openxmlformats.org/presentationml/2006/main">
+  <p:cSld>
+    <p:spTree>
+      <p:nvGrpSpPr>
+        <p:cNvPr id="1" name=""/>
+        <p:cNvGrpSpPr/>
+        <p:nvPr/>
+      </p:nvGrpSpPr>
+      <p:grpSpPr>
+        <a:xfrm>
+          <a:off x="0" y="0"/>
+          <a:ext cx="0" cy="0"/>
+          <a:chOff x="0" y="0"/>
+          <a:chExt cx="0" cy="0"/>
+        </a:xfrm>
+      </p:grpSpPr>
+      <p:sp>
+        <p:nvSpPr>
+          <p:cNvPr id="4" name="Title 1">
+            <a:extLst>
+              <a:ext uri="{FF2B5EF4-FFF2-40B4-BE49-F238E27FC236}">
+                <a16:creationId xmlns:a16="http://schemas.microsoft.com/office/drawing/2014/main" id="{91A060E1-C3AA-C7E4-88A8-6F337BE6D479}"/>
+              </a:ext>
+            </a:extLst>
+          </p:cNvPr>
+          <p:cNvSpPr>
+            <a:spLocks noGrp="1"/>
+          </p:cNvSpPr>
+          <p:nvPr>
+            <p:ph type="title"/>
+          </p:nvPr>
+        </p:nvSpPr>
+        <p:spPr>
+          <a:xfrm>
+            <a:off x="499290" y="320040"/>
+            <a:ext cx="10515600" cy="1167488"/>
+          </a:xfrm>
+        </p:spPr>
+        <p:txBody>
+          <a:bodyPr>
+            <a:noAutofit/>
+          </a:bodyPr>
+          <a:lstStyle/>
+          <a:p>
+            <a:r>
+              <a:rPr lang="en-US" sz="2800" dirty="0"/>
+              <a:t>Exploring the data in Tableau</a:t>
+            </a:r>
+            <a:endParaRPr lang="en-CA" sz="2800" dirty="0"/>
+          </a:p>
+        </p:txBody>
+      </p:sp>
+      <p:pic>
+        <p:nvPicPr>
+          <p:cNvPr id="6" name="Picture 5">
+            <a:extLst>
+              <a:ext uri="{FF2B5EF4-FFF2-40B4-BE49-F238E27FC236}">
+                <a16:creationId xmlns:a16="http://schemas.microsoft.com/office/drawing/2014/main" id="{F9E2AD54-AC3A-BA8B-56A9-577FE36C0021}"/>
               </a:ext>
             </a:extLst>
           </p:cNvPr>
@@ -5918,8 +7030,1281 @@
         </p:blipFill>
         <p:spPr>
           <a:xfrm>
-            <a:off x="1419962" y="2298094"/>
-            <a:ext cx="9352075" cy="2261812"/>
+            <a:off x="5464425" y="1487528"/>
+            <a:ext cx="5728595" cy="4465597"/>
+          </a:xfrm>
+          <a:prstGeom prst="rect">
+            <a:avLst/>
+          </a:prstGeom>
+          <a:ln>
+            <a:solidFill>
+              <a:schemeClr val="bg1">
+                <a:lumMod val="75000"/>
+              </a:schemeClr>
+            </a:solidFill>
+          </a:ln>
+        </p:spPr>
+      </p:pic>
+      <p:cxnSp>
+        <p:nvCxnSpPr>
+          <p:cNvPr id="12" name="Straight Connector 11">
+            <a:extLst>
+              <a:ext uri="{FF2B5EF4-FFF2-40B4-BE49-F238E27FC236}">
+                <a16:creationId xmlns:a16="http://schemas.microsoft.com/office/drawing/2014/main" id="{00B4AA79-C20F-FAF1-B990-0CC7BF5B1B23}"/>
+              </a:ext>
+            </a:extLst>
+          </p:cNvPr>
+          <p:cNvCxnSpPr/>
+          <p:nvPr/>
+        </p:nvCxnSpPr>
+        <p:spPr>
+          <a:xfrm>
+            <a:off x="579419" y="1179714"/>
+            <a:ext cx="10791731" cy="0"/>
+          </a:xfrm>
+          <a:prstGeom prst="line">
+            <a:avLst/>
+          </a:prstGeom>
+          <a:ln>
+            <a:solidFill>
+              <a:schemeClr val="accent2"/>
+            </a:solidFill>
+          </a:ln>
+        </p:spPr>
+        <p:style>
+          <a:lnRef idx="2">
+            <a:schemeClr val="accent1"/>
+          </a:lnRef>
+          <a:fillRef idx="0">
+            <a:schemeClr val="accent1"/>
+          </a:fillRef>
+          <a:effectRef idx="1">
+            <a:schemeClr val="accent1"/>
+          </a:effectRef>
+          <a:fontRef idx="minor">
+            <a:schemeClr val="tx1"/>
+          </a:fontRef>
+        </p:style>
+      </p:cxnSp>
+      <p:sp>
+        <p:nvSpPr>
+          <p:cNvPr id="14" name="TextBox 13">
+            <a:extLst>
+              <a:ext uri="{FF2B5EF4-FFF2-40B4-BE49-F238E27FC236}">
+                <a16:creationId xmlns:a16="http://schemas.microsoft.com/office/drawing/2014/main" id="{3B96591A-82A3-F297-1342-8D55BBEA18A3}"/>
+              </a:ext>
+            </a:extLst>
+          </p:cNvPr>
+          <p:cNvSpPr txBox="1"/>
+          <p:nvPr/>
+        </p:nvSpPr>
+        <p:spPr>
+          <a:xfrm>
+            <a:off x="579419" y="1516169"/>
+            <a:ext cx="3688660" cy="523220"/>
+          </a:xfrm>
+          <a:prstGeom prst="rect">
+            <a:avLst/>
+          </a:prstGeom>
+          <a:noFill/>
+        </p:spPr>
+        <p:txBody>
+          <a:bodyPr wrap="square" rtlCol="0">
+            <a:spAutoFit/>
+          </a:bodyPr>
+          <a:lstStyle/>
+          <a:p>
+            <a:r>
+              <a:rPr lang="en-US" sz="1400" dirty="0">
+                <a:solidFill>
+                  <a:srgbClr val="4B0076"/>
+                </a:solidFill>
+              </a:rPr>
+              <a:t>Visualisations can quickly explore and report on policy data </a:t>
+            </a:r>
+          </a:p>
+        </p:txBody>
+      </p:sp>
+      <p:pic>
+        <p:nvPicPr>
+          <p:cNvPr id="16" name="Picture 15">
+            <a:extLst>
+              <a:ext uri="{FF2B5EF4-FFF2-40B4-BE49-F238E27FC236}">
+                <a16:creationId xmlns:a16="http://schemas.microsoft.com/office/drawing/2014/main" id="{C255A2FC-5649-380A-3F20-6D285D92188D}"/>
+              </a:ext>
+            </a:extLst>
+          </p:cNvPr>
+          <p:cNvPicPr>
+            <a:picLocks noChangeAspect="1"/>
+          </p:cNvPicPr>
+          <p:nvPr/>
+        </p:nvPicPr>
+        <p:blipFill>
+          <a:blip r:embed="rId3"/>
+          <a:stretch>
+            <a:fillRect/>
+          </a:stretch>
+        </p:blipFill>
+        <p:spPr>
+          <a:xfrm>
+            <a:off x="11192391" y="0"/>
+            <a:ext cx="999609" cy="961465"/>
+          </a:xfrm>
+          <a:prstGeom prst="rect">
+            <a:avLst/>
+          </a:prstGeom>
+        </p:spPr>
+      </p:pic>
+    </p:spTree>
+    <p:extLst>
+      <p:ext uri="{BB962C8B-B14F-4D97-AF65-F5344CB8AC3E}">
+        <p14:creationId xmlns:p14="http://schemas.microsoft.com/office/powerpoint/2010/main" val="4016249481"/>
+      </p:ext>
+    </p:extLst>
+  </p:cSld>
+  <p:clrMapOvr>
+    <a:masterClrMapping/>
+  </p:clrMapOvr>
+</p:sld>
+</file>
+
+<file path=ppt/slides/slide7.xml><?xml version="1.0" encoding="utf-8"?>
+<p:sld xmlns:a="http://schemas.openxmlformats.org/drawingml/2006/main" xmlns:r="http://schemas.openxmlformats.org/officeDocument/2006/relationships" xmlns:p="http://schemas.openxmlformats.org/presentationml/2006/main">
+  <p:cSld>
+    <p:spTree>
+      <p:nvGrpSpPr>
+        <p:cNvPr id="1" name="">
+          <a:extLst>
+            <a:ext uri="{FF2B5EF4-FFF2-40B4-BE49-F238E27FC236}">
+              <a16:creationId xmlns:a16="http://schemas.microsoft.com/office/drawing/2014/main" id="{FE815655-A9ED-535D-1696-0FB86B61B720}"/>
+            </a:ext>
+          </a:extLst>
+        </p:cNvPr>
+        <p:cNvGrpSpPr/>
+        <p:nvPr/>
+      </p:nvGrpSpPr>
+      <p:grpSpPr>
+        <a:xfrm>
+          <a:off x="0" y="0"/>
+          <a:ext cx="0" cy="0"/>
+          <a:chOff x="0" y="0"/>
+          <a:chExt cx="0" cy="0"/>
+        </a:xfrm>
+      </p:grpSpPr>
+      <p:sp>
+        <p:nvSpPr>
+          <p:cNvPr id="4" name="Title 1">
+            <a:extLst>
+              <a:ext uri="{FF2B5EF4-FFF2-40B4-BE49-F238E27FC236}">
+                <a16:creationId xmlns:a16="http://schemas.microsoft.com/office/drawing/2014/main" id="{0EC4A59C-E987-6CF0-A3C2-6B93904E4291}"/>
+              </a:ext>
+            </a:extLst>
+          </p:cNvPr>
+          <p:cNvSpPr>
+            <a:spLocks noGrp="1"/>
+          </p:cNvSpPr>
+          <p:nvPr>
+            <p:ph type="title"/>
+          </p:nvPr>
+        </p:nvSpPr>
+        <p:spPr>
+          <a:xfrm>
+            <a:off x="499290" y="320040"/>
+            <a:ext cx="10515600" cy="1167488"/>
+          </a:xfrm>
+        </p:spPr>
+        <p:txBody>
+          <a:bodyPr>
+            <a:noAutofit/>
+          </a:bodyPr>
+          <a:lstStyle/>
+          <a:p>
+            <a:r>
+              <a:rPr lang="en-US" sz="2800" dirty="0"/>
+              <a:t>Exploring the data in SQL</a:t>
+            </a:r>
+            <a:endParaRPr lang="en-CA" sz="2800" dirty="0"/>
+          </a:p>
+        </p:txBody>
+      </p:sp>
+      <p:cxnSp>
+        <p:nvCxnSpPr>
+          <p:cNvPr id="12" name="Straight Connector 11">
+            <a:extLst>
+              <a:ext uri="{FF2B5EF4-FFF2-40B4-BE49-F238E27FC236}">
+                <a16:creationId xmlns:a16="http://schemas.microsoft.com/office/drawing/2014/main" id="{2F4B828D-8A46-1F73-A7FA-947AC1958C51}"/>
+              </a:ext>
+            </a:extLst>
+          </p:cNvPr>
+          <p:cNvCxnSpPr/>
+          <p:nvPr/>
+        </p:nvCxnSpPr>
+        <p:spPr>
+          <a:xfrm>
+            <a:off x="579419" y="1179714"/>
+            <a:ext cx="10791731" cy="0"/>
+          </a:xfrm>
+          <a:prstGeom prst="line">
+            <a:avLst/>
+          </a:prstGeom>
+          <a:ln>
+            <a:solidFill>
+              <a:schemeClr val="accent2"/>
+            </a:solidFill>
+          </a:ln>
+        </p:spPr>
+        <p:style>
+          <a:lnRef idx="2">
+            <a:schemeClr val="accent1"/>
+          </a:lnRef>
+          <a:fillRef idx="0">
+            <a:schemeClr val="accent1"/>
+          </a:fillRef>
+          <a:effectRef idx="1">
+            <a:schemeClr val="accent1"/>
+          </a:effectRef>
+          <a:fontRef idx="minor">
+            <a:schemeClr val="tx1"/>
+          </a:fontRef>
+        </p:style>
+      </p:cxnSp>
+      <p:pic>
+        <p:nvPicPr>
+          <p:cNvPr id="3" name="Picture 2">
+            <a:extLst>
+              <a:ext uri="{FF2B5EF4-FFF2-40B4-BE49-F238E27FC236}">
+                <a16:creationId xmlns:a16="http://schemas.microsoft.com/office/drawing/2014/main" id="{39D9E853-E13F-E99F-B961-F53D973E53E7}"/>
+              </a:ext>
+            </a:extLst>
+          </p:cNvPr>
+          <p:cNvPicPr>
+            <a:picLocks noChangeAspect="1"/>
+          </p:cNvPicPr>
+          <p:nvPr/>
+        </p:nvPicPr>
+        <p:blipFill>
+          <a:blip r:embed="rId2"/>
+          <a:stretch>
+            <a:fillRect/>
+          </a:stretch>
+        </p:blipFill>
+        <p:spPr>
+          <a:xfrm>
+            <a:off x="955991" y="4173553"/>
+            <a:ext cx="4507994" cy="2582436"/>
+          </a:xfrm>
+          <a:prstGeom prst="rect">
+            <a:avLst/>
+          </a:prstGeom>
+        </p:spPr>
+      </p:pic>
+      <p:pic>
+        <p:nvPicPr>
+          <p:cNvPr id="7" name="Picture 6">
+            <a:extLst>
+              <a:ext uri="{FF2B5EF4-FFF2-40B4-BE49-F238E27FC236}">
+                <a16:creationId xmlns:a16="http://schemas.microsoft.com/office/drawing/2014/main" id="{6C42FB87-ACA7-062C-5A1B-2DDAC64CC838}"/>
+              </a:ext>
+            </a:extLst>
+          </p:cNvPr>
+          <p:cNvPicPr>
+            <a:picLocks noChangeAspect="1"/>
+          </p:cNvPicPr>
+          <p:nvPr/>
+        </p:nvPicPr>
+        <p:blipFill>
+          <a:blip r:embed="rId3"/>
+          <a:stretch>
+            <a:fillRect/>
+          </a:stretch>
+        </p:blipFill>
+        <p:spPr>
+          <a:xfrm>
+            <a:off x="965043" y="1299247"/>
+            <a:ext cx="4494193" cy="2754774"/>
+          </a:xfrm>
+          <a:prstGeom prst="rect">
+            <a:avLst/>
+          </a:prstGeom>
+        </p:spPr>
+      </p:pic>
+      <p:pic>
+        <p:nvPicPr>
+          <p:cNvPr id="9" name="Picture 8">
+            <a:extLst>
+              <a:ext uri="{FF2B5EF4-FFF2-40B4-BE49-F238E27FC236}">
+                <a16:creationId xmlns:a16="http://schemas.microsoft.com/office/drawing/2014/main" id="{8AE25505-4218-362A-2F56-C023233FA8BB}"/>
+              </a:ext>
+            </a:extLst>
+          </p:cNvPr>
+          <p:cNvPicPr>
+            <a:picLocks noChangeAspect="1"/>
+          </p:cNvPicPr>
+          <p:nvPr/>
+        </p:nvPicPr>
+        <p:blipFill>
+          <a:blip r:embed="rId4"/>
+          <a:stretch>
+            <a:fillRect/>
+          </a:stretch>
+        </p:blipFill>
+        <p:spPr>
+          <a:xfrm>
+            <a:off x="5576971" y="1299247"/>
+            <a:ext cx="4651492" cy="5456740"/>
+          </a:xfrm>
+          <a:prstGeom prst="rect">
+            <a:avLst/>
+          </a:prstGeom>
+        </p:spPr>
+      </p:pic>
+      <p:pic>
+        <p:nvPicPr>
+          <p:cNvPr id="10" name="Picture 9">
+            <a:extLst>
+              <a:ext uri="{FF2B5EF4-FFF2-40B4-BE49-F238E27FC236}">
+                <a16:creationId xmlns:a16="http://schemas.microsoft.com/office/drawing/2014/main" id="{A6EF51BD-1759-AEE4-96F1-BB60FA9C6EAB}"/>
+              </a:ext>
+            </a:extLst>
+          </p:cNvPr>
+          <p:cNvPicPr>
+            <a:picLocks noChangeAspect="1"/>
+          </p:cNvPicPr>
+          <p:nvPr/>
+        </p:nvPicPr>
+        <p:blipFill>
+          <a:blip r:embed="rId5"/>
+          <a:stretch>
+            <a:fillRect/>
+          </a:stretch>
+        </p:blipFill>
+        <p:spPr>
+          <a:xfrm>
+            <a:off x="11192391" y="0"/>
+            <a:ext cx="999609" cy="961465"/>
+          </a:xfrm>
+          <a:prstGeom prst="rect">
+            <a:avLst/>
+          </a:prstGeom>
+        </p:spPr>
+      </p:pic>
+    </p:spTree>
+    <p:extLst>
+      <p:ext uri="{BB962C8B-B14F-4D97-AF65-F5344CB8AC3E}">
+        <p14:creationId xmlns:p14="http://schemas.microsoft.com/office/powerpoint/2010/main" val="1268801725"/>
+      </p:ext>
+    </p:extLst>
+  </p:cSld>
+  <p:clrMapOvr>
+    <a:masterClrMapping/>
+  </p:clrMapOvr>
+</p:sld>
+</file>
+
+<file path=ppt/slides/slide8.xml><?xml version="1.0" encoding="utf-8"?>
+<p:sld xmlns:a="http://schemas.openxmlformats.org/drawingml/2006/main" xmlns:r="http://schemas.openxmlformats.org/officeDocument/2006/relationships" xmlns:p="http://schemas.openxmlformats.org/presentationml/2006/main">
+  <p:cSld>
+    <p:spTree>
+      <p:nvGrpSpPr>
+        <p:cNvPr id="1" name=""/>
+        <p:cNvGrpSpPr/>
+        <p:nvPr/>
+      </p:nvGrpSpPr>
+      <p:grpSpPr>
+        <a:xfrm>
+          <a:off x="0" y="0"/>
+          <a:ext cx="0" cy="0"/>
+          <a:chOff x="0" y="0"/>
+          <a:chExt cx="0" cy="0"/>
+        </a:xfrm>
+      </p:grpSpPr>
+      <p:sp>
+        <p:nvSpPr>
+          <p:cNvPr id="4" name="Title 1">
+            <a:extLst>
+              <a:ext uri="{FF2B5EF4-FFF2-40B4-BE49-F238E27FC236}">
+                <a16:creationId xmlns:a16="http://schemas.microsoft.com/office/drawing/2014/main" id="{083C5503-86C5-93DD-0538-8C6963D657AE}"/>
+              </a:ext>
+            </a:extLst>
+          </p:cNvPr>
+          <p:cNvSpPr>
+            <a:spLocks noGrp="1"/>
+          </p:cNvSpPr>
+          <p:nvPr>
+            <p:ph type="title"/>
+          </p:nvPr>
+        </p:nvSpPr>
+        <p:spPr>
+          <a:xfrm>
+            <a:off x="499290" y="320040"/>
+            <a:ext cx="10515600" cy="1167488"/>
+          </a:xfrm>
+        </p:spPr>
+        <p:txBody>
+          <a:bodyPr>
+            <a:noAutofit/>
+          </a:bodyPr>
+          <a:lstStyle/>
+          <a:p>
+            <a:r>
+              <a:rPr lang="en-US" sz="2800" dirty="0"/>
+              <a:t>Data Anomalies and Assumptions</a:t>
+            </a:r>
+            <a:endParaRPr lang="en-CA" sz="2800" dirty="0"/>
+          </a:p>
+        </p:txBody>
+      </p:sp>
+      <p:graphicFrame>
+        <p:nvGraphicFramePr>
+          <p:cNvPr id="9" name="Table 8">
+            <a:extLst>
+              <a:ext uri="{FF2B5EF4-FFF2-40B4-BE49-F238E27FC236}">
+                <a16:creationId xmlns:a16="http://schemas.microsoft.com/office/drawing/2014/main" id="{AA0681B5-9B4E-7E80-0B66-EC68903458F4}"/>
+              </a:ext>
+            </a:extLst>
+          </p:cNvPr>
+          <p:cNvGraphicFramePr>
+            <a:graphicFrameLocks noGrp="1"/>
+          </p:cNvGraphicFramePr>
+          <p:nvPr>
+            <p:extLst>
+              <p:ext uri="{D42A27DB-BD31-4B8C-83A1-F6EECF244321}">
+                <p14:modId xmlns:p14="http://schemas.microsoft.com/office/powerpoint/2010/main" val="676053038"/>
+              </p:ext>
+            </p:extLst>
+          </p:nvPr>
+        </p:nvGraphicFramePr>
+        <p:xfrm>
+          <a:off x="755817" y="1255244"/>
+          <a:ext cx="10353140" cy="5217160"/>
+        </p:xfrm>
+        <a:graphic>
+          <a:graphicData uri="http://schemas.openxmlformats.org/drawingml/2006/table">
+            <a:tbl>
+              <a:tblPr firstRow="1" bandRow="1">
+                <a:tableStyleId>{9D7B26C5-4107-4FEC-AEDC-1716B250A1EF}</a:tableStyleId>
+              </a:tblPr>
+              <a:tblGrid>
+                <a:gridCol w="5176570">
+                  <a:extLst>
+                    <a:ext uri="{9D8B030D-6E8A-4147-A177-3AD203B41FA5}">
+                      <a16:colId xmlns:a16="http://schemas.microsoft.com/office/drawing/2014/main" val="189807313"/>
+                    </a:ext>
+                  </a:extLst>
+                </a:gridCol>
+                <a:gridCol w="5176570">
+                  <a:extLst>
+                    <a:ext uri="{9D8B030D-6E8A-4147-A177-3AD203B41FA5}">
+                      <a16:colId xmlns:a16="http://schemas.microsoft.com/office/drawing/2014/main" val="4226184765"/>
+                    </a:ext>
+                  </a:extLst>
+                </a:gridCol>
+              </a:tblGrid>
+              <a:tr h="370840">
+                <a:tc>
+                  <a:txBody>
+                    <a:bodyPr/>
+                    <a:lstStyle/>
+                    <a:p>
+                      <a:r>
+                        <a:rPr lang="en-US" dirty="0"/>
+                        <a:t>Issue/ Anomaly</a:t>
+                      </a:r>
+                      <a:endParaRPr lang="en-CA" dirty="0"/>
+                    </a:p>
+                  </a:txBody>
+                  <a:tcPr/>
+                </a:tc>
+                <a:tc>
+                  <a:txBody>
+                    <a:bodyPr/>
+                    <a:lstStyle/>
+                    <a:p>
+                      <a:r>
+                        <a:rPr lang="en-US" dirty="0"/>
+                        <a:t>Action/ Assumptions</a:t>
+                      </a:r>
+                      <a:endParaRPr lang="en-CA" dirty="0"/>
+                    </a:p>
+                  </a:txBody>
+                  <a:tcPr/>
+                </a:tc>
+                <a:extLst>
+                  <a:ext uri="{0D108BD9-81ED-4DB2-BD59-A6C34878D82A}">
+                    <a16:rowId xmlns:a16="http://schemas.microsoft.com/office/drawing/2014/main" val="741055119"/>
+                  </a:ext>
+                </a:extLst>
+              </a:tr>
+              <a:tr h="370840">
+                <a:tc>
+                  <a:txBody>
+                    <a:bodyPr/>
+                    <a:lstStyle/>
+                    <a:p>
+                      <a:r>
+                        <a:rPr lang="en-US" dirty="0"/>
+                        <a:t>State of the sale can vary by quote and bind</a:t>
+                      </a:r>
+                      <a:endParaRPr lang="en-CA" dirty="0"/>
+                    </a:p>
+                  </a:txBody>
+                  <a:tcPr/>
+                </a:tc>
+                <a:tc>
+                  <a:txBody>
+                    <a:bodyPr/>
+                    <a:lstStyle/>
+                    <a:p>
+                      <a:r>
+                        <a:rPr lang="en-US" dirty="0"/>
+                        <a:t>For reporting use the most recent quote/ /bind. For historic performance, the larger src table can be used</a:t>
+                      </a:r>
+                      <a:endParaRPr lang="en-CA" dirty="0"/>
+                    </a:p>
+                  </a:txBody>
+                  <a:tcPr/>
+                </a:tc>
+                <a:extLst>
+                  <a:ext uri="{0D108BD9-81ED-4DB2-BD59-A6C34878D82A}">
+                    <a16:rowId xmlns:a16="http://schemas.microsoft.com/office/drawing/2014/main" val="4129867141"/>
+                  </a:ext>
+                </a:extLst>
+              </a:tr>
+              <a:tr h="370840">
+                <a:tc>
+                  <a:txBody>
+                    <a:bodyPr/>
+                    <a:lstStyle/>
+                    <a:p>
+                      <a:r>
+                        <a:rPr lang="en-US" dirty="0"/>
+                        <a:t>Some bind premiums values will be null as not all policies were bound. Should these be reformatted to 0</a:t>
+                      </a:r>
+                      <a:endParaRPr lang="en-CA" dirty="0"/>
+                    </a:p>
+                  </a:txBody>
+                  <a:tcPr/>
+                </a:tc>
+                <a:tc>
+                  <a:txBody>
+                    <a:bodyPr/>
+                    <a:lstStyle/>
+                    <a:p>
+                      <a:r>
+                        <a:rPr lang="en-US" dirty="0"/>
+                        <a:t>Leaving as null so it’s clear the policy wasn’t bound, as opposed to having 0 premium. Can be defaulted to 0 during calculated fields as needed</a:t>
+                      </a:r>
+                      <a:endParaRPr lang="en-CA" dirty="0"/>
+                    </a:p>
+                  </a:txBody>
+                  <a:tcPr/>
+                </a:tc>
+                <a:extLst>
+                  <a:ext uri="{0D108BD9-81ED-4DB2-BD59-A6C34878D82A}">
+                    <a16:rowId xmlns:a16="http://schemas.microsoft.com/office/drawing/2014/main" val="2392695588"/>
+                  </a:ext>
+                </a:extLst>
+              </a:tr>
+              <a:tr h="370840">
+                <a:tc>
+                  <a:txBody>
+                    <a:bodyPr/>
+                    <a:lstStyle/>
+                    <a:p>
+                      <a:r>
+                        <a:rPr lang="en-US" dirty="0"/>
+                        <a:t>How to manage multiple quotes on the same day</a:t>
+                      </a:r>
+                      <a:endParaRPr lang="en-CA" dirty="0"/>
+                    </a:p>
+                  </a:txBody>
+                  <a:tcPr/>
+                </a:tc>
+                <a:tc>
+                  <a:txBody>
+                    <a:bodyPr/>
+                    <a:lstStyle/>
+                    <a:p>
+                      <a:r>
+                        <a:rPr lang="en-US" dirty="0"/>
+                        <a:t>Currently the field is date only. DateTime would show different quotes on the same day. Alternately a unique quote ID may work</a:t>
+                      </a:r>
+                      <a:endParaRPr lang="en-CA" dirty="0"/>
+                    </a:p>
+                  </a:txBody>
+                  <a:tcPr/>
+                </a:tc>
+                <a:extLst>
+                  <a:ext uri="{0D108BD9-81ED-4DB2-BD59-A6C34878D82A}">
+                    <a16:rowId xmlns:a16="http://schemas.microsoft.com/office/drawing/2014/main" val="547385456"/>
+                  </a:ext>
+                </a:extLst>
+              </a:tr>
+              <a:tr h="370840">
+                <a:tc>
+                  <a:txBody>
+                    <a:bodyPr/>
+                    <a:lstStyle/>
+                    <a:p>
+                      <a:r>
+                        <a:rPr lang="en-US" dirty="0"/>
+                        <a:t>Updating the models</a:t>
+                      </a:r>
+                      <a:endParaRPr lang="en-CA" dirty="0"/>
+                    </a:p>
+                  </a:txBody>
+                  <a:tcPr/>
+                </a:tc>
+                <a:tc>
+                  <a:txBody>
+                    <a:bodyPr/>
+                    <a:lstStyle/>
+                    <a:p>
+                      <a:r>
+                        <a:rPr lang="en-US" dirty="0"/>
+                        <a:t>These are currently set to create a materialized view. These could be set to refresh incrementally. Would need to explore how often policy details change historically to determine kind of incremental method to use</a:t>
+                      </a:r>
+                      <a:endParaRPr lang="en-CA" dirty="0"/>
+                    </a:p>
+                  </a:txBody>
+                  <a:tcPr/>
+                </a:tc>
+                <a:extLst>
+                  <a:ext uri="{0D108BD9-81ED-4DB2-BD59-A6C34878D82A}">
+                    <a16:rowId xmlns:a16="http://schemas.microsoft.com/office/drawing/2014/main" val="1533423657"/>
+                  </a:ext>
+                </a:extLst>
+              </a:tr>
+              <a:tr h="370840">
+                <a:tc>
+                  <a:txBody>
+                    <a:bodyPr/>
+                    <a:lstStyle/>
+                    <a:p>
+                      <a:r>
+                        <a:rPr lang="en-US" dirty="0"/>
+                        <a:t>Policy Lifecycle is one line per policy. Some of the more granular detail will be lost</a:t>
+                      </a:r>
+                      <a:endParaRPr lang="en-CA" dirty="0"/>
+                    </a:p>
+                  </a:txBody>
+                  <a:tcPr/>
+                </a:tc>
+                <a:tc>
+                  <a:txBody>
+                    <a:bodyPr/>
+                    <a:lstStyle/>
+                    <a:p>
+                      <a:r>
+                        <a:rPr lang="en-US" dirty="0"/>
+                        <a:t>For more detailed querying the deeper models can be used </a:t>
+                      </a:r>
+                      <a:endParaRPr lang="en-CA" dirty="0"/>
+                    </a:p>
+                  </a:txBody>
+                  <a:tcPr/>
+                </a:tc>
+                <a:extLst>
+                  <a:ext uri="{0D108BD9-81ED-4DB2-BD59-A6C34878D82A}">
+                    <a16:rowId xmlns:a16="http://schemas.microsoft.com/office/drawing/2014/main" val="3073856958"/>
+                  </a:ext>
+                </a:extLst>
+              </a:tr>
+            </a:tbl>
+          </a:graphicData>
+        </a:graphic>
+      </p:graphicFrame>
+      <p:pic>
+        <p:nvPicPr>
+          <p:cNvPr id="10" name="Picture 9">
+            <a:extLst>
+              <a:ext uri="{FF2B5EF4-FFF2-40B4-BE49-F238E27FC236}">
+                <a16:creationId xmlns:a16="http://schemas.microsoft.com/office/drawing/2014/main" id="{3398A3A5-342A-D386-48BF-FD513E58A5C0}"/>
+              </a:ext>
+            </a:extLst>
+          </p:cNvPr>
+          <p:cNvPicPr>
+            <a:picLocks noChangeAspect="1"/>
+          </p:cNvPicPr>
+          <p:nvPr/>
+        </p:nvPicPr>
+        <p:blipFill>
+          <a:blip r:embed="rId2"/>
+          <a:stretch>
+            <a:fillRect/>
+          </a:stretch>
+        </p:blipFill>
+        <p:spPr>
+          <a:xfrm>
+            <a:off x="11192391" y="0"/>
+            <a:ext cx="999609" cy="961465"/>
+          </a:xfrm>
+          <a:prstGeom prst="rect">
+            <a:avLst/>
+          </a:prstGeom>
+        </p:spPr>
+      </p:pic>
+    </p:spTree>
+    <p:extLst>
+      <p:ext uri="{BB962C8B-B14F-4D97-AF65-F5344CB8AC3E}">
+        <p14:creationId xmlns:p14="http://schemas.microsoft.com/office/powerpoint/2010/main" val="3097868961"/>
+      </p:ext>
+    </p:extLst>
+  </p:cSld>
+  <p:clrMapOvr>
+    <a:masterClrMapping/>
+  </p:clrMapOvr>
+</p:sld>
+</file>
+
+<file path=ppt/slides/slide9.xml><?xml version="1.0" encoding="utf-8"?>
+<p:sld xmlns:a="http://schemas.openxmlformats.org/drawingml/2006/main" xmlns:r="http://schemas.openxmlformats.org/officeDocument/2006/relationships" xmlns:p="http://schemas.openxmlformats.org/presentationml/2006/main">
+  <p:cSld>
+    <p:bg>
+      <p:bgPr>
+        <a:solidFill>
+          <a:schemeClr val="bg1"/>
+        </a:solidFill>
+        <a:effectLst/>
+      </p:bgPr>
+    </p:bg>
+    <p:spTree>
+      <p:nvGrpSpPr>
+        <p:cNvPr id="1" name=""/>
+        <p:cNvGrpSpPr/>
+        <p:nvPr/>
+      </p:nvGrpSpPr>
+      <p:grpSpPr>
+        <a:xfrm>
+          <a:off x="0" y="0"/>
+          <a:ext cx="0" cy="0"/>
+          <a:chOff x="0" y="0"/>
+          <a:chExt cx="0" cy="0"/>
+        </a:xfrm>
+      </p:grpSpPr>
+      <p:sp useBgFill="1">
+        <p:nvSpPr>
+          <p:cNvPr id="11" name="Rectangle 10">
+            <a:extLst>
+              <a:ext uri="{FF2B5EF4-FFF2-40B4-BE49-F238E27FC236}">
+                <a16:creationId xmlns:a16="http://schemas.microsoft.com/office/drawing/2014/main" id="{93245F62-CCC4-49E4-B95B-EA6C1E790510}"/>
+              </a:ext>
+              <a:ext uri="{C183D7F6-B498-43B3-948B-1728B52AA6E4}">
+                <adec:decorative xmlns:adec="http://schemas.microsoft.com/office/drawing/2017/decorative" val="1"/>
+              </a:ext>
+            </a:extLst>
+          </p:cNvPr>
+          <p:cNvSpPr>
+            <a:spLocks noGrp="1" noRot="1" noChangeAspect="1" noMove="1" noResize="1" noEditPoints="1" noAdjustHandles="1" noChangeArrowheads="1" noChangeShapeType="1" noTextEdit="1"/>
+          </p:cNvSpPr>
+          <p:nvPr>
+            <p:extLst>
+              <p:ext uri="{386F3935-93C4-4BCD-93E2-E3B085C9AB24}">
+                <p16:designElem xmlns:p16="http://schemas.microsoft.com/office/powerpoint/2015/main" val="1"/>
+              </p:ext>
+            </p:extLst>
+          </p:nvPr>
+        </p:nvSpPr>
+        <p:spPr>
+          <a:xfrm>
+            <a:off x="0" y="0"/>
+            <a:ext cx="12192000" cy="6858000"/>
+          </a:xfrm>
+          <a:prstGeom prst="rect">
+            <a:avLst/>
+          </a:prstGeom>
+          <a:ln>
+            <a:noFill/>
+          </a:ln>
+        </p:spPr>
+        <p:style>
+          <a:lnRef idx="2">
+            <a:schemeClr val="accent1">
+              <a:shade val="50000"/>
+            </a:schemeClr>
+          </a:lnRef>
+          <a:fillRef idx="1">
+            <a:schemeClr val="accent1"/>
+          </a:fillRef>
+          <a:effectRef idx="0">
+            <a:schemeClr val="accent1"/>
+          </a:effectRef>
+          <a:fontRef idx="minor">
+            <a:schemeClr val="lt1"/>
+          </a:fontRef>
+        </p:style>
+        <p:txBody>
+          <a:bodyPr rtlCol="0" anchor="ctr"/>
+          <a:lstStyle/>
+          <a:p>
+            <a:pPr algn="ctr"/>
+            <a:endParaRPr lang="en-US" dirty="0"/>
+          </a:p>
+        </p:txBody>
+      </p:sp>
+      <p:sp>
+        <p:nvSpPr>
+          <p:cNvPr id="5" name="Title 1">
+            <a:extLst>
+              <a:ext uri="{FF2B5EF4-FFF2-40B4-BE49-F238E27FC236}">
+                <a16:creationId xmlns:a16="http://schemas.microsoft.com/office/drawing/2014/main" id="{587312CE-9D91-4938-0573-A587F72087F2}"/>
+              </a:ext>
+            </a:extLst>
+          </p:cNvPr>
+          <p:cNvSpPr txBox="1">
+            <a:spLocks/>
+          </p:cNvSpPr>
+          <p:nvPr/>
+        </p:nvSpPr>
+        <p:spPr>
+          <a:xfrm>
+            <a:off x="638882" y="3577456"/>
+            <a:ext cx="10909640" cy="1687814"/>
+          </a:xfrm>
+          <a:prstGeom prst="rect">
+            <a:avLst/>
+          </a:prstGeom>
+        </p:spPr>
+        <p:txBody>
+          <a:bodyPr vert="horz" lIns="91440" tIns="45720" rIns="91440" bIns="45720" rtlCol="0" anchor="b">
+            <a:normAutofit/>
+          </a:bodyPr>
+          <a:lstStyle>
+            <a:lvl1pPr algn="l" defTabSz="914400" rtl="0" eaLnBrk="1" latinLnBrk="0" hangingPunct="1">
+              <a:lnSpc>
+                <a:spcPct val="90000"/>
+              </a:lnSpc>
+              <a:spcBef>
+                <a:spcPct val="0"/>
+              </a:spcBef>
+              <a:buNone/>
+              <a:defRPr sz="4400" kern="1200">
+                <a:solidFill>
+                  <a:schemeClr val="tx1"/>
+                </a:solidFill>
+                <a:latin typeface="+mj-lt"/>
+                <a:ea typeface="+mj-ea"/>
+                <a:cs typeface="+mj-cs"/>
+              </a:defRPr>
+            </a:lvl1pPr>
+          </a:lstStyle>
+          <a:p>
+            <a:pPr algn="ctr">
+              <a:spcAft>
+                <a:spcPts val="600"/>
+              </a:spcAft>
+            </a:pPr>
+            <a:r>
+              <a:rPr lang="en-US" sz="6600" kern="1200" dirty="0">
+                <a:solidFill>
+                  <a:schemeClr val="tx1"/>
+                </a:solidFill>
+                <a:latin typeface="+mj-lt"/>
+                <a:ea typeface="+mj-ea"/>
+                <a:cs typeface="+mj-cs"/>
+              </a:rPr>
+              <a:t>Thank you!</a:t>
+            </a:r>
+          </a:p>
+        </p:txBody>
+      </p:sp>
+      <p:pic>
+        <p:nvPicPr>
+          <p:cNvPr id="4" name="Picture 3" descr="A yellow cone with confetti and text&#10;&#10;AI-generated content may be incorrect.">
+            <a:extLst>
+              <a:ext uri="{FF2B5EF4-FFF2-40B4-BE49-F238E27FC236}">
+                <a16:creationId xmlns:a16="http://schemas.microsoft.com/office/drawing/2014/main" id="{87463551-08BD-3A0D-B99F-3C393C1B95CF}"/>
+              </a:ext>
+            </a:extLst>
+          </p:cNvPr>
+          <p:cNvPicPr>
+            <a:picLocks noChangeAspect="1"/>
+          </p:cNvPicPr>
+          <p:nvPr/>
+        </p:nvPicPr>
+        <p:blipFill>
+          <a:blip r:embed="rId2"/>
+          <a:stretch>
+            <a:fillRect/>
+          </a:stretch>
+        </p:blipFill>
+        <p:spPr>
+          <a:xfrm>
+            <a:off x="2873908" y="1181872"/>
+            <a:ext cx="6439588" cy="1561599"/>
+          </a:xfrm>
+          <a:prstGeom prst="rect">
+            <a:avLst/>
+          </a:prstGeom>
+        </p:spPr>
+      </p:pic>
+      <p:sp>
+        <p:nvSpPr>
+          <p:cNvPr id="13" name="sketch line">
+            <a:extLst>
+              <a:ext uri="{FF2B5EF4-FFF2-40B4-BE49-F238E27FC236}">
+                <a16:creationId xmlns:a16="http://schemas.microsoft.com/office/drawing/2014/main" id="{E6C0DD6B-6AA3-448F-9B99-8386295BC1B4}"/>
+              </a:ext>
+              <a:ext uri="{C183D7F6-B498-43B3-948B-1728B52AA6E4}">
+                <adec:decorative xmlns:adec="http://schemas.microsoft.com/office/drawing/2017/decorative" val="1"/>
+              </a:ext>
+            </a:extLst>
+          </p:cNvPr>
+          <p:cNvSpPr>
+            <a:spLocks noGrp="1" noRot="1" noChangeAspect="1" noMove="1" noResize="1" noEditPoints="1" noAdjustHandles="1" noChangeArrowheads="1" noChangeShapeType="1" noTextEdit="1"/>
+          </p:cNvSpPr>
+          <p:nvPr>
+            <p:extLst>
+              <p:ext uri="{386F3935-93C4-4BCD-93E2-E3B085C9AB24}">
+                <p16:designElem xmlns:p16="http://schemas.microsoft.com/office/powerpoint/2015/main" val="1"/>
+              </p:ext>
+            </p:extLst>
+          </p:nvPr>
+        </p:nvSpPr>
+        <p:spPr>
+          <a:xfrm>
+            <a:off x="3807702" y="5509052"/>
+            <a:ext cx="4572000" cy="18288"/>
+          </a:xfrm>
+          <a:custGeom>
+            <a:avLst/>
+            <a:gdLst>
+              <a:gd name="connsiteX0" fmla="*/ 0 w 4572000"/>
+              <a:gd name="connsiteY0" fmla="*/ 0 h 18288"/>
+              <a:gd name="connsiteX1" fmla="*/ 515983 w 4572000"/>
+              <a:gd name="connsiteY1" fmla="*/ 0 h 18288"/>
+              <a:gd name="connsiteX2" fmla="*/ 1031966 w 4572000"/>
+              <a:gd name="connsiteY2" fmla="*/ 0 h 18288"/>
+              <a:gd name="connsiteX3" fmla="*/ 1639389 w 4572000"/>
+              <a:gd name="connsiteY3" fmla="*/ 0 h 18288"/>
+              <a:gd name="connsiteX4" fmla="*/ 2383971 w 4572000"/>
+              <a:gd name="connsiteY4" fmla="*/ 0 h 18288"/>
+              <a:gd name="connsiteX5" fmla="*/ 2945674 w 4572000"/>
+              <a:gd name="connsiteY5" fmla="*/ 0 h 18288"/>
+              <a:gd name="connsiteX6" fmla="*/ 3507377 w 4572000"/>
+              <a:gd name="connsiteY6" fmla="*/ 0 h 18288"/>
+              <a:gd name="connsiteX7" fmla="*/ 4572000 w 4572000"/>
+              <a:gd name="connsiteY7" fmla="*/ 0 h 18288"/>
+              <a:gd name="connsiteX8" fmla="*/ 4572000 w 4572000"/>
+              <a:gd name="connsiteY8" fmla="*/ 18288 h 18288"/>
+              <a:gd name="connsiteX9" fmla="*/ 3873137 w 4572000"/>
+              <a:gd name="connsiteY9" fmla="*/ 18288 h 18288"/>
+              <a:gd name="connsiteX10" fmla="*/ 3311434 w 4572000"/>
+              <a:gd name="connsiteY10" fmla="*/ 18288 h 18288"/>
+              <a:gd name="connsiteX11" fmla="*/ 2749731 w 4572000"/>
+              <a:gd name="connsiteY11" fmla="*/ 18288 h 18288"/>
+              <a:gd name="connsiteX12" fmla="*/ 2050869 w 4572000"/>
+              <a:gd name="connsiteY12" fmla="*/ 18288 h 18288"/>
+              <a:gd name="connsiteX13" fmla="*/ 1306286 w 4572000"/>
+              <a:gd name="connsiteY13" fmla="*/ 18288 h 18288"/>
+              <a:gd name="connsiteX14" fmla="*/ 790303 w 4572000"/>
+              <a:gd name="connsiteY14" fmla="*/ 18288 h 18288"/>
+              <a:gd name="connsiteX15" fmla="*/ 0 w 4572000"/>
+              <a:gd name="connsiteY15" fmla="*/ 18288 h 18288"/>
+              <a:gd name="connsiteX16" fmla="*/ 0 w 4572000"/>
+              <a:gd name="connsiteY16" fmla="*/ 0 h 18288"/>
+            </a:gdLst>
+            <a:ahLst/>
+            <a:cxnLst>
+              <a:cxn ang="0">
+                <a:pos x="connsiteX0" y="connsiteY0"/>
+              </a:cxn>
+              <a:cxn ang="0">
+                <a:pos x="connsiteX1" y="connsiteY1"/>
+              </a:cxn>
+              <a:cxn ang="0">
+                <a:pos x="connsiteX2" y="connsiteY2"/>
+              </a:cxn>
+              <a:cxn ang="0">
+                <a:pos x="connsiteX3" y="connsiteY3"/>
+              </a:cxn>
+              <a:cxn ang="0">
+                <a:pos x="connsiteX4" y="connsiteY4"/>
+              </a:cxn>
+              <a:cxn ang="0">
+                <a:pos x="connsiteX5" y="connsiteY5"/>
+              </a:cxn>
+              <a:cxn ang="0">
+                <a:pos x="connsiteX6" y="connsiteY6"/>
+              </a:cxn>
+              <a:cxn ang="0">
+                <a:pos x="connsiteX7" y="connsiteY7"/>
+              </a:cxn>
+              <a:cxn ang="0">
+                <a:pos x="connsiteX8" y="connsiteY8"/>
+              </a:cxn>
+              <a:cxn ang="0">
+                <a:pos x="connsiteX9" y="connsiteY9"/>
+              </a:cxn>
+              <a:cxn ang="0">
+                <a:pos x="connsiteX10" y="connsiteY10"/>
+              </a:cxn>
+              <a:cxn ang="0">
+                <a:pos x="connsiteX11" y="connsiteY11"/>
+              </a:cxn>
+              <a:cxn ang="0">
+                <a:pos x="connsiteX12" y="connsiteY12"/>
+              </a:cxn>
+              <a:cxn ang="0">
+                <a:pos x="connsiteX13" y="connsiteY13"/>
+              </a:cxn>
+              <a:cxn ang="0">
+                <a:pos x="connsiteX14" y="connsiteY14"/>
+              </a:cxn>
+              <a:cxn ang="0">
+                <a:pos x="connsiteX15" y="connsiteY15"/>
+              </a:cxn>
+              <a:cxn ang="0">
+                <a:pos x="connsiteX16" y="connsiteY16"/>
+              </a:cxn>
+            </a:cxnLst>
+            <a:rect l="l" t="t" r="r" b="b"/>
+            <a:pathLst>
+              <a:path w="4572000" h="18288" fill="none" extrusionOk="0">
+                <a:moveTo>
+                  <a:pt x="0" y="0"/>
+                </a:moveTo>
+                <a:cubicBezTo>
+                  <a:pt x="105156" y="-20963"/>
+                  <a:pt x="340432" y="822"/>
+                  <a:pt x="515983" y="0"/>
+                </a:cubicBezTo>
+                <a:cubicBezTo>
+                  <a:pt x="691534" y="-822"/>
+                  <a:pt x="850679" y="16479"/>
+                  <a:pt x="1031966" y="0"/>
+                </a:cubicBezTo>
+                <a:cubicBezTo>
+                  <a:pt x="1213253" y="-16479"/>
+                  <a:pt x="1443646" y="-18730"/>
+                  <a:pt x="1639389" y="0"/>
+                </a:cubicBezTo>
+                <a:cubicBezTo>
+                  <a:pt x="1835132" y="18730"/>
+                  <a:pt x="2159975" y="18531"/>
+                  <a:pt x="2383971" y="0"/>
+                </a:cubicBezTo>
+                <a:cubicBezTo>
+                  <a:pt x="2607967" y="-18531"/>
+                  <a:pt x="2719096" y="-12030"/>
+                  <a:pt x="2945674" y="0"/>
+                </a:cubicBezTo>
+                <a:cubicBezTo>
+                  <a:pt x="3172252" y="12030"/>
+                  <a:pt x="3269167" y="27666"/>
+                  <a:pt x="3507377" y="0"/>
+                </a:cubicBezTo>
+                <a:cubicBezTo>
+                  <a:pt x="3745587" y="-27666"/>
+                  <a:pt x="4116741" y="18705"/>
+                  <a:pt x="4572000" y="0"/>
+                </a:cubicBezTo>
+                <a:cubicBezTo>
+                  <a:pt x="4572895" y="8974"/>
+                  <a:pt x="4571454" y="9359"/>
+                  <a:pt x="4572000" y="18288"/>
+                </a:cubicBezTo>
+                <a:cubicBezTo>
+                  <a:pt x="4374698" y="3942"/>
+                  <a:pt x="4098874" y="-11042"/>
+                  <a:pt x="3873137" y="18288"/>
+                </a:cubicBezTo>
+                <a:cubicBezTo>
+                  <a:pt x="3647400" y="47618"/>
+                  <a:pt x="3517055" y="5421"/>
+                  <a:pt x="3311434" y="18288"/>
+                </a:cubicBezTo>
+                <a:cubicBezTo>
+                  <a:pt x="3105813" y="31155"/>
+                  <a:pt x="3025168" y="17856"/>
+                  <a:pt x="2749731" y="18288"/>
+                </a:cubicBezTo>
+                <a:cubicBezTo>
+                  <a:pt x="2474294" y="18720"/>
+                  <a:pt x="2291766" y="-14168"/>
+                  <a:pt x="2050869" y="18288"/>
+                </a:cubicBezTo>
+                <a:cubicBezTo>
+                  <a:pt x="1809972" y="50744"/>
+                  <a:pt x="1540276" y="46798"/>
+                  <a:pt x="1306286" y="18288"/>
+                </a:cubicBezTo>
+                <a:cubicBezTo>
+                  <a:pt x="1072296" y="-10222"/>
+                  <a:pt x="972445" y="19645"/>
+                  <a:pt x="790303" y="18288"/>
+                </a:cubicBezTo>
+                <a:cubicBezTo>
+                  <a:pt x="608161" y="16931"/>
+                  <a:pt x="200981" y="8241"/>
+                  <a:pt x="0" y="18288"/>
+                </a:cubicBezTo>
+                <a:cubicBezTo>
+                  <a:pt x="-229" y="14222"/>
+                  <a:pt x="509" y="5816"/>
+                  <a:pt x="0" y="0"/>
+                </a:cubicBezTo>
+                <a:close/>
+              </a:path>
+              <a:path w="4572000" h="18288" stroke="0" extrusionOk="0">
+                <a:moveTo>
+                  <a:pt x="0" y="0"/>
+                </a:moveTo>
+                <a:cubicBezTo>
+                  <a:pt x="143285" y="-9565"/>
+                  <a:pt x="327959" y="-11498"/>
+                  <a:pt x="561703" y="0"/>
+                </a:cubicBezTo>
+                <a:cubicBezTo>
+                  <a:pt x="795447" y="11498"/>
+                  <a:pt x="838260" y="18255"/>
+                  <a:pt x="1077686" y="0"/>
+                </a:cubicBezTo>
+                <a:cubicBezTo>
+                  <a:pt x="1317112" y="-18255"/>
+                  <a:pt x="1437472" y="23514"/>
+                  <a:pt x="1639389" y="0"/>
+                </a:cubicBezTo>
+                <a:cubicBezTo>
+                  <a:pt x="1841306" y="-23514"/>
+                  <a:pt x="2037142" y="-12551"/>
+                  <a:pt x="2292531" y="0"/>
+                </a:cubicBezTo>
+                <a:cubicBezTo>
+                  <a:pt x="2547920" y="12551"/>
+                  <a:pt x="2810436" y="-20352"/>
+                  <a:pt x="2991394" y="0"/>
+                </a:cubicBezTo>
+                <a:cubicBezTo>
+                  <a:pt x="3172352" y="20352"/>
+                  <a:pt x="3530025" y="-13347"/>
+                  <a:pt x="3735977" y="0"/>
+                </a:cubicBezTo>
+                <a:cubicBezTo>
+                  <a:pt x="3941929" y="13347"/>
+                  <a:pt x="4161497" y="34086"/>
+                  <a:pt x="4572000" y="0"/>
+                </a:cubicBezTo>
+                <a:cubicBezTo>
+                  <a:pt x="4571545" y="6162"/>
+                  <a:pt x="4571903" y="11775"/>
+                  <a:pt x="4572000" y="18288"/>
+                </a:cubicBezTo>
+                <a:cubicBezTo>
+                  <a:pt x="4228040" y="36490"/>
+                  <a:pt x="4199736" y="42557"/>
+                  <a:pt x="3873137" y="18288"/>
+                </a:cubicBezTo>
+                <a:cubicBezTo>
+                  <a:pt x="3546538" y="-5981"/>
+                  <a:pt x="3472124" y="16809"/>
+                  <a:pt x="3128554" y="18288"/>
+                </a:cubicBezTo>
+                <a:cubicBezTo>
+                  <a:pt x="2784984" y="19767"/>
+                  <a:pt x="2735896" y="-17781"/>
+                  <a:pt x="2383971" y="18288"/>
+                </a:cubicBezTo>
+                <a:cubicBezTo>
+                  <a:pt x="2032046" y="54357"/>
+                  <a:pt x="2019324" y="2920"/>
+                  <a:pt x="1867989" y="18288"/>
+                </a:cubicBezTo>
+                <a:cubicBezTo>
+                  <a:pt x="1716654" y="33656"/>
+                  <a:pt x="1418675" y="32575"/>
+                  <a:pt x="1169126" y="18288"/>
+                </a:cubicBezTo>
+                <a:cubicBezTo>
+                  <a:pt x="919577" y="4001"/>
+                  <a:pt x="798537" y="16165"/>
+                  <a:pt x="561703" y="18288"/>
+                </a:cubicBezTo>
+                <a:cubicBezTo>
+                  <a:pt x="324869" y="20411"/>
+                  <a:pt x="221395" y="-912"/>
+                  <a:pt x="0" y="18288"/>
+                </a:cubicBezTo>
+                <a:cubicBezTo>
+                  <a:pt x="766" y="10800"/>
+                  <a:pt x="-457" y="8180"/>
+                  <a:pt x="0" y="0"/>
+                </a:cubicBezTo>
+                <a:close/>
+              </a:path>
+            </a:pathLst>
+          </a:custGeom>
+          <a:solidFill>
+            <a:schemeClr val="accent2"/>
+          </a:solidFill>
+          <a:ln w="41275" cap="rnd">
+            <a:solidFill>
+              <a:schemeClr val="accent2"/>
+            </a:solidFill>
+            <a:round/>
+            <a:extLst>
+              <a:ext uri="{C807C97D-BFC1-408E-A445-0C87EB9F89A2}">
+                <ask:lineSketchStyleProps xmlns:ask="http://schemas.microsoft.com/office/drawing/2018/sketchyshapes" sd="2727557108">
+                  <a:prstGeom prst="rect">
+                    <a:avLst/>
+                  </a:prstGeom>
+                  <ask:type>
+                    <ask:lineSketchFreehand/>
+                  </ask:type>
+                </ask:lineSketchStyleProps>
+              </a:ext>
+            </a:extLst>
+          </a:ln>
+        </p:spPr>
+        <p:style>
+          <a:lnRef idx="2">
+            <a:schemeClr val="accent1">
+              <a:shade val="50000"/>
+            </a:schemeClr>
+          </a:lnRef>
+          <a:fillRef idx="1">
+            <a:schemeClr val="accent1"/>
+          </a:fillRef>
+          <a:effectRef idx="0">
+            <a:schemeClr val="accent1"/>
+          </a:effectRef>
+          <a:fontRef idx="minor">
+            <a:schemeClr val="lt1"/>
+          </a:fontRef>
+        </p:style>
+        <p:txBody>
+          <a:bodyPr rtlCol="0" anchor="ctr"/>
+          <a:lstStyle/>
+          <a:p>
+            <a:pPr algn="ctr"/>
+            <a:endParaRPr lang="en-US" dirty="0"/>
+          </a:p>
+        </p:txBody>
+      </p:sp>
+      <p:pic>
+        <p:nvPicPr>
+          <p:cNvPr id="6" name="Picture 5" descr="A purple circle with letters in it&#10;&#10;AI-generated content may be incorrect.">
+            <a:extLst>
+              <a:ext uri="{FF2B5EF4-FFF2-40B4-BE49-F238E27FC236}">
+                <a16:creationId xmlns:a16="http://schemas.microsoft.com/office/drawing/2014/main" id="{45D4E19E-B26F-5ABE-158E-CA62898A9C64}"/>
+              </a:ext>
+            </a:extLst>
+          </p:cNvPr>
+          <p:cNvPicPr>
+            <a:picLocks noChangeAspect="1"/>
+          </p:cNvPicPr>
+          <p:nvPr/>
+        </p:nvPicPr>
+        <p:blipFill>
+          <a:blip r:embed="rId3"/>
+          <a:stretch>
+            <a:fillRect/>
+          </a:stretch>
+        </p:blipFill>
+        <p:spPr>
+          <a:xfrm>
+            <a:off x="11192391" y="0"/>
+            <a:ext cx="999609" cy="961465"/>
           </a:xfrm>
           <a:prstGeom prst="rect">
             <a:avLst/>

--- a/IAG Take Home Exercise.pptx
+++ b/IAG Take Home Exercise.pptx
@@ -853,7 +853,7 @@
           <a:p>
             <a:fld id="{4D56F327-63C9-4D50-B79F-C07E3D196B1F}" type="datetimeFigureOut">
               <a:rPr lang="en-CA" smtClean="0"/>
-              <a:t>2025-07-26</a:t>
+              <a:t>2025-07-27</a:t>
             </a:fld>
             <a:endParaRPr lang="en-CA" dirty="0"/>
           </a:p>
@@ -1053,7 +1053,7 @@
           <a:p>
             <a:fld id="{4D56F327-63C9-4D50-B79F-C07E3D196B1F}" type="datetimeFigureOut">
               <a:rPr lang="en-CA" smtClean="0"/>
-              <a:t>2025-07-26</a:t>
+              <a:t>2025-07-27</a:t>
             </a:fld>
             <a:endParaRPr lang="en-CA" dirty="0"/>
           </a:p>
@@ -1263,7 +1263,7 @@
           <a:p>
             <a:fld id="{4D56F327-63C9-4D50-B79F-C07E3D196B1F}" type="datetimeFigureOut">
               <a:rPr lang="en-CA" smtClean="0"/>
-              <a:t>2025-07-26</a:t>
+              <a:t>2025-07-27</a:t>
             </a:fld>
             <a:endParaRPr lang="en-CA" dirty="0"/>
           </a:p>
@@ -1463,7 +1463,7 @@
           <a:p>
             <a:fld id="{4D56F327-63C9-4D50-B79F-C07E3D196B1F}" type="datetimeFigureOut">
               <a:rPr lang="en-CA" smtClean="0"/>
-              <a:t>2025-07-26</a:t>
+              <a:t>2025-07-27</a:t>
             </a:fld>
             <a:endParaRPr lang="en-CA" dirty="0"/>
           </a:p>
@@ -1739,7 +1739,7 @@
           <a:p>
             <a:fld id="{4D56F327-63C9-4D50-B79F-C07E3D196B1F}" type="datetimeFigureOut">
               <a:rPr lang="en-CA" smtClean="0"/>
-              <a:t>2025-07-26</a:t>
+              <a:t>2025-07-27</a:t>
             </a:fld>
             <a:endParaRPr lang="en-CA" dirty="0"/>
           </a:p>
@@ -2007,7 +2007,7 @@
           <a:p>
             <a:fld id="{4D56F327-63C9-4D50-B79F-C07E3D196B1F}" type="datetimeFigureOut">
               <a:rPr lang="en-CA" smtClean="0"/>
-              <a:t>2025-07-26</a:t>
+              <a:t>2025-07-27</a:t>
             </a:fld>
             <a:endParaRPr lang="en-CA" dirty="0"/>
           </a:p>
@@ -2422,7 +2422,7 @@
           <a:p>
             <a:fld id="{4D56F327-63C9-4D50-B79F-C07E3D196B1F}" type="datetimeFigureOut">
               <a:rPr lang="en-CA" smtClean="0"/>
-              <a:t>2025-07-26</a:t>
+              <a:t>2025-07-27</a:t>
             </a:fld>
             <a:endParaRPr lang="en-CA" dirty="0"/>
           </a:p>
@@ -2564,7 +2564,7 @@
           <a:p>
             <a:fld id="{4D56F327-63C9-4D50-B79F-C07E3D196B1F}" type="datetimeFigureOut">
               <a:rPr lang="en-CA" smtClean="0"/>
-              <a:t>2025-07-26</a:t>
+              <a:t>2025-07-27</a:t>
             </a:fld>
             <a:endParaRPr lang="en-CA" dirty="0"/>
           </a:p>
@@ -2677,7 +2677,7 @@
           <a:p>
             <a:fld id="{4D56F327-63C9-4D50-B79F-C07E3D196B1F}" type="datetimeFigureOut">
               <a:rPr lang="en-CA" smtClean="0"/>
-              <a:t>2025-07-26</a:t>
+              <a:t>2025-07-27</a:t>
             </a:fld>
             <a:endParaRPr lang="en-CA" dirty="0"/>
           </a:p>
@@ -2990,7 +2990,7 @@
           <a:p>
             <a:fld id="{4D56F327-63C9-4D50-B79F-C07E3D196B1F}" type="datetimeFigureOut">
               <a:rPr lang="en-CA" smtClean="0"/>
-              <a:t>2025-07-26</a:t>
+              <a:t>2025-07-27</a:t>
             </a:fld>
             <a:endParaRPr lang="en-CA" dirty="0"/>
           </a:p>
@@ -3279,7 +3279,7 @@
           <a:p>
             <a:fld id="{4D56F327-63C9-4D50-B79F-C07E3D196B1F}" type="datetimeFigureOut">
               <a:rPr lang="en-CA" smtClean="0"/>
-              <a:t>2025-07-26</a:t>
+              <a:t>2025-07-27</a:t>
             </a:fld>
             <a:endParaRPr lang="en-CA" dirty="0"/>
           </a:p>
@@ -3522,7 +3522,7 @@
           <a:p>
             <a:fld id="{4D56F327-63C9-4D50-B79F-C07E3D196B1F}" type="datetimeFigureOut">
               <a:rPr lang="en-CA" smtClean="0"/>
-              <a:t>2025-07-26</a:t>
+              <a:t>2025-07-27</a:t>
             </a:fld>
             <a:endParaRPr lang="en-CA" dirty="0"/>
           </a:p>
@@ -6458,15 +6458,7 @@
           <a:p>
             <a:r>
               <a:rPr lang="en-US" sz="1400" dirty="0"/>
-              <a:t>* Note: Models (SQL), Documentation (.</a:t>
-            </a:r>
-            <a:r>
-              <a:rPr lang="en-US" sz="1400" dirty="0" err="1"/>
-              <a:t>yml</a:t>
-            </a:r>
-            <a:r>
-              <a:rPr lang="en-US" sz="1400" dirty="0"/>
-              <a:t>) and sample Airflow DAG (Python) located here:</a:t>
+              <a:t>* Note: Models (SQL), Documentation (.yml) and sample Airflow DAG (Python) located here:</a:t>
             </a:r>
           </a:p>
           <a:p>
@@ -7530,27 +7522,8 @@
                   </a:schemeClr>
                 </a:solidFill>
               </a:rPr>
-              <a:t>Summary </a:t>
-            </a:r>
-            <a:r>
-              <a:rPr lang="en-US" sz="1200" dirty="0" err="1">
-                <a:solidFill>
-                  <a:schemeClr val="tx1">
-                    <a:lumMod val="75000"/>
-                    <a:lumOff val="25000"/>
-                  </a:schemeClr>
-                </a:solidFill>
-              </a:rPr>
-              <a:t>profile_lifcycle_model</a:t>
-            </a:r>
-            <a:endParaRPr lang="en-US" sz="1200" dirty="0">
-              <a:solidFill>
-                <a:schemeClr val="tx1">
-                  <a:lumMod val="75000"/>
-                  <a:lumOff val="25000"/>
-                </a:schemeClr>
-              </a:solidFill>
-            </a:endParaRPr>
+              <a:t>Summary profile_lifcycle_model</a:t>
+            </a:r>
           </a:p>
           <a:p>
             <a:pPr marL="171450" indent="-171450">
@@ -8149,15 +8122,7 @@
                     <a:p>
                       <a:r>
                         <a:rPr lang="en-US" sz="1400" dirty="0"/>
-                        <a:t>These are currently set to create a materialized view. Would need to explore how often policy details change, incremental or </a:t>
-                      </a:r>
-                      <a:r>
-                        <a:rPr lang="en-US" sz="1400" dirty="0" err="1"/>
-                        <a:t>upsert</a:t>
-                      </a:r>
-                      <a:r>
-                        <a:rPr lang="en-US" sz="1400" dirty="0"/>
-                        <a:t> may be more efficient</a:t>
+                        <a:t>These are currently set to create a materialized view. Would need to explore how often policy details change, incremental or upsert may be more efficient</a:t>
                       </a:r>
                       <a:endParaRPr lang="en-CA" sz="1400" dirty="0"/>
                     </a:p>
@@ -8206,15 +8171,7 @@
                       </a:pPr>
                       <a:r>
                         <a:rPr lang="en-US" sz="1400" dirty="0"/>
-                        <a:t>Access details sorted in </a:t>
-                      </a:r>
-                      <a:r>
-                        <a:rPr lang="en-US" sz="1400" dirty="0" err="1"/>
-                        <a:t>profile.yml</a:t>
-                      </a:r>
-                      <a:r>
-                        <a:rPr lang="en-US" sz="1400" dirty="0"/>
-                        <a:t> or similar. Not hard-coded</a:t>
+                        <a:t>Access details sorted in profile.yml or similar. Not hard-coded</a:t>
                       </a:r>
                       <a:endParaRPr lang="en-CA" sz="1400" dirty="0"/>
                     </a:p>
@@ -8253,15 +8210,7 @@
                       </a:pPr>
                       <a:r>
                         <a:rPr lang="en-US" sz="1400" dirty="0"/>
-                        <a:t>Some checks are built into </a:t>
-                      </a:r>
-                      <a:r>
-                        <a:rPr lang="en-US" sz="1400" dirty="0" err="1"/>
-                        <a:t>schema.yml</a:t>
-                      </a:r>
-                      <a:r>
-                        <a:rPr lang="en-US" sz="1400" dirty="0"/>
-                        <a:t> to ensure data accuracy, e.g. policy number must be a unique value</a:t>
+                        <a:t>Some checks are built into schema.yml to ensure data accuracy, e.g. policy number must be a unique value</a:t>
                       </a:r>
                     </a:p>
                     <a:p>
@@ -8494,7 +8443,7 @@
           <a:lstStyle/>
           <a:p>
             <a:pPr algn="ctr"/>
-            <a:endParaRPr lang="en-CA">
+            <a:endParaRPr lang="en-CA" dirty="0">
               <a:solidFill>
                 <a:srgbClr val="4B0076"/>
               </a:solidFill>
@@ -8547,7 +8496,7 @@
           <a:lstStyle/>
           <a:p>
             <a:pPr algn="ctr"/>
-            <a:endParaRPr lang="en-CA"/>
+            <a:endParaRPr lang="en-CA" dirty="0"/>
           </a:p>
         </p:txBody>
       </p:sp>
@@ -8596,7 +8545,7 @@
           <a:lstStyle/>
           <a:p>
             <a:pPr algn="ctr"/>
-            <a:endParaRPr lang="en-CA">
+            <a:endParaRPr lang="en-CA" dirty="0">
               <a:solidFill>
                 <a:srgbClr val="4B0076"/>
               </a:solidFill>
@@ -8664,15 +8613,7 @@
           <a:p>
             <a:r>
               <a:rPr lang="en-US" sz="2800" dirty="0"/>
-              <a:t>Three models built in DBT: </a:t>
-            </a:r>
-            <a:r>
-              <a:rPr lang="en-US" sz="2800" dirty="0" err="1"/>
-              <a:t>src_policy_events</a:t>
-            </a:r>
-            <a:r>
-              <a:rPr lang="en-US" sz="2800" dirty="0"/>
-              <a:t>, quote_bind and policy_lifecycle_model, documentation in schema.yml*</a:t>
+              <a:t>Three models built in DBT: src_policy_events, quote_bind and policy_lifecycle_model, documentation in schema.yml*</a:t>
             </a:r>
             <a:endParaRPr lang="en-CA" sz="2800" dirty="0"/>
           </a:p>
@@ -8771,18 +8712,13 @@
               <a:buAutoNum type="arabicPeriod"/>
             </a:pPr>
             <a:r>
-              <a:rPr lang="en-US" sz="1400" b="1" dirty="0" err="1">
+              <a:rPr lang="en-US" sz="1400" b="1" dirty="0">
                 <a:solidFill>
                   <a:srgbClr val="4B0076"/>
                 </a:solidFill>
               </a:rPr>
               <a:t>SRC_Policy_Events</a:t>
             </a:r>
-            <a:endParaRPr lang="en-US" sz="1400" b="1" dirty="0">
-              <a:solidFill>
-                <a:srgbClr val="4B0076"/>
-              </a:solidFill>
-            </a:endParaRPr>
           </a:p>
           <a:p>
             <a:pPr marL="800100" lvl="1" indent="-342900">
@@ -9554,7 +9490,7 @@
           <a:lstStyle/>
           <a:p>
             <a:pPr algn="ctr"/>
-            <a:endParaRPr lang="en-CA"/>
+            <a:endParaRPr lang="en-CA" dirty="0"/>
           </a:p>
         </p:txBody>
       </p:sp>
@@ -10150,18 +10086,13 @@
           <a:p>
             <a:pPr algn="ctr"/>
             <a:r>
-              <a:rPr lang="en-US" sz="1400" dirty="0" err="1">
+              <a:rPr lang="en-US" sz="1400" dirty="0">
                 <a:solidFill>
                   <a:schemeClr val="tx1"/>
                 </a:solidFill>
               </a:rPr>
               <a:t>Get_failed_tasks</a:t>
             </a:r>
-            <a:endParaRPr lang="en-US" sz="1400" dirty="0">
-              <a:solidFill>
-                <a:schemeClr val="tx1"/>
-              </a:solidFill>
-            </a:endParaRPr>
           </a:p>
           <a:p>
             <a:pPr algn="ctr"/>
@@ -10659,15 +10590,7 @@
                   <a:schemeClr val="tx1"/>
                 </a:solidFill>
               </a:rPr>
-              <a:t>Run </a:t>
-            </a:r>
-            <a:r>
-              <a:rPr lang="en-US" sz="1400" dirty="0" err="1">
-                <a:solidFill>
-                  <a:schemeClr val="tx1"/>
-                </a:solidFill>
-              </a:rPr>
-              <a:t>src_policy_events</a:t>
+              <a:t>Run src_policy_events</a:t>
             </a:r>
             <a:endParaRPr lang="en-CA" sz="1400" dirty="0">
               <a:solidFill>
@@ -11000,6 +10923,82 @@
           </a:fontRef>
         </p:style>
       </p:cxnSp>
+      <p:sp>
+        <p:nvSpPr>
+          <p:cNvPr id="2" name="TextBox 1">
+            <a:extLst>
+              <a:ext uri="{FF2B5EF4-FFF2-40B4-BE49-F238E27FC236}">
+                <a16:creationId xmlns:a16="http://schemas.microsoft.com/office/drawing/2014/main" id="{567B9376-4F0E-F95D-A9F5-0B284B0277C8}"/>
+              </a:ext>
+            </a:extLst>
+          </p:cNvPr>
+          <p:cNvSpPr txBox="1"/>
+          <p:nvPr/>
+        </p:nvSpPr>
+        <p:spPr>
+          <a:xfrm>
+            <a:off x="8822989" y="4211506"/>
+            <a:ext cx="508787" cy="307777"/>
+          </a:xfrm>
+          <a:prstGeom prst="rect">
+            <a:avLst/>
+          </a:prstGeom>
+          <a:solidFill>
+            <a:schemeClr val="bg1"/>
+          </a:solidFill>
+        </p:spPr>
+        <p:txBody>
+          <a:bodyPr wrap="square" rtlCol="0">
+            <a:spAutoFit/>
+          </a:bodyPr>
+          <a:lstStyle/>
+          <a:p>
+            <a:r>
+              <a:rPr lang="en-US" sz="1400" dirty="0"/>
+              <a:t>Yes</a:t>
+            </a:r>
+            <a:endParaRPr lang="en-CA" sz="1400" dirty="0"/>
+          </a:p>
+        </p:txBody>
+      </p:sp>
+      <p:sp>
+        <p:nvSpPr>
+          <p:cNvPr id="3" name="TextBox 2">
+            <a:extLst>
+              <a:ext uri="{FF2B5EF4-FFF2-40B4-BE49-F238E27FC236}">
+                <a16:creationId xmlns:a16="http://schemas.microsoft.com/office/drawing/2014/main" id="{01062AA4-5F83-3BAA-A1FE-DA6BBEF7143A}"/>
+              </a:ext>
+            </a:extLst>
+          </p:cNvPr>
+          <p:cNvSpPr txBox="1"/>
+          <p:nvPr/>
+        </p:nvSpPr>
+        <p:spPr>
+          <a:xfrm>
+            <a:off x="9916991" y="3390089"/>
+            <a:ext cx="431361" cy="307777"/>
+          </a:xfrm>
+          <a:prstGeom prst="rect">
+            <a:avLst/>
+          </a:prstGeom>
+          <a:solidFill>
+            <a:schemeClr val="bg1"/>
+          </a:solidFill>
+        </p:spPr>
+        <p:txBody>
+          <a:bodyPr wrap="square" rtlCol="0">
+            <a:spAutoFit/>
+          </a:bodyPr>
+          <a:lstStyle/>
+          <a:p>
+            <a:r>
+              <a:rPr lang="en-US" sz="1400" dirty="0"/>
+              <a:t>No</a:t>
+            </a:r>
+            <a:endParaRPr lang="en-CA" sz="1400" dirty="0"/>
+          </a:p>
+        </p:txBody>
+      </p:sp>
     </p:spTree>
     <p:extLst>
       <p:ext uri="{BB962C8B-B14F-4D97-AF65-F5344CB8AC3E}">
